--- a/MV4025 Lab5-v3/FinalPresentationSchutt.Fetterolf.pptx
+++ b/MV4025 Lab5-v3/FinalPresentationSchutt.Fetterolf.pptx
@@ -2,10 +2,13 @@
 <file path=ppt/presentation.xml><?xml version="1.0" encoding="utf-8"?>
 <p:presentation xmlns:a="http://schemas.openxmlformats.org/drawingml/2006/main" xmlns:r="http://schemas.openxmlformats.org/officeDocument/2006/relationships" xmlns:p="http://schemas.openxmlformats.org/presentationml/2006/main" saveSubsetFonts="1">
   <p:sldMasterIdLst>
-    <p:sldMasterId id="2147483648" r:id="rId1"/>
+    <p:sldMasterId id="2147483749" r:id="rId1"/>
   </p:sldMasterIdLst>
   <p:sldIdLst>
     <p:sldId id="256" r:id="rId2"/>
+    <p:sldId id="257" r:id="rId3"/>
+    <p:sldId id="258" r:id="rId4"/>
+    <p:sldId id="259" r:id="rId5"/>
   </p:sldIdLst>
   <p:sldSz cx="12192000" cy="6858000"/>
   <p:notesSz cx="6858000" cy="9144000"/>
@@ -13,7 +16,7 @@
     <a:defPPr>
       <a:defRPr lang="en-US"/>
     </a:defPPr>
-    <a:lvl1pPr marL="0" algn="l" defTabSz="914400" rtl="0" eaLnBrk="1" latinLnBrk="0" hangingPunct="1">
+    <a:lvl1pPr marL="0" algn="l" defTabSz="457200" rtl="0" eaLnBrk="1" latinLnBrk="0" hangingPunct="1">
       <a:defRPr sz="1800" kern="1200">
         <a:solidFill>
           <a:schemeClr val="tx1"/>
@@ -23,7 +26,7 @@
         <a:cs typeface="+mn-cs"/>
       </a:defRPr>
     </a:lvl1pPr>
-    <a:lvl2pPr marL="457200" algn="l" defTabSz="914400" rtl="0" eaLnBrk="1" latinLnBrk="0" hangingPunct="1">
+    <a:lvl2pPr marL="457200" algn="l" defTabSz="457200" rtl="0" eaLnBrk="1" latinLnBrk="0" hangingPunct="1">
       <a:defRPr sz="1800" kern="1200">
         <a:solidFill>
           <a:schemeClr val="tx1"/>
@@ -33,7 +36,7 @@
         <a:cs typeface="+mn-cs"/>
       </a:defRPr>
     </a:lvl2pPr>
-    <a:lvl3pPr marL="914400" algn="l" defTabSz="914400" rtl="0" eaLnBrk="1" latinLnBrk="0" hangingPunct="1">
+    <a:lvl3pPr marL="914400" algn="l" defTabSz="457200" rtl="0" eaLnBrk="1" latinLnBrk="0" hangingPunct="1">
       <a:defRPr sz="1800" kern="1200">
         <a:solidFill>
           <a:schemeClr val="tx1"/>
@@ -43,7 +46,7 @@
         <a:cs typeface="+mn-cs"/>
       </a:defRPr>
     </a:lvl3pPr>
-    <a:lvl4pPr marL="1371600" algn="l" defTabSz="914400" rtl="0" eaLnBrk="1" latinLnBrk="0" hangingPunct="1">
+    <a:lvl4pPr marL="1371600" algn="l" defTabSz="457200" rtl="0" eaLnBrk="1" latinLnBrk="0" hangingPunct="1">
       <a:defRPr sz="1800" kern="1200">
         <a:solidFill>
           <a:schemeClr val="tx1"/>
@@ -53,7 +56,7 @@
         <a:cs typeface="+mn-cs"/>
       </a:defRPr>
     </a:lvl4pPr>
-    <a:lvl5pPr marL="1828800" algn="l" defTabSz="914400" rtl="0" eaLnBrk="1" latinLnBrk="0" hangingPunct="1">
+    <a:lvl5pPr marL="1828800" algn="l" defTabSz="457200" rtl="0" eaLnBrk="1" latinLnBrk="0" hangingPunct="1">
       <a:defRPr sz="1800" kern="1200">
         <a:solidFill>
           <a:schemeClr val="tx1"/>
@@ -63,7 +66,7 @@
         <a:cs typeface="+mn-cs"/>
       </a:defRPr>
     </a:lvl5pPr>
-    <a:lvl6pPr marL="2286000" algn="l" defTabSz="914400" rtl="0" eaLnBrk="1" latinLnBrk="0" hangingPunct="1">
+    <a:lvl6pPr marL="2286000" algn="l" defTabSz="457200" rtl="0" eaLnBrk="1" latinLnBrk="0" hangingPunct="1">
       <a:defRPr sz="1800" kern="1200">
         <a:solidFill>
           <a:schemeClr val="tx1"/>
@@ -73,7 +76,7 @@
         <a:cs typeface="+mn-cs"/>
       </a:defRPr>
     </a:lvl6pPr>
-    <a:lvl7pPr marL="2743200" algn="l" defTabSz="914400" rtl="0" eaLnBrk="1" latinLnBrk="0" hangingPunct="1">
+    <a:lvl7pPr marL="2743200" algn="l" defTabSz="457200" rtl="0" eaLnBrk="1" latinLnBrk="0" hangingPunct="1">
       <a:defRPr sz="1800" kern="1200">
         <a:solidFill>
           <a:schemeClr val="tx1"/>
@@ -83,7 +86,7 @@
         <a:cs typeface="+mn-cs"/>
       </a:defRPr>
     </a:lvl7pPr>
-    <a:lvl8pPr marL="3200400" algn="l" defTabSz="914400" rtl="0" eaLnBrk="1" latinLnBrk="0" hangingPunct="1">
+    <a:lvl8pPr marL="3200400" algn="l" defTabSz="457200" rtl="0" eaLnBrk="1" latinLnBrk="0" hangingPunct="1">
       <a:defRPr sz="1800" kern="1200">
         <a:solidFill>
           <a:schemeClr val="tx1"/>
@@ -93,7 +96,7 @@
         <a:cs typeface="+mn-cs"/>
       </a:defRPr>
     </a:lvl8pPr>
-    <a:lvl9pPr marL="3657600" algn="l" defTabSz="914400" rtl="0" eaLnBrk="1" latinLnBrk="0" hangingPunct="1">
+    <a:lvl9pPr marL="3657600" algn="l" defTabSz="457200" rtl="0" eaLnBrk="1" latinLnBrk="0" hangingPunct="1">
       <a:defRPr sz="1800" kern="1200">
         <a:solidFill>
           <a:schemeClr val="tx1"/>
@@ -104,7 +107,189 @@
       </a:defRPr>
     </a:lvl9pPr>
   </p:defaultTextStyle>
+  <p:extLst>
+    <p:ext uri="{EFAFB233-063F-42B5-8137-9DF3F51BA10A}">
+      <p15:sldGuideLst xmlns:p15="http://schemas.microsoft.com/office/powerpoint/2012/main"/>
+    </p:ext>
+  </p:extLst>
 </p:presentation>
+</file>
+
+<file path=ppt/revisionInfo.xml><?xml version="1.0" encoding="utf-8"?>
+<p1510:revInfo xmlns:a="http://schemas.openxmlformats.org/drawingml/2006/main" xmlns:r="http://schemas.openxmlformats.org/officeDocument/2006/relationships" xmlns:p1510="http://schemas.microsoft.com/office/powerpoint/2015/10/main">
+  <p1510:revLst>
+    <p1510:client id="{DBA145AF-5D9B-4404-A7D4-257C7EB6BB05}" v="20" dt="2019-09-13T03:19:51.916"/>
+  </p1510:revLst>
+</p1510:revInfo>
+</file>
+
+<file path=ppt/changesInfos/changesInfo1.xml><?xml version="1.0" encoding="utf-8"?>
+<pc:chgInfo xmlns:a="http://schemas.openxmlformats.org/drawingml/2006/main" xmlns:r="http://schemas.openxmlformats.org/officeDocument/2006/relationships" xmlns:ac="http://schemas.microsoft.com/office/drawing/2013/main/command" xmlns:pc="http://schemas.microsoft.com/office/powerpoint/2013/main/command">
+  <pc:docChgLst>
+    <pc:chgData name="Colton Fetterolf" userId="abc5913bc5523338" providerId="LiveId" clId="{DBA145AF-5D9B-4404-A7D4-257C7EB6BB05}"/>
+    <pc:docChg chg="custSel mod addSld delSld modSld sldOrd">
+      <pc:chgData name="Colton Fetterolf" userId="abc5913bc5523338" providerId="LiveId" clId="{DBA145AF-5D9B-4404-A7D4-257C7EB6BB05}" dt="2019-09-13T03:19:52.083" v="644" actId="27636"/>
+      <pc:docMkLst>
+        <pc:docMk/>
+      </pc:docMkLst>
+      <pc:sldChg chg="addSp modSp">
+        <pc:chgData name="Colton Fetterolf" userId="abc5913bc5523338" providerId="LiveId" clId="{DBA145AF-5D9B-4404-A7D4-257C7EB6BB05}" dt="2019-09-13T03:15:35.785" v="237" actId="1076"/>
+        <pc:sldMkLst>
+          <pc:docMk/>
+          <pc:sldMk cId="3909930504" sldId="256"/>
+        </pc:sldMkLst>
+        <pc:spChg chg="mod">
+          <ac:chgData name="Colton Fetterolf" userId="abc5913bc5523338" providerId="LiveId" clId="{DBA145AF-5D9B-4404-A7D4-257C7EB6BB05}" dt="2019-09-13T03:15:35.785" v="237" actId="1076"/>
+          <ac:spMkLst>
+            <pc:docMk/>
+            <pc:sldMk cId="3909930504" sldId="256"/>
+            <ac:spMk id="2" creationId="{D8A29973-8766-498A-8A46-1BEA5CCB87B0}"/>
+          </ac:spMkLst>
+        </pc:spChg>
+        <pc:spChg chg="mod">
+          <ac:chgData name="Colton Fetterolf" userId="abc5913bc5523338" providerId="LiveId" clId="{DBA145AF-5D9B-4404-A7D4-257C7EB6BB05}" dt="2019-09-13T03:12:09.458" v="114" actId="1076"/>
+          <ac:spMkLst>
+            <pc:docMk/>
+            <pc:sldMk cId="3909930504" sldId="256"/>
+            <ac:spMk id="3" creationId="{0CB375D0-2BE7-44AB-8C07-7C8DF5130F99}"/>
+          </ac:spMkLst>
+        </pc:spChg>
+        <pc:spChg chg="add mod">
+          <ac:chgData name="Colton Fetterolf" userId="abc5913bc5523338" providerId="LiveId" clId="{DBA145AF-5D9B-4404-A7D4-257C7EB6BB05}" dt="2019-09-13T03:15:33.032" v="236" actId="1076"/>
+          <ac:spMkLst>
+            <pc:docMk/>
+            <pc:sldMk cId="3909930504" sldId="256"/>
+            <ac:spMk id="4" creationId="{EE1DA890-C69E-49C2-977A-BE712F16ED86}"/>
+          </ac:spMkLst>
+        </pc:spChg>
+      </pc:sldChg>
+      <pc:sldChg chg="modSp add">
+        <pc:chgData name="Colton Fetterolf" userId="abc5913bc5523338" providerId="LiveId" clId="{DBA145AF-5D9B-4404-A7D4-257C7EB6BB05}" dt="2019-09-13T03:16:23.526" v="257" actId="20577"/>
+        <pc:sldMkLst>
+          <pc:docMk/>
+          <pc:sldMk cId="1884443167" sldId="257"/>
+        </pc:sldMkLst>
+        <pc:spChg chg="mod">
+          <ac:chgData name="Colton Fetterolf" userId="abc5913bc5523338" providerId="LiveId" clId="{DBA145AF-5D9B-4404-A7D4-257C7EB6BB05}" dt="2019-09-13T03:15:56.683" v="251" actId="20577"/>
+          <ac:spMkLst>
+            <pc:docMk/>
+            <pc:sldMk cId="1884443167" sldId="257"/>
+            <ac:spMk id="2" creationId="{39CDE9E2-836A-42AF-BE6F-D4113BE7467D}"/>
+          </ac:spMkLst>
+        </pc:spChg>
+        <pc:spChg chg="mod">
+          <ac:chgData name="Colton Fetterolf" userId="abc5913bc5523338" providerId="LiveId" clId="{DBA145AF-5D9B-4404-A7D4-257C7EB6BB05}" dt="2019-09-13T03:16:23.526" v="257" actId="20577"/>
+          <ac:spMkLst>
+            <pc:docMk/>
+            <pc:sldMk cId="1884443167" sldId="257"/>
+            <ac:spMk id="3" creationId="{6C8CFE96-7DCC-4070-A74F-DD9161D6EF7F}"/>
+          </ac:spMkLst>
+        </pc:spChg>
+      </pc:sldChg>
+      <pc:sldChg chg="addSp delSp modSp add del mod ord setBg delDesignElem">
+        <pc:chgData name="Colton Fetterolf" userId="abc5913bc5523338" providerId="LiveId" clId="{DBA145AF-5D9B-4404-A7D4-257C7EB6BB05}" dt="2019-09-13T03:15:58.745" v="252" actId="47"/>
+        <pc:sldMkLst>
+          <pc:docMk/>
+          <pc:sldMk cId="622201607" sldId="258"/>
+        </pc:sldMkLst>
+        <pc:spChg chg="mod">
+          <ac:chgData name="Colton Fetterolf" userId="abc5913bc5523338" providerId="LiveId" clId="{DBA145AF-5D9B-4404-A7D4-257C7EB6BB05}" dt="2019-09-13T03:14:12.354" v="220" actId="20577"/>
+          <ac:spMkLst>
+            <pc:docMk/>
+            <pc:sldMk cId="622201607" sldId="258"/>
+            <ac:spMk id="2" creationId="{EBA4240A-183A-493F-B09A-4FE7C4A4A8BA}"/>
+          </ac:spMkLst>
+        </pc:spChg>
+        <pc:spChg chg="mod">
+          <ac:chgData name="Colton Fetterolf" userId="abc5913bc5523338" providerId="LiveId" clId="{DBA145AF-5D9B-4404-A7D4-257C7EB6BB05}" dt="2019-09-13T03:15:26.720" v="235" actId="27636"/>
+          <ac:spMkLst>
+            <pc:docMk/>
+            <pc:sldMk cId="622201607" sldId="258"/>
+            <ac:spMk id="3" creationId="{05B9D5B5-CFDA-432F-99BB-41397F2AE501}"/>
+          </ac:spMkLst>
+        </pc:spChg>
+        <pc:spChg chg="add del">
+          <ac:chgData name="Colton Fetterolf" userId="abc5913bc5523338" providerId="LiveId" clId="{DBA145AF-5D9B-4404-A7D4-257C7EB6BB05}" dt="2019-09-13T03:15:00.553" v="231"/>
+          <ac:spMkLst>
+            <pc:docMk/>
+            <pc:sldMk cId="622201607" sldId="258"/>
+            <ac:spMk id="8" creationId="{4281BC32-FF58-4898-A6B5-7B3D059BCEB0}"/>
+          </ac:spMkLst>
+        </pc:spChg>
+        <pc:spChg chg="add del">
+          <ac:chgData name="Colton Fetterolf" userId="abc5913bc5523338" providerId="LiveId" clId="{DBA145AF-5D9B-4404-A7D4-257C7EB6BB05}" dt="2019-09-13T03:15:00.553" v="231"/>
+          <ac:spMkLst>
+            <pc:docMk/>
+            <pc:sldMk cId="622201607" sldId="258"/>
+            <ac:spMk id="10" creationId="{0D614406-135F-4875-9C87-53822CB19ABB}"/>
+          </ac:spMkLst>
+        </pc:spChg>
+        <pc:spChg chg="add del">
+          <ac:chgData name="Colton Fetterolf" userId="abc5913bc5523338" providerId="LiveId" clId="{DBA145AF-5D9B-4404-A7D4-257C7EB6BB05}" dt="2019-09-13T03:15:00.553" v="231"/>
+          <ac:spMkLst>
+            <pc:docMk/>
+            <pc:sldMk cId="622201607" sldId="258"/>
+            <ac:spMk id="14" creationId="{C2E5FCF0-567A-448C-A6E3-920BFC702C2F}"/>
+          </ac:spMkLst>
+        </pc:spChg>
+        <pc:cxnChg chg="add del">
+          <ac:chgData name="Colton Fetterolf" userId="abc5913bc5523338" providerId="LiveId" clId="{DBA145AF-5D9B-4404-A7D4-257C7EB6BB05}" dt="2019-09-13T03:15:00.553" v="231"/>
+          <ac:cxnSpMkLst>
+            <pc:docMk/>
+            <pc:sldMk cId="622201607" sldId="258"/>
+            <ac:cxnSpMk id="12" creationId="{C6C21149-7D17-44C2-AFB6-4D931DC55FB1}"/>
+          </ac:cxnSpMkLst>
+        </pc:cxnChg>
+      </pc:sldChg>
+      <pc:sldChg chg="modSp add">
+        <pc:chgData name="Colton Fetterolf" userId="abc5913bc5523338" providerId="LiveId" clId="{DBA145AF-5D9B-4404-A7D4-257C7EB6BB05}" dt="2019-09-13T03:19:27.067" v="610" actId="20577"/>
+        <pc:sldMkLst>
+          <pc:docMk/>
+          <pc:sldMk cId="2887988079" sldId="258"/>
+        </pc:sldMkLst>
+        <pc:spChg chg="mod">
+          <ac:chgData name="Colton Fetterolf" userId="abc5913bc5523338" providerId="LiveId" clId="{DBA145AF-5D9B-4404-A7D4-257C7EB6BB05}" dt="2019-09-13T03:16:38.876" v="267" actId="20577"/>
+          <ac:spMkLst>
+            <pc:docMk/>
+            <pc:sldMk cId="2887988079" sldId="258"/>
+            <ac:spMk id="2" creationId="{8DA4ABCB-D43E-431F-AEE5-C64AFE49895F}"/>
+          </ac:spMkLst>
+        </pc:spChg>
+        <pc:spChg chg="mod">
+          <ac:chgData name="Colton Fetterolf" userId="abc5913bc5523338" providerId="LiveId" clId="{DBA145AF-5D9B-4404-A7D4-257C7EB6BB05}" dt="2019-09-13T03:19:27.067" v="610" actId="20577"/>
+          <ac:spMkLst>
+            <pc:docMk/>
+            <pc:sldMk cId="2887988079" sldId="258"/>
+            <ac:spMk id="3" creationId="{C722EDAB-FA9A-42DC-9483-FC3CFD183FFB}"/>
+          </ac:spMkLst>
+        </pc:spChg>
+      </pc:sldChg>
+      <pc:sldChg chg="modSp add">
+        <pc:chgData name="Colton Fetterolf" userId="abc5913bc5523338" providerId="LiveId" clId="{DBA145AF-5D9B-4404-A7D4-257C7EB6BB05}" dt="2019-09-13T03:19:52.083" v="644" actId="27636"/>
+        <pc:sldMkLst>
+          <pc:docMk/>
+          <pc:sldMk cId="3268148253" sldId="259"/>
+        </pc:sldMkLst>
+        <pc:spChg chg="mod">
+          <ac:chgData name="Colton Fetterolf" userId="abc5913bc5523338" providerId="LiveId" clId="{DBA145AF-5D9B-4404-A7D4-257C7EB6BB05}" dt="2019-09-13T03:19:45.050" v="642" actId="20577"/>
+          <ac:spMkLst>
+            <pc:docMk/>
+            <pc:sldMk cId="3268148253" sldId="259"/>
+            <ac:spMk id="2" creationId="{4337BB94-195E-4C8C-8900-5300915E0215}"/>
+          </ac:spMkLst>
+        </pc:spChg>
+        <pc:spChg chg="mod">
+          <ac:chgData name="Colton Fetterolf" userId="abc5913bc5523338" providerId="LiveId" clId="{DBA145AF-5D9B-4404-A7D4-257C7EB6BB05}" dt="2019-09-13T03:19:52.083" v="644" actId="27636"/>
+          <ac:spMkLst>
+            <pc:docMk/>
+            <pc:sldMk cId="3268148253" sldId="259"/>
+            <ac:spMk id="3" creationId="{C8749BDB-E283-4312-9828-3EFA9E682D3B}"/>
+          </ac:spMkLst>
+        </pc:spChg>
+      </pc:sldChg>
+    </pc:docChg>
+  </pc:docChgLst>
+</pc:chgInfo>
 </file>
 
 <file path=ppt/slideLayouts/slideLayout1.xml><?xml version="1.0" encoding="utf-8"?>
@@ -126,13 +311,7 @@
       </p:grpSpPr>
       <p:sp>
         <p:nvSpPr>
-          <p:cNvPr id="2" name="Title 1">
-            <a:extLst>
-              <a:ext uri="{FF2B5EF4-FFF2-40B4-BE49-F238E27FC236}">
-                <a16:creationId xmlns:a16="http://schemas.microsoft.com/office/drawing/2014/main" id="{BC230A90-653A-464B-B218-405D4A6E10A3}"/>
-              </a:ext>
-            </a:extLst>
-          </p:cNvPr>
+          <p:cNvPr id="2" name="Title 1"/>
           <p:cNvSpPr>
             <a:spLocks noGrp="1"/>
           </p:cNvSpPr>
@@ -142,15 +321,17 @@
         </p:nvSpPr>
         <p:spPr>
           <a:xfrm>
-            <a:off x="1524000" y="1122363"/>
-            <a:ext cx="9144000" cy="2387600"/>
+            <a:off x="1370693" y="1769540"/>
+            <a:ext cx="9440034" cy="1828801"/>
           </a:xfrm>
         </p:spPr>
         <p:txBody>
-          <a:bodyPr anchor="b"/>
+          <a:bodyPr anchor="b">
+            <a:normAutofit/>
+          </a:bodyPr>
           <a:lstStyle>
             <a:lvl1pPr algn="ctr">
-              <a:defRPr sz="6000"/>
+              <a:defRPr sz="5400"/>
             </a:lvl1pPr>
           </a:lstStyle>
           <a:p>
@@ -158,18 +339,13 @@
               <a:rPr lang="en-US"/>
               <a:t>Click to edit Master title style</a:t>
             </a:r>
-          </a:p>
-        </p:txBody>
-      </p:sp>
-      <p:sp>
-        <p:nvSpPr>
-          <p:cNvPr id="3" name="Subtitle 2">
-            <a:extLst>
-              <a:ext uri="{FF2B5EF4-FFF2-40B4-BE49-F238E27FC236}">
-                <a16:creationId xmlns:a16="http://schemas.microsoft.com/office/drawing/2014/main" id="{176B496A-BFE1-4D5D-9345-AA5F0A83B1D6}"/>
-              </a:ext>
-            </a:extLst>
-          </p:cNvPr>
+            <a:endParaRPr lang="en-US" dirty="0"/>
+          </a:p>
+        </p:txBody>
+      </p:sp>
+      <p:sp>
+        <p:nvSpPr>
+          <p:cNvPr id="3" name="Subtitle 2"/>
           <p:cNvSpPr>
             <a:spLocks noGrp="1"/>
           </p:cNvSpPr>
@@ -179,48 +355,100 @@
         </p:nvSpPr>
         <p:spPr>
           <a:xfrm>
-            <a:off x="1524000" y="3602038"/>
-            <a:ext cx="9144000" cy="1655762"/>
+            <a:off x="1370693" y="3598339"/>
+            <a:ext cx="9440034" cy="1049867"/>
           </a:xfrm>
         </p:spPr>
         <p:txBody>
-          <a:bodyPr/>
+          <a:bodyPr anchor="t"/>
           <a:lstStyle>
             <a:lvl1pPr marL="0" indent="0" algn="ctr">
               <a:buNone/>
-              <a:defRPr sz="2400"/>
+              <a:defRPr>
+                <a:solidFill>
+                  <a:schemeClr val="tx1"/>
+                </a:solidFill>
+              </a:defRPr>
             </a:lvl1pPr>
             <a:lvl2pPr marL="457200" indent="0" algn="ctr">
               <a:buNone/>
-              <a:defRPr sz="2000"/>
+              <a:defRPr>
+                <a:solidFill>
+                  <a:schemeClr val="tx1">
+                    <a:tint val="75000"/>
+                  </a:schemeClr>
+                </a:solidFill>
+              </a:defRPr>
             </a:lvl2pPr>
             <a:lvl3pPr marL="914400" indent="0" algn="ctr">
               <a:buNone/>
-              <a:defRPr sz="1800"/>
+              <a:defRPr>
+                <a:solidFill>
+                  <a:schemeClr val="tx1">
+                    <a:tint val="75000"/>
+                  </a:schemeClr>
+                </a:solidFill>
+              </a:defRPr>
             </a:lvl3pPr>
             <a:lvl4pPr marL="1371600" indent="0" algn="ctr">
               <a:buNone/>
-              <a:defRPr sz="1600"/>
+              <a:defRPr>
+                <a:solidFill>
+                  <a:schemeClr val="tx1">
+                    <a:tint val="75000"/>
+                  </a:schemeClr>
+                </a:solidFill>
+              </a:defRPr>
             </a:lvl4pPr>
             <a:lvl5pPr marL="1828800" indent="0" algn="ctr">
               <a:buNone/>
-              <a:defRPr sz="1600"/>
+              <a:defRPr>
+                <a:solidFill>
+                  <a:schemeClr val="tx1">
+                    <a:tint val="75000"/>
+                  </a:schemeClr>
+                </a:solidFill>
+              </a:defRPr>
             </a:lvl5pPr>
             <a:lvl6pPr marL="2286000" indent="0" algn="ctr">
               <a:buNone/>
-              <a:defRPr sz="1600"/>
+              <a:defRPr>
+                <a:solidFill>
+                  <a:schemeClr val="tx1">
+                    <a:tint val="75000"/>
+                  </a:schemeClr>
+                </a:solidFill>
+              </a:defRPr>
             </a:lvl6pPr>
             <a:lvl7pPr marL="2743200" indent="0" algn="ctr">
               <a:buNone/>
-              <a:defRPr sz="1600"/>
+              <a:defRPr>
+                <a:solidFill>
+                  <a:schemeClr val="tx1">
+                    <a:tint val="75000"/>
+                  </a:schemeClr>
+                </a:solidFill>
+              </a:defRPr>
             </a:lvl7pPr>
             <a:lvl8pPr marL="3200400" indent="0" algn="ctr">
               <a:buNone/>
-              <a:defRPr sz="1600"/>
+              <a:defRPr>
+                <a:solidFill>
+                  <a:schemeClr val="tx1">
+                    <a:tint val="75000"/>
+                  </a:schemeClr>
+                </a:solidFill>
+              </a:defRPr>
             </a:lvl8pPr>
             <a:lvl9pPr marL="3657600" indent="0" algn="ctr">
               <a:buNone/>
-              <a:defRPr sz="1600"/>
+              <a:defRPr>
+                <a:solidFill>
+                  <a:schemeClr val="tx1">
+                    <a:tint val="75000"/>
+                  </a:schemeClr>
+                </a:solidFill>
+              </a:defRPr>
             </a:lvl9pPr>
           </a:lstStyle>
           <a:p>
@@ -228,18 +456,13 @@
               <a:rPr lang="en-US"/>
               <a:t>Click to edit Master subtitle style</a:t>
             </a:r>
-          </a:p>
-        </p:txBody>
-      </p:sp>
-      <p:sp>
-        <p:nvSpPr>
-          <p:cNvPr id="4" name="Date Placeholder 3">
-            <a:extLst>
-              <a:ext uri="{FF2B5EF4-FFF2-40B4-BE49-F238E27FC236}">
-                <a16:creationId xmlns:a16="http://schemas.microsoft.com/office/drawing/2014/main" id="{E545DDCB-E8DE-4F91-BEB4-DAC2F688AD7C}"/>
-              </a:ext>
-            </a:extLst>
-          </p:cNvPr>
+            <a:endParaRPr lang="en-US" dirty="0"/>
+          </a:p>
+        </p:txBody>
+      </p:sp>
+      <p:sp>
+        <p:nvSpPr>
+          <p:cNvPr id="4" name="Date Placeholder 3"/>
           <p:cNvSpPr>
             <a:spLocks noGrp="1"/>
           </p:cNvSpPr>
@@ -262,13 +485,7 @@
       </p:sp>
       <p:sp>
         <p:nvSpPr>
-          <p:cNvPr id="5" name="Footer Placeholder 4">
-            <a:extLst>
-              <a:ext uri="{FF2B5EF4-FFF2-40B4-BE49-F238E27FC236}">
-                <a16:creationId xmlns:a16="http://schemas.microsoft.com/office/drawing/2014/main" id="{42FF5F9C-B903-4912-A5AD-EFBACB62ECC0}"/>
-              </a:ext>
-            </a:extLst>
-          </p:cNvPr>
+          <p:cNvPr id="5" name="Footer Placeholder 4"/>
           <p:cNvSpPr>
             <a:spLocks noGrp="1"/>
           </p:cNvSpPr>
@@ -287,13 +504,7 @@
       </p:sp>
       <p:sp>
         <p:nvSpPr>
-          <p:cNvPr id="6" name="Slide Number Placeholder 5">
-            <a:extLst>
-              <a:ext uri="{FF2B5EF4-FFF2-40B4-BE49-F238E27FC236}">
-                <a16:creationId xmlns:a16="http://schemas.microsoft.com/office/drawing/2014/main" id="{18D0376C-C817-444A-AAD5-30C88B54246C}"/>
-              </a:ext>
-            </a:extLst>
-          </p:cNvPr>
+          <p:cNvPr id="6" name="Slide Number Placeholder 5"/>
           <p:cNvSpPr>
             <a:spLocks noGrp="1"/>
           </p:cNvSpPr>
@@ -317,7 +528,310 @@
     </p:spTree>
     <p:extLst>
       <p:ext uri="{BB962C8B-B14F-4D97-AF65-F5344CB8AC3E}">
-        <p14:creationId xmlns:p14="http://schemas.microsoft.com/office/powerpoint/2010/main" val="2110459402"/>
+        <p14:creationId xmlns:p14="http://schemas.microsoft.com/office/powerpoint/2010/main" val="2593474444"/>
+      </p:ext>
+    </p:extLst>
+  </p:cSld>
+  <p:clrMapOvr>
+    <a:masterClrMapping/>
+  </p:clrMapOvr>
+  <p:extLst>
+    <p:ext uri="{DCECCB84-F9BA-43D5-87BE-67443E8EF086}">
+      <p15:sldGuideLst xmlns:p15="http://schemas.microsoft.com/office/powerpoint/2012/main"/>
+    </p:ext>
+  </p:extLst>
+</p:sldLayout>
+</file>
+
+<file path=ppt/slideLayouts/slideLayout10.xml><?xml version="1.0" encoding="utf-8"?>
+<p:sldLayout xmlns:a="http://schemas.openxmlformats.org/drawingml/2006/main" xmlns:r="http://schemas.openxmlformats.org/officeDocument/2006/relationships" xmlns:p="http://schemas.openxmlformats.org/presentationml/2006/main" preserve="1">
+  <p:cSld name="Panoramic Picture with Caption">
+    <p:spTree>
+      <p:nvGrpSpPr>
+        <p:cNvPr id="1" name=""/>
+        <p:cNvGrpSpPr/>
+        <p:nvPr/>
+      </p:nvGrpSpPr>
+      <p:grpSpPr>
+        <a:xfrm>
+          <a:off x="0" y="0"/>
+          <a:ext cx="0" cy="0"/>
+          <a:chOff x="0" y="0"/>
+          <a:chExt cx="0" cy="0"/>
+        </a:xfrm>
+      </p:grpSpPr>
+      <p:pic>
+        <p:nvPicPr>
+          <p:cNvPr id="16" name="Picture 15" descr="Slate-V2-HD-panoPhotoInset.png"/>
+          <p:cNvPicPr>
+            <a:picLocks noChangeAspect="1"/>
+          </p:cNvPicPr>
+          <p:nvPr/>
+        </p:nvPicPr>
+        <p:blipFill>
+          <a:blip r:embed="rId2">
+            <a:extLst>
+              <a:ext uri="{28A0092B-C50C-407E-A947-70E740481C1C}">
+                <a14:useLocalDpi xmlns:a14="http://schemas.microsoft.com/office/drawing/2010/main" val="0"/>
+              </a:ext>
+            </a:extLst>
+          </a:blip>
+          <a:stretch>
+            <a:fillRect/>
+          </a:stretch>
+        </p:blipFill>
+        <p:spPr>
+          <a:xfrm>
+            <a:off x="1013883" y="547807"/>
+            <a:ext cx="10141799" cy="3816806"/>
+          </a:xfrm>
+          <a:prstGeom prst="rect">
+            <a:avLst/>
+          </a:prstGeom>
+        </p:spPr>
+      </p:pic>
+      <p:sp>
+        <p:nvSpPr>
+          <p:cNvPr id="2" name="Title 1"/>
+          <p:cNvSpPr>
+            <a:spLocks noGrp="1"/>
+          </p:cNvSpPr>
+          <p:nvPr>
+            <p:ph type="title"/>
+          </p:nvPr>
+        </p:nvSpPr>
+        <p:spPr>
+          <a:xfrm>
+            <a:off x="913806" y="4565255"/>
+            <a:ext cx="10355326" cy="543472"/>
+          </a:xfrm>
+        </p:spPr>
+        <p:txBody>
+          <a:bodyPr anchor="b">
+            <a:normAutofit/>
+          </a:bodyPr>
+          <a:lstStyle>
+            <a:lvl1pPr algn="ctr">
+              <a:defRPr sz="2800"/>
+            </a:lvl1pPr>
+          </a:lstStyle>
+          <a:p>
+            <a:r>
+              <a:rPr lang="en-US"/>
+              <a:t>Click to edit Master title style</a:t>
+            </a:r>
+            <a:endParaRPr lang="en-US" dirty="0"/>
+          </a:p>
+        </p:txBody>
+      </p:sp>
+      <p:sp>
+        <p:nvSpPr>
+          <p:cNvPr id="3" name="Picture Placeholder 2"/>
+          <p:cNvSpPr>
+            <a:spLocks noGrp="1" noChangeAspect="1"/>
+          </p:cNvSpPr>
+          <p:nvPr>
+            <p:ph type="pic" idx="1"/>
+          </p:nvPr>
+        </p:nvSpPr>
+        <p:spPr>
+          <a:xfrm>
+            <a:off x="1169349" y="695009"/>
+            <a:ext cx="9845346" cy="3525671"/>
+          </a:xfrm>
+          <a:effectLst>
+            <a:outerShdw blurRad="38100" dist="25400" dir="4440000">
+              <a:srgbClr val="000000">
+                <a:alpha val="36000"/>
+              </a:srgbClr>
+            </a:outerShdw>
+          </a:effectLst>
+        </p:spPr>
+        <p:txBody>
+          <a:bodyPr anchor="t">
+            <a:normAutofit/>
+          </a:bodyPr>
+          <a:lstStyle>
+            <a:lvl1pPr marL="0" indent="0" algn="ctr">
+              <a:buNone/>
+              <a:defRPr sz="2000"/>
+            </a:lvl1pPr>
+            <a:lvl2pPr marL="457200" indent="0">
+              <a:buNone/>
+              <a:defRPr sz="2000"/>
+            </a:lvl2pPr>
+            <a:lvl3pPr marL="914400" indent="0">
+              <a:buNone/>
+              <a:defRPr sz="2000"/>
+            </a:lvl3pPr>
+            <a:lvl4pPr marL="1371600" indent="0">
+              <a:buNone/>
+              <a:defRPr sz="2000"/>
+            </a:lvl4pPr>
+            <a:lvl5pPr marL="1828800" indent="0">
+              <a:buNone/>
+              <a:defRPr sz="2000"/>
+            </a:lvl5pPr>
+            <a:lvl6pPr marL="2286000" indent="0">
+              <a:buNone/>
+              <a:defRPr sz="2000"/>
+            </a:lvl6pPr>
+            <a:lvl7pPr marL="2743200" indent="0">
+              <a:buNone/>
+              <a:defRPr sz="2000"/>
+            </a:lvl7pPr>
+            <a:lvl8pPr marL="3200400" indent="0">
+              <a:buNone/>
+              <a:defRPr sz="2000"/>
+            </a:lvl8pPr>
+            <a:lvl9pPr marL="3657600" indent="0">
+              <a:buNone/>
+              <a:defRPr sz="2000"/>
+            </a:lvl9pPr>
+          </a:lstStyle>
+          <a:p>
+            <a:r>
+              <a:rPr lang="en-US"/>
+              <a:t>Click icon to add picture</a:t>
+            </a:r>
+            <a:endParaRPr lang="en-US" dirty="0"/>
+          </a:p>
+        </p:txBody>
+      </p:sp>
+      <p:sp>
+        <p:nvSpPr>
+          <p:cNvPr id="4" name="Text Placeholder 3"/>
+          <p:cNvSpPr>
+            <a:spLocks noGrp="1"/>
+          </p:cNvSpPr>
+          <p:nvPr>
+            <p:ph type="body" sz="half" idx="2"/>
+          </p:nvPr>
+        </p:nvSpPr>
+        <p:spPr>
+          <a:xfrm>
+            <a:off x="913795" y="5108728"/>
+            <a:ext cx="10353762" cy="682472"/>
+          </a:xfrm>
+        </p:spPr>
+        <p:txBody>
+          <a:bodyPr anchor="t"/>
+          <a:lstStyle>
+            <a:lvl1pPr marL="0" indent="0" algn="ctr">
+              <a:buNone/>
+              <a:defRPr sz="1600"/>
+            </a:lvl1pPr>
+            <a:lvl2pPr marL="457200" indent="0">
+              <a:buNone/>
+              <a:defRPr sz="1400"/>
+            </a:lvl2pPr>
+            <a:lvl3pPr marL="914400" indent="0">
+              <a:buNone/>
+              <a:defRPr sz="1200"/>
+            </a:lvl3pPr>
+            <a:lvl4pPr marL="1371600" indent="0">
+              <a:buNone/>
+              <a:defRPr sz="1000"/>
+            </a:lvl4pPr>
+            <a:lvl5pPr marL="1828800" indent="0">
+              <a:buNone/>
+              <a:defRPr sz="1000"/>
+            </a:lvl5pPr>
+            <a:lvl6pPr marL="2286000" indent="0">
+              <a:buNone/>
+              <a:defRPr sz="1000"/>
+            </a:lvl6pPr>
+            <a:lvl7pPr marL="2743200" indent="0">
+              <a:buNone/>
+              <a:defRPr sz="1000"/>
+            </a:lvl7pPr>
+            <a:lvl8pPr marL="3200400" indent="0">
+              <a:buNone/>
+              <a:defRPr sz="1000"/>
+            </a:lvl8pPr>
+            <a:lvl9pPr marL="3657600" indent="0">
+              <a:buNone/>
+              <a:defRPr sz="1000"/>
+            </a:lvl9pPr>
+          </a:lstStyle>
+          <a:p>
+            <a:pPr lvl="0"/>
+            <a:r>
+              <a:rPr lang="en-US"/>
+              <a:t>Click to edit Master text styles</a:t>
+            </a:r>
+          </a:p>
+        </p:txBody>
+      </p:sp>
+      <p:sp>
+        <p:nvSpPr>
+          <p:cNvPr id="5" name="Date Placeholder 4"/>
+          <p:cNvSpPr>
+            <a:spLocks noGrp="1"/>
+          </p:cNvSpPr>
+          <p:nvPr>
+            <p:ph type="dt" sz="half" idx="10"/>
+          </p:nvPr>
+        </p:nvSpPr>
+        <p:spPr/>
+        <p:txBody>
+          <a:bodyPr/>
+          <a:lstStyle/>
+          <a:p>
+            <a:fld id="{A99E6A8D-3EF2-489F-A7BF-6EA54CB4A9F3}" type="datetimeFigureOut">
+              <a:rPr lang="en-US" smtClean="0"/>
+              <a:t>9/12/2019</a:t>
+            </a:fld>
+            <a:endParaRPr lang="en-US"/>
+          </a:p>
+        </p:txBody>
+      </p:sp>
+      <p:sp>
+        <p:nvSpPr>
+          <p:cNvPr id="6" name="Footer Placeholder 5"/>
+          <p:cNvSpPr>
+            <a:spLocks noGrp="1"/>
+          </p:cNvSpPr>
+          <p:nvPr>
+            <p:ph type="ftr" sz="quarter" idx="11"/>
+          </p:nvPr>
+        </p:nvSpPr>
+        <p:spPr/>
+        <p:txBody>
+          <a:bodyPr/>
+          <a:lstStyle/>
+          <a:p>
+            <a:endParaRPr lang="en-US"/>
+          </a:p>
+        </p:txBody>
+      </p:sp>
+      <p:sp>
+        <p:nvSpPr>
+          <p:cNvPr id="7" name="Slide Number Placeholder 6"/>
+          <p:cNvSpPr>
+            <a:spLocks noGrp="1"/>
+          </p:cNvSpPr>
+          <p:nvPr>
+            <p:ph type="sldNum" sz="quarter" idx="12"/>
+          </p:nvPr>
+        </p:nvSpPr>
+        <p:spPr/>
+        <p:txBody>
+          <a:bodyPr/>
+          <a:lstStyle/>
+          <a:p>
+            <a:fld id="{31668416-5371-4D47-97FF-5643BF5F70A0}" type="slidenum">
+              <a:rPr lang="en-US" smtClean="0"/>
+              <a:t>‹#›</a:t>
+            </a:fld>
+            <a:endParaRPr lang="en-US"/>
+          </a:p>
+        </p:txBody>
+      </p:sp>
+    </p:spTree>
+    <p:extLst>
+      <p:ext uri="{BB962C8B-B14F-4D97-AF65-F5344CB8AC3E}">
+        <p14:creationId xmlns:p14="http://schemas.microsoft.com/office/powerpoint/2010/main" val="3822063900"/>
       </p:ext>
     </p:extLst>
   </p:cSld>
@@ -327,7 +841,2285 @@
 </p:sldLayout>
 </file>
 
-<file path=ppt/slideLayouts/slideLayout10.xml><?xml version="1.0" encoding="utf-8"?>
+<file path=ppt/slideLayouts/slideLayout11.xml><?xml version="1.0" encoding="utf-8"?>
+<p:sldLayout xmlns:a="http://schemas.openxmlformats.org/drawingml/2006/main" xmlns:r="http://schemas.openxmlformats.org/officeDocument/2006/relationships" xmlns:p="http://schemas.openxmlformats.org/presentationml/2006/main" preserve="1">
+  <p:cSld name="Title and Caption">
+    <p:spTree>
+      <p:nvGrpSpPr>
+        <p:cNvPr id="1" name=""/>
+        <p:cNvGrpSpPr/>
+        <p:nvPr/>
+      </p:nvGrpSpPr>
+      <p:grpSpPr>
+        <a:xfrm>
+          <a:off x="0" y="0"/>
+          <a:ext cx="0" cy="0"/>
+          <a:chOff x="0" y="0"/>
+          <a:chExt cx="0" cy="0"/>
+        </a:xfrm>
+      </p:grpSpPr>
+      <p:sp>
+        <p:nvSpPr>
+          <p:cNvPr id="2" name="Title 1"/>
+          <p:cNvSpPr>
+            <a:spLocks noGrp="1"/>
+          </p:cNvSpPr>
+          <p:nvPr>
+            <p:ph type="title"/>
+          </p:nvPr>
+        </p:nvSpPr>
+        <p:spPr>
+          <a:xfrm>
+            <a:off x="913795" y="608437"/>
+            <a:ext cx="10353762" cy="3534344"/>
+          </a:xfrm>
+        </p:spPr>
+        <p:txBody>
+          <a:bodyPr anchor="ctr"/>
+          <a:lstStyle>
+            <a:lvl1pPr>
+              <a:defRPr sz="3200"/>
+            </a:lvl1pPr>
+          </a:lstStyle>
+          <a:p>
+            <a:r>
+              <a:rPr lang="en-US"/>
+              <a:t>Click to edit Master title style</a:t>
+            </a:r>
+            <a:endParaRPr lang="en-US" dirty="0"/>
+          </a:p>
+        </p:txBody>
+      </p:sp>
+      <p:sp>
+        <p:nvSpPr>
+          <p:cNvPr id="4" name="Text Placeholder 3"/>
+          <p:cNvSpPr>
+            <a:spLocks noGrp="1"/>
+          </p:cNvSpPr>
+          <p:nvPr>
+            <p:ph type="body" sz="half" idx="2"/>
+          </p:nvPr>
+        </p:nvSpPr>
+        <p:spPr>
+          <a:xfrm>
+            <a:off x="913794" y="4295180"/>
+            <a:ext cx="10353763" cy="1501826"/>
+          </a:xfrm>
+        </p:spPr>
+        <p:txBody>
+          <a:bodyPr anchor="ctr"/>
+          <a:lstStyle>
+            <a:lvl1pPr marL="0" indent="0" algn="ctr">
+              <a:buNone/>
+              <a:defRPr sz="1600"/>
+            </a:lvl1pPr>
+            <a:lvl2pPr marL="457200" indent="0">
+              <a:buNone/>
+              <a:defRPr sz="1400"/>
+            </a:lvl2pPr>
+            <a:lvl3pPr marL="914400" indent="0">
+              <a:buNone/>
+              <a:defRPr sz="1200"/>
+            </a:lvl3pPr>
+            <a:lvl4pPr marL="1371600" indent="0">
+              <a:buNone/>
+              <a:defRPr sz="1000"/>
+            </a:lvl4pPr>
+            <a:lvl5pPr marL="1828800" indent="0">
+              <a:buNone/>
+              <a:defRPr sz="1000"/>
+            </a:lvl5pPr>
+            <a:lvl6pPr marL="2286000" indent="0">
+              <a:buNone/>
+              <a:defRPr sz="1000"/>
+            </a:lvl6pPr>
+            <a:lvl7pPr marL="2743200" indent="0">
+              <a:buNone/>
+              <a:defRPr sz="1000"/>
+            </a:lvl7pPr>
+            <a:lvl8pPr marL="3200400" indent="0">
+              <a:buNone/>
+              <a:defRPr sz="1000"/>
+            </a:lvl8pPr>
+            <a:lvl9pPr marL="3657600" indent="0">
+              <a:buNone/>
+              <a:defRPr sz="1000"/>
+            </a:lvl9pPr>
+          </a:lstStyle>
+          <a:p>
+            <a:pPr lvl="0"/>
+            <a:r>
+              <a:rPr lang="en-US"/>
+              <a:t>Click to edit Master text styles</a:t>
+            </a:r>
+          </a:p>
+        </p:txBody>
+      </p:sp>
+      <p:sp>
+        <p:nvSpPr>
+          <p:cNvPr id="5" name="Date Placeholder 4"/>
+          <p:cNvSpPr>
+            <a:spLocks noGrp="1"/>
+          </p:cNvSpPr>
+          <p:nvPr>
+            <p:ph type="dt" sz="half" idx="10"/>
+          </p:nvPr>
+        </p:nvSpPr>
+        <p:spPr/>
+        <p:txBody>
+          <a:bodyPr/>
+          <a:lstStyle/>
+          <a:p>
+            <a:fld id="{A99E6A8D-3EF2-489F-A7BF-6EA54CB4A9F3}" type="datetimeFigureOut">
+              <a:rPr lang="en-US" smtClean="0"/>
+              <a:t>9/12/2019</a:t>
+            </a:fld>
+            <a:endParaRPr lang="en-US"/>
+          </a:p>
+        </p:txBody>
+      </p:sp>
+      <p:sp>
+        <p:nvSpPr>
+          <p:cNvPr id="6" name="Footer Placeholder 5"/>
+          <p:cNvSpPr>
+            <a:spLocks noGrp="1"/>
+          </p:cNvSpPr>
+          <p:nvPr>
+            <p:ph type="ftr" sz="quarter" idx="11"/>
+          </p:nvPr>
+        </p:nvSpPr>
+        <p:spPr/>
+        <p:txBody>
+          <a:bodyPr/>
+          <a:lstStyle/>
+          <a:p>
+            <a:endParaRPr lang="en-US"/>
+          </a:p>
+        </p:txBody>
+      </p:sp>
+      <p:sp>
+        <p:nvSpPr>
+          <p:cNvPr id="7" name="Slide Number Placeholder 6"/>
+          <p:cNvSpPr>
+            <a:spLocks noGrp="1"/>
+          </p:cNvSpPr>
+          <p:nvPr>
+            <p:ph type="sldNum" sz="quarter" idx="12"/>
+          </p:nvPr>
+        </p:nvSpPr>
+        <p:spPr/>
+        <p:txBody>
+          <a:bodyPr/>
+          <a:lstStyle/>
+          <a:p>
+            <a:fld id="{31668416-5371-4D47-97FF-5643BF5F70A0}" type="slidenum">
+              <a:rPr lang="en-US" smtClean="0"/>
+              <a:t>‹#›</a:t>
+            </a:fld>
+            <a:endParaRPr lang="en-US"/>
+          </a:p>
+        </p:txBody>
+      </p:sp>
+    </p:spTree>
+    <p:extLst>
+      <p:ext uri="{BB962C8B-B14F-4D97-AF65-F5344CB8AC3E}">
+        <p14:creationId xmlns:p14="http://schemas.microsoft.com/office/powerpoint/2010/main" val="3406382007"/>
+      </p:ext>
+    </p:extLst>
+  </p:cSld>
+  <p:clrMapOvr>
+    <a:masterClrMapping/>
+  </p:clrMapOvr>
+</p:sldLayout>
+</file>
+
+<file path=ppt/slideLayouts/slideLayout12.xml><?xml version="1.0" encoding="utf-8"?>
+<p:sldLayout xmlns:a="http://schemas.openxmlformats.org/drawingml/2006/main" xmlns:r="http://schemas.openxmlformats.org/officeDocument/2006/relationships" xmlns:p="http://schemas.openxmlformats.org/presentationml/2006/main" preserve="1">
+  <p:cSld name="Quote with Caption">
+    <p:spTree>
+      <p:nvGrpSpPr>
+        <p:cNvPr id="1" name=""/>
+        <p:cNvGrpSpPr/>
+        <p:nvPr/>
+      </p:nvGrpSpPr>
+      <p:grpSpPr>
+        <a:xfrm>
+          <a:off x="0" y="0"/>
+          <a:ext cx="0" cy="0"/>
+          <a:chOff x="0" y="0"/>
+          <a:chExt cx="0" cy="0"/>
+        </a:xfrm>
+      </p:grpSpPr>
+      <p:sp>
+        <p:nvSpPr>
+          <p:cNvPr id="2" name="Title 1"/>
+          <p:cNvSpPr>
+            <a:spLocks noGrp="1"/>
+          </p:cNvSpPr>
+          <p:nvPr>
+            <p:ph type="title"/>
+          </p:nvPr>
+        </p:nvSpPr>
+        <p:spPr>
+          <a:xfrm>
+            <a:off x="1446212" y="609600"/>
+            <a:ext cx="9302752" cy="2992904"/>
+          </a:xfrm>
+        </p:spPr>
+        <p:txBody>
+          <a:bodyPr anchor="ctr"/>
+          <a:lstStyle>
+            <a:lvl1pPr>
+              <a:defRPr sz="3200"/>
+            </a:lvl1pPr>
+          </a:lstStyle>
+          <a:p>
+            <a:r>
+              <a:rPr lang="en-US"/>
+              <a:t>Click to edit Master title style</a:t>
+            </a:r>
+            <a:endParaRPr lang="en-US" dirty="0"/>
+          </a:p>
+        </p:txBody>
+      </p:sp>
+      <p:sp>
+        <p:nvSpPr>
+          <p:cNvPr id="12" name="Text Placeholder 3"/>
+          <p:cNvSpPr>
+            <a:spLocks noGrp="1"/>
+          </p:cNvSpPr>
+          <p:nvPr>
+            <p:ph type="body" sz="half" idx="13"/>
+          </p:nvPr>
+        </p:nvSpPr>
+        <p:spPr>
+          <a:xfrm>
+            <a:off x="1720644" y="3610032"/>
+            <a:ext cx="8752299" cy="532749"/>
+          </a:xfrm>
+        </p:spPr>
+        <p:txBody>
+          <a:bodyPr anchor="t">
+            <a:normAutofit/>
+          </a:bodyPr>
+          <a:lstStyle>
+            <a:lvl1pPr marL="0" indent="0" algn="r">
+              <a:buNone/>
+              <a:defRPr sz="1400"/>
+            </a:lvl1pPr>
+            <a:lvl2pPr marL="457200" indent="0">
+              <a:buNone/>
+              <a:defRPr sz="1400"/>
+            </a:lvl2pPr>
+            <a:lvl3pPr marL="914400" indent="0">
+              <a:buNone/>
+              <a:defRPr sz="1200"/>
+            </a:lvl3pPr>
+            <a:lvl4pPr marL="1371600" indent="0">
+              <a:buNone/>
+              <a:defRPr sz="1000"/>
+            </a:lvl4pPr>
+            <a:lvl5pPr marL="1828800" indent="0">
+              <a:buNone/>
+              <a:defRPr sz="1000"/>
+            </a:lvl5pPr>
+            <a:lvl6pPr marL="2286000" indent="0">
+              <a:buNone/>
+              <a:defRPr sz="1000"/>
+            </a:lvl6pPr>
+            <a:lvl7pPr marL="2743200" indent="0">
+              <a:buNone/>
+              <a:defRPr sz="1000"/>
+            </a:lvl7pPr>
+            <a:lvl8pPr marL="3200400" indent="0">
+              <a:buNone/>
+              <a:defRPr sz="1000"/>
+            </a:lvl8pPr>
+            <a:lvl9pPr marL="3657600" indent="0">
+              <a:buNone/>
+              <a:defRPr sz="1000"/>
+            </a:lvl9pPr>
+          </a:lstStyle>
+          <a:p>
+            <a:pPr lvl="0"/>
+            <a:r>
+              <a:rPr lang="en-US"/>
+              <a:t>Click to edit Master text styles</a:t>
+            </a:r>
+          </a:p>
+        </p:txBody>
+      </p:sp>
+      <p:sp>
+        <p:nvSpPr>
+          <p:cNvPr id="4" name="Text Placeholder 3"/>
+          <p:cNvSpPr>
+            <a:spLocks noGrp="1"/>
+          </p:cNvSpPr>
+          <p:nvPr>
+            <p:ph type="body" sz="half" idx="2"/>
+          </p:nvPr>
+        </p:nvSpPr>
+        <p:spPr>
+          <a:xfrm>
+            <a:off x="913794" y="4304353"/>
+            <a:ext cx="10353763" cy="1489496"/>
+          </a:xfrm>
+        </p:spPr>
+        <p:txBody>
+          <a:bodyPr anchor="ctr">
+            <a:normAutofit/>
+          </a:bodyPr>
+          <a:lstStyle>
+            <a:lvl1pPr marL="0" indent="0" algn="ctr">
+              <a:buNone/>
+              <a:defRPr sz="1600"/>
+            </a:lvl1pPr>
+            <a:lvl2pPr marL="457200" indent="0">
+              <a:buNone/>
+              <a:defRPr sz="1400"/>
+            </a:lvl2pPr>
+            <a:lvl3pPr marL="914400" indent="0">
+              <a:buNone/>
+              <a:defRPr sz="1200"/>
+            </a:lvl3pPr>
+            <a:lvl4pPr marL="1371600" indent="0">
+              <a:buNone/>
+              <a:defRPr sz="1000"/>
+            </a:lvl4pPr>
+            <a:lvl5pPr marL="1828800" indent="0">
+              <a:buNone/>
+              <a:defRPr sz="1000"/>
+            </a:lvl5pPr>
+            <a:lvl6pPr marL="2286000" indent="0">
+              <a:buNone/>
+              <a:defRPr sz="1000"/>
+            </a:lvl6pPr>
+            <a:lvl7pPr marL="2743200" indent="0">
+              <a:buNone/>
+              <a:defRPr sz="1000"/>
+            </a:lvl7pPr>
+            <a:lvl8pPr marL="3200400" indent="0">
+              <a:buNone/>
+              <a:defRPr sz="1000"/>
+            </a:lvl8pPr>
+            <a:lvl9pPr marL="3657600" indent="0">
+              <a:buNone/>
+              <a:defRPr sz="1000"/>
+            </a:lvl9pPr>
+          </a:lstStyle>
+          <a:p>
+            <a:pPr lvl="0"/>
+            <a:r>
+              <a:rPr lang="en-US"/>
+              <a:t>Click to edit Master text styles</a:t>
+            </a:r>
+          </a:p>
+        </p:txBody>
+      </p:sp>
+      <p:sp>
+        <p:nvSpPr>
+          <p:cNvPr id="5" name="Date Placeholder 4"/>
+          <p:cNvSpPr>
+            <a:spLocks noGrp="1"/>
+          </p:cNvSpPr>
+          <p:nvPr>
+            <p:ph type="dt" sz="half" idx="10"/>
+          </p:nvPr>
+        </p:nvSpPr>
+        <p:spPr/>
+        <p:txBody>
+          <a:bodyPr/>
+          <a:lstStyle/>
+          <a:p>
+            <a:fld id="{A99E6A8D-3EF2-489F-A7BF-6EA54CB4A9F3}" type="datetimeFigureOut">
+              <a:rPr lang="en-US" smtClean="0"/>
+              <a:t>9/12/2019</a:t>
+            </a:fld>
+            <a:endParaRPr lang="en-US"/>
+          </a:p>
+        </p:txBody>
+      </p:sp>
+      <p:sp>
+        <p:nvSpPr>
+          <p:cNvPr id="6" name="Footer Placeholder 5"/>
+          <p:cNvSpPr>
+            <a:spLocks noGrp="1"/>
+          </p:cNvSpPr>
+          <p:nvPr>
+            <p:ph type="ftr" sz="quarter" idx="11"/>
+          </p:nvPr>
+        </p:nvSpPr>
+        <p:spPr/>
+        <p:txBody>
+          <a:bodyPr/>
+          <a:lstStyle/>
+          <a:p>
+            <a:endParaRPr lang="en-US"/>
+          </a:p>
+        </p:txBody>
+      </p:sp>
+      <p:sp>
+        <p:nvSpPr>
+          <p:cNvPr id="7" name="Slide Number Placeholder 6"/>
+          <p:cNvSpPr>
+            <a:spLocks noGrp="1"/>
+          </p:cNvSpPr>
+          <p:nvPr>
+            <p:ph type="sldNum" sz="quarter" idx="12"/>
+          </p:nvPr>
+        </p:nvSpPr>
+        <p:spPr/>
+        <p:txBody>
+          <a:bodyPr/>
+          <a:lstStyle/>
+          <a:p>
+            <a:fld id="{31668416-5371-4D47-97FF-5643BF5F70A0}" type="slidenum">
+              <a:rPr lang="en-US" smtClean="0"/>
+              <a:t>‹#›</a:t>
+            </a:fld>
+            <a:endParaRPr lang="en-US"/>
+          </a:p>
+        </p:txBody>
+      </p:sp>
+      <p:sp>
+        <p:nvSpPr>
+          <p:cNvPr id="11" name="TextBox 10"/>
+          <p:cNvSpPr txBox="1"/>
+          <p:nvPr/>
+        </p:nvSpPr>
+        <p:spPr>
+          <a:xfrm>
+            <a:off x="990600" y="884796"/>
+            <a:ext cx="609600" cy="584776"/>
+          </a:xfrm>
+          <a:prstGeom prst="rect">
+            <a:avLst/>
+          </a:prstGeom>
+        </p:spPr>
+        <p:txBody>
+          <a:bodyPr vert="horz" lIns="91440" tIns="45720" rIns="91440" bIns="45720" rtlCol="0" anchor="ctr">
+            <a:noAutofit/>
+          </a:bodyPr>
+          <a:lstStyle>
+            <a:lvl1pPr>
+              <a:spcBef>
+                <a:spcPct val="0"/>
+              </a:spcBef>
+              <a:buNone/>
+              <a:defRPr sz="3200" b="0" cap="all">
+                <a:ln w="3175" cmpd="sng">
+                  <a:noFill/>
+                </a:ln>
+                <a:effectLst>
+                  <a:glow rad="38100">
+                    <a:schemeClr val="bg1">
+                      <a:lumMod val="65000"/>
+                      <a:lumOff val="35000"/>
+                      <a:alpha val="40000"/>
+                    </a:schemeClr>
+                  </a:glow>
+                  <a:outerShdw blurRad="28575" dist="38100" dir="14040000" algn="tl" rotWithShape="0">
+                    <a:srgbClr val="000000">
+                      <a:alpha val="25000"/>
+                    </a:srgbClr>
+                  </a:outerShdw>
+                </a:effectLst>
+              </a:defRPr>
+            </a:lvl1pPr>
+            <a:lvl2pPr>
+              <a:defRPr>
+                <a:solidFill>
+                  <a:schemeClr val="tx2"/>
+                </a:solidFill>
+              </a:defRPr>
+            </a:lvl2pPr>
+            <a:lvl3pPr>
+              <a:defRPr>
+                <a:solidFill>
+                  <a:schemeClr val="tx2"/>
+                </a:solidFill>
+              </a:defRPr>
+            </a:lvl3pPr>
+            <a:lvl4pPr>
+              <a:defRPr>
+                <a:solidFill>
+                  <a:schemeClr val="tx2"/>
+                </a:solidFill>
+              </a:defRPr>
+            </a:lvl4pPr>
+            <a:lvl5pPr>
+              <a:defRPr>
+                <a:solidFill>
+                  <a:schemeClr val="tx2"/>
+                </a:solidFill>
+              </a:defRPr>
+            </a:lvl5pPr>
+            <a:lvl6pPr>
+              <a:defRPr>
+                <a:solidFill>
+                  <a:schemeClr val="tx2"/>
+                </a:solidFill>
+              </a:defRPr>
+            </a:lvl6pPr>
+            <a:lvl7pPr>
+              <a:defRPr>
+                <a:solidFill>
+                  <a:schemeClr val="tx2"/>
+                </a:solidFill>
+              </a:defRPr>
+            </a:lvl7pPr>
+            <a:lvl8pPr>
+              <a:defRPr>
+                <a:solidFill>
+                  <a:schemeClr val="tx2"/>
+                </a:solidFill>
+              </a:defRPr>
+            </a:lvl8pPr>
+            <a:lvl9pPr>
+              <a:defRPr>
+                <a:solidFill>
+                  <a:schemeClr val="tx2"/>
+                </a:solidFill>
+              </a:defRPr>
+            </a:lvl9pPr>
+          </a:lstStyle>
+          <a:p>
+            <a:pPr lvl="0"/>
+            <a:r>
+              <a:rPr lang="en-US" sz="8000" dirty="0">
+                <a:solidFill>
+                  <a:schemeClr val="tx1"/>
+                </a:solidFill>
+                <a:effectLst/>
+              </a:rPr>
+              <a:t>“</a:t>
+            </a:r>
+          </a:p>
+        </p:txBody>
+      </p:sp>
+      <p:sp>
+        <p:nvSpPr>
+          <p:cNvPr id="13" name="TextBox 12"/>
+          <p:cNvSpPr txBox="1"/>
+          <p:nvPr/>
+        </p:nvSpPr>
+        <p:spPr>
+          <a:xfrm>
+            <a:off x="10504716" y="2928258"/>
+            <a:ext cx="609600" cy="584776"/>
+          </a:xfrm>
+          <a:prstGeom prst="rect">
+            <a:avLst/>
+          </a:prstGeom>
+        </p:spPr>
+        <p:txBody>
+          <a:bodyPr vert="horz" lIns="91440" tIns="45720" rIns="91440" bIns="45720" rtlCol="0" anchor="ctr">
+            <a:noAutofit/>
+          </a:bodyPr>
+          <a:lstStyle>
+            <a:lvl1pPr>
+              <a:spcBef>
+                <a:spcPct val="0"/>
+              </a:spcBef>
+              <a:buNone/>
+              <a:defRPr sz="3200" b="0" cap="all">
+                <a:ln w="3175" cmpd="sng">
+                  <a:noFill/>
+                </a:ln>
+                <a:effectLst>
+                  <a:glow rad="38100">
+                    <a:schemeClr val="bg1">
+                      <a:lumMod val="65000"/>
+                      <a:lumOff val="35000"/>
+                      <a:alpha val="40000"/>
+                    </a:schemeClr>
+                  </a:glow>
+                  <a:outerShdw blurRad="28575" dist="38100" dir="14040000" algn="tl" rotWithShape="0">
+                    <a:srgbClr val="000000">
+                      <a:alpha val="25000"/>
+                    </a:srgbClr>
+                  </a:outerShdw>
+                </a:effectLst>
+              </a:defRPr>
+            </a:lvl1pPr>
+            <a:lvl2pPr>
+              <a:defRPr>
+                <a:solidFill>
+                  <a:schemeClr val="tx2"/>
+                </a:solidFill>
+              </a:defRPr>
+            </a:lvl2pPr>
+            <a:lvl3pPr>
+              <a:defRPr>
+                <a:solidFill>
+                  <a:schemeClr val="tx2"/>
+                </a:solidFill>
+              </a:defRPr>
+            </a:lvl3pPr>
+            <a:lvl4pPr>
+              <a:defRPr>
+                <a:solidFill>
+                  <a:schemeClr val="tx2"/>
+                </a:solidFill>
+              </a:defRPr>
+            </a:lvl4pPr>
+            <a:lvl5pPr>
+              <a:defRPr>
+                <a:solidFill>
+                  <a:schemeClr val="tx2"/>
+                </a:solidFill>
+              </a:defRPr>
+            </a:lvl5pPr>
+            <a:lvl6pPr>
+              <a:defRPr>
+                <a:solidFill>
+                  <a:schemeClr val="tx2"/>
+                </a:solidFill>
+              </a:defRPr>
+            </a:lvl6pPr>
+            <a:lvl7pPr>
+              <a:defRPr>
+                <a:solidFill>
+                  <a:schemeClr val="tx2"/>
+                </a:solidFill>
+              </a:defRPr>
+            </a:lvl7pPr>
+            <a:lvl8pPr>
+              <a:defRPr>
+                <a:solidFill>
+                  <a:schemeClr val="tx2"/>
+                </a:solidFill>
+              </a:defRPr>
+            </a:lvl8pPr>
+            <a:lvl9pPr>
+              <a:defRPr>
+                <a:solidFill>
+                  <a:schemeClr val="tx2"/>
+                </a:solidFill>
+              </a:defRPr>
+            </a:lvl9pPr>
+          </a:lstStyle>
+          <a:p>
+            <a:pPr lvl="0" algn="r"/>
+            <a:r>
+              <a:rPr lang="en-US" sz="8000" dirty="0">
+                <a:solidFill>
+                  <a:schemeClr val="tx1"/>
+                </a:solidFill>
+                <a:effectLst/>
+              </a:rPr>
+              <a:t>”</a:t>
+            </a:r>
+          </a:p>
+        </p:txBody>
+      </p:sp>
+    </p:spTree>
+    <p:extLst>
+      <p:ext uri="{BB962C8B-B14F-4D97-AF65-F5344CB8AC3E}">
+        <p14:creationId xmlns:p14="http://schemas.microsoft.com/office/powerpoint/2010/main" val="4081882046"/>
+      </p:ext>
+    </p:extLst>
+  </p:cSld>
+  <p:clrMapOvr>
+    <a:masterClrMapping/>
+  </p:clrMapOvr>
+</p:sldLayout>
+</file>
+
+<file path=ppt/slideLayouts/slideLayout13.xml><?xml version="1.0" encoding="utf-8"?>
+<p:sldLayout xmlns:a="http://schemas.openxmlformats.org/drawingml/2006/main" xmlns:r="http://schemas.openxmlformats.org/officeDocument/2006/relationships" xmlns:p="http://schemas.openxmlformats.org/presentationml/2006/main" preserve="1">
+  <p:cSld name="Name Card">
+    <p:spTree>
+      <p:nvGrpSpPr>
+        <p:cNvPr id="1" name=""/>
+        <p:cNvGrpSpPr/>
+        <p:nvPr/>
+      </p:nvGrpSpPr>
+      <p:grpSpPr>
+        <a:xfrm>
+          <a:off x="0" y="0"/>
+          <a:ext cx="0" cy="0"/>
+          <a:chOff x="0" y="0"/>
+          <a:chExt cx="0" cy="0"/>
+        </a:xfrm>
+      </p:grpSpPr>
+      <p:sp>
+        <p:nvSpPr>
+          <p:cNvPr id="2" name="Title 1"/>
+          <p:cNvSpPr>
+            <a:spLocks noGrp="1"/>
+          </p:cNvSpPr>
+          <p:nvPr>
+            <p:ph type="title"/>
+          </p:nvPr>
+        </p:nvSpPr>
+        <p:spPr>
+          <a:xfrm>
+            <a:off x="913794" y="2126942"/>
+            <a:ext cx="10353763" cy="2511835"/>
+          </a:xfrm>
+        </p:spPr>
+        <p:txBody>
+          <a:bodyPr anchor="b"/>
+          <a:lstStyle>
+            <a:lvl1pPr>
+              <a:defRPr sz="3200"/>
+            </a:lvl1pPr>
+          </a:lstStyle>
+          <a:p>
+            <a:r>
+              <a:rPr lang="en-US"/>
+              <a:t>Click to edit Master title style</a:t>
+            </a:r>
+            <a:endParaRPr lang="en-US" dirty="0"/>
+          </a:p>
+        </p:txBody>
+      </p:sp>
+      <p:sp>
+        <p:nvSpPr>
+          <p:cNvPr id="4" name="Text Placeholder 3"/>
+          <p:cNvSpPr>
+            <a:spLocks noGrp="1"/>
+          </p:cNvSpPr>
+          <p:nvPr>
+            <p:ph type="body" sz="half" idx="2"/>
+          </p:nvPr>
+        </p:nvSpPr>
+        <p:spPr>
+          <a:xfrm>
+            <a:off x="913784" y="4650556"/>
+            <a:ext cx="10352199" cy="1140644"/>
+          </a:xfrm>
+        </p:spPr>
+        <p:txBody>
+          <a:bodyPr anchor="t"/>
+          <a:lstStyle>
+            <a:lvl1pPr marL="0" indent="0" algn="ctr">
+              <a:buNone/>
+              <a:defRPr sz="1600"/>
+            </a:lvl1pPr>
+            <a:lvl2pPr marL="457200" indent="0">
+              <a:buNone/>
+              <a:defRPr sz="1400"/>
+            </a:lvl2pPr>
+            <a:lvl3pPr marL="914400" indent="0">
+              <a:buNone/>
+              <a:defRPr sz="1200"/>
+            </a:lvl3pPr>
+            <a:lvl4pPr marL="1371600" indent="0">
+              <a:buNone/>
+              <a:defRPr sz="1000"/>
+            </a:lvl4pPr>
+            <a:lvl5pPr marL="1828800" indent="0">
+              <a:buNone/>
+              <a:defRPr sz="1000"/>
+            </a:lvl5pPr>
+            <a:lvl6pPr marL="2286000" indent="0">
+              <a:buNone/>
+              <a:defRPr sz="1000"/>
+            </a:lvl6pPr>
+            <a:lvl7pPr marL="2743200" indent="0">
+              <a:buNone/>
+              <a:defRPr sz="1000"/>
+            </a:lvl7pPr>
+            <a:lvl8pPr marL="3200400" indent="0">
+              <a:buNone/>
+              <a:defRPr sz="1000"/>
+            </a:lvl8pPr>
+            <a:lvl9pPr marL="3657600" indent="0">
+              <a:buNone/>
+              <a:defRPr sz="1000"/>
+            </a:lvl9pPr>
+          </a:lstStyle>
+          <a:p>
+            <a:pPr lvl="0"/>
+            <a:r>
+              <a:rPr lang="en-US"/>
+              <a:t>Click to edit Master text styles</a:t>
+            </a:r>
+          </a:p>
+        </p:txBody>
+      </p:sp>
+      <p:sp>
+        <p:nvSpPr>
+          <p:cNvPr id="5" name="Date Placeholder 4"/>
+          <p:cNvSpPr>
+            <a:spLocks noGrp="1"/>
+          </p:cNvSpPr>
+          <p:nvPr>
+            <p:ph type="dt" sz="half" idx="10"/>
+          </p:nvPr>
+        </p:nvSpPr>
+        <p:spPr/>
+        <p:txBody>
+          <a:bodyPr/>
+          <a:lstStyle/>
+          <a:p>
+            <a:fld id="{A99E6A8D-3EF2-489F-A7BF-6EA54CB4A9F3}" type="datetimeFigureOut">
+              <a:rPr lang="en-US" smtClean="0"/>
+              <a:t>9/12/2019</a:t>
+            </a:fld>
+            <a:endParaRPr lang="en-US"/>
+          </a:p>
+        </p:txBody>
+      </p:sp>
+      <p:sp>
+        <p:nvSpPr>
+          <p:cNvPr id="6" name="Footer Placeholder 5"/>
+          <p:cNvSpPr>
+            <a:spLocks noGrp="1"/>
+          </p:cNvSpPr>
+          <p:nvPr>
+            <p:ph type="ftr" sz="quarter" idx="11"/>
+          </p:nvPr>
+        </p:nvSpPr>
+        <p:spPr/>
+        <p:txBody>
+          <a:bodyPr/>
+          <a:lstStyle/>
+          <a:p>
+            <a:endParaRPr lang="en-US"/>
+          </a:p>
+        </p:txBody>
+      </p:sp>
+      <p:sp>
+        <p:nvSpPr>
+          <p:cNvPr id="7" name="Slide Number Placeholder 6"/>
+          <p:cNvSpPr>
+            <a:spLocks noGrp="1"/>
+          </p:cNvSpPr>
+          <p:nvPr>
+            <p:ph type="sldNum" sz="quarter" idx="12"/>
+          </p:nvPr>
+        </p:nvSpPr>
+        <p:spPr/>
+        <p:txBody>
+          <a:bodyPr/>
+          <a:lstStyle/>
+          <a:p>
+            <a:fld id="{31668416-5371-4D47-97FF-5643BF5F70A0}" type="slidenum">
+              <a:rPr lang="en-US" smtClean="0"/>
+              <a:t>‹#›</a:t>
+            </a:fld>
+            <a:endParaRPr lang="en-US"/>
+          </a:p>
+        </p:txBody>
+      </p:sp>
+    </p:spTree>
+    <p:extLst>
+      <p:ext uri="{BB962C8B-B14F-4D97-AF65-F5344CB8AC3E}">
+        <p14:creationId xmlns:p14="http://schemas.microsoft.com/office/powerpoint/2010/main" val="2494846654"/>
+      </p:ext>
+    </p:extLst>
+  </p:cSld>
+  <p:clrMapOvr>
+    <a:masterClrMapping/>
+  </p:clrMapOvr>
+</p:sldLayout>
+</file>
+
+<file path=ppt/slideLayouts/slideLayout14.xml><?xml version="1.0" encoding="utf-8"?>
+<p:sldLayout xmlns:a="http://schemas.openxmlformats.org/drawingml/2006/main" xmlns:r="http://schemas.openxmlformats.org/officeDocument/2006/relationships" xmlns:p="http://schemas.openxmlformats.org/presentationml/2006/main" preserve="1">
+  <p:cSld name="3 Column">
+    <p:spTree>
+      <p:nvGrpSpPr>
+        <p:cNvPr id="1" name=""/>
+        <p:cNvGrpSpPr/>
+        <p:nvPr/>
+      </p:nvGrpSpPr>
+      <p:grpSpPr>
+        <a:xfrm>
+          <a:off x="0" y="0"/>
+          <a:ext cx="0" cy="0"/>
+          <a:chOff x="0" y="0"/>
+          <a:chExt cx="0" cy="0"/>
+        </a:xfrm>
+      </p:grpSpPr>
+      <p:sp>
+        <p:nvSpPr>
+          <p:cNvPr id="15" name="Title 1"/>
+          <p:cNvSpPr>
+            <a:spLocks noGrp="1"/>
+          </p:cNvSpPr>
+          <p:nvPr>
+            <p:ph type="title"/>
+          </p:nvPr>
+        </p:nvSpPr>
+        <p:spPr>
+          <a:xfrm>
+            <a:off x="913795" y="609600"/>
+            <a:ext cx="10353762" cy="970450"/>
+          </a:xfrm>
+        </p:spPr>
+        <p:txBody>
+          <a:bodyPr/>
+          <a:lstStyle/>
+          <a:p>
+            <a:r>
+              <a:rPr lang="en-US"/>
+              <a:t>Click to edit Master title style</a:t>
+            </a:r>
+            <a:endParaRPr lang="en-US" dirty="0"/>
+          </a:p>
+        </p:txBody>
+      </p:sp>
+      <p:sp>
+        <p:nvSpPr>
+          <p:cNvPr id="7" name="Text Placeholder 2"/>
+          <p:cNvSpPr>
+            <a:spLocks noGrp="1"/>
+          </p:cNvSpPr>
+          <p:nvPr>
+            <p:ph type="body" idx="1"/>
+          </p:nvPr>
+        </p:nvSpPr>
+        <p:spPr>
+          <a:xfrm>
+            <a:off x="913795" y="1885950"/>
+            <a:ext cx="3300984" cy="576262"/>
+          </a:xfrm>
+        </p:spPr>
+        <p:txBody>
+          <a:bodyPr anchor="b">
+            <a:noAutofit/>
+          </a:bodyPr>
+          <a:lstStyle>
+            <a:lvl1pPr marL="0" indent="0" algn="ctr">
+              <a:buNone/>
+              <a:defRPr sz="2400" b="0">
+                <a:solidFill>
+                  <a:schemeClr val="tx1"/>
+                </a:solidFill>
+              </a:defRPr>
+            </a:lvl1pPr>
+            <a:lvl2pPr marL="457200" indent="0">
+              <a:buNone/>
+              <a:defRPr sz="2000" b="1"/>
+            </a:lvl2pPr>
+            <a:lvl3pPr marL="914400" indent="0">
+              <a:buNone/>
+              <a:defRPr sz="1800" b="1"/>
+            </a:lvl3pPr>
+            <a:lvl4pPr marL="1371600" indent="0">
+              <a:buNone/>
+              <a:defRPr sz="1600" b="1"/>
+            </a:lvl4pPr>
+            <a:lvl5pPr marL="1828800" indent="0">
+              <a:buNone/>
+              <a:defRPr sz="1600" b="1"/>
+            </a:lvl5pPr>
+            <a:lvl6pPr marL="2286000" indent="0">
+              <a:buNone/>
+              <a:defRPr sz="1600" b="1"/>
+            </a:lvl6pPr>
+            <a:lvl7pPr marL="2743200" indent="0">
+              <a:buNone/>
+              <a:defRPr sz="1600" b="1"/>
+            </a:lvl7pPr>
+            <a:lvl8pPr marL="3200400" indent="0">
+              <a:buNone/>
+              <a:defRPr sz="1600" b="1"/>
+            </a:lvl8pPr>
+            <a:lvl9pPr marL="3657600" indent="0">
+              <a:buNone/>
+              <a:defRPr sz="1600" b="1"/>
+            </a:lvl9pPr>
+          </a:lstStyle>
+          <a:p>
+            <a:pPr lvl="0"/>
+            <a:r>
+              <a:rPr lang="en-US"/>
+              <a:t>Click to edit Master text styles</a:t>
+            </a:r>
+          </a:p>
+        </p:txBody>
+      </p:sp>
+      <p:sp>
+        <p:nvSpPr>
+          <p:cNvPr id="8" name="Text Placeholder 3"/>
+          <p:cNvSpPr>
+            <a:spLocks noGrp="1"/>
+          </p:cNvSpPr>
+          <p:nvPr>
+            <p:ph type="body" sz="half" idx="15"/>
+          </p:nvPr>
+        </p:nvSpPr>
+        <p:spPr>
+          <a:xfrm>
+            <a:off x="913795" y="2571750"/>
+            <a:ext cx="3300984" cy="3219450"/>
+          </a:xfrm>
+        </p:spPr>
+        <p:txBody>
+          <a:bodyPr anchor="t">
+            <a:normAutofit/>
+          </a:bodyPr>
+          <a:lstStyle>
+            <a:lvl1pPr marL="0" indent="0" algn="ctr">
+              <a:buNone/>
+              <a:defRPr sz="1400"/>
+            </a:lvl1pPr>
+            <a:lvl2pPr marL="457200" indent="0">
+              <a:buNone/>
+              <a:defRPr sz="1200"/>
+            </a:lvl2pPr>
+            <a:lvl3pPr marL="914400" indent="0">
+              <a:buNone/>
+              <a:defRPr sz="1000"/>
+            </a:lvl3pPr>
+            <a:lvl4pPr marL="1371600" indent="0">
+              <a:buNone/>
+              <a:defRPr sz="900"/>
+            </a:lvl4pPr>
+            <a:lvl5pPr marL="1828800" indent="0">
+              <a:buNone/>
+              <a:defRPr sz="900"/>
+            </a:lvl5pPr>
+            <a:lvl6pPr marL="2286000" indent="0">
+              <a:buNone/>
+              <a:defRPr sz="900"/>
+            </a:lvl6pPr>
+            <a:lvl7pPr marL="2743200" indent="0">
+              <a:buNone/>
+              <a:defRPr sz="900"/>
+            </a:lvl7pPr>
+            <a:lvl8pPr marL="3200400" indent="0">
+              <a:buNone/>
+              <a:defRPr sz="900"/>
+            </a:lvl8pPr>
+            <a:lvl9pPr marL="3657600" indent="0">
+              <a:buNone/>
+              <a:defRPr sz="900"/>
+            </a:lvl9pPr>
+          </a:lstStyle>
+          <a:p>
+            <a:pPr lvl="0"/>
+            <a:r>
+              <a:rPr lang="en-US"/>
+              <a:t>Click to edit Master text styles</a:t>
+            </a:r>
+          </a:p>
+        </p:txBody>
+      </p:sp>
+      <p:sp>
+        <p:nvSpPr>
+          <p:cNvPr id="9" name="Text Placeholder 4"/>
+          <p:cNvSpPr>
+            <a:spLocks noGrp="1"/>
+          </p:cNvSpPr>
+          <p:nvPr>
+            <p:ph type="body" sz="quarter" idx="3"/>
+          </p:nvPr>
+        </p:nvSpPr>
+        <p:spPr>
+          <a:xfrm>
+            <a:off x="4446711" y="1885950"/>
+            <a:ext cx="3300984" cy="576262"/>
+          </a:xfrm>
+        </p:spPr>
+        <p:txBody>
+          <a:bodyPr anchor="b">
+            <a:noAutofit/>
+          </a:bodyPr>
+          <a:lstStyle>
+            <a:lvl1pPr marL="0" indent="0" algn="ctr">
+              <a:buNone/>
+              <a:defRPr sz="2400" b="0">
+                <a:solidFill>
+                  <a:schemeClr val="tx1"/>
+                </a:solidFill>
+              </a:defRPr>
+            </a:lvl1pPr>
+            <a:lvl2pPr marL="457200" indent="0">
+              <a:buNone/>
+              <a:defRPr sz="2000" b="1"/>
+            </a:lvl2pPr>
+            <a:lvl3pPr marL="914400" indent="0">
+              <a:buNone/>
+              <a:defRPr sz="1800" b="1"/>
+            </a:lvl3pPr>
+            <a:lvl4pPr marL="1371600" indent="0">
+              <a:buNone/>
+              <a:defRPr sz="1600" b="1"/>
+            </a:lvl4pPr>
+            <a:lvl5pPr marL="1828800" indent="0">
+              <a:buNone/>
+              <a:defRPr sz="1600" b="1"/>
+            </a:lvl5pPr>
+            <a:lvl6pPr marL="2286000" indent="0">
+              <a:buNone/>
+              <a:defRPr sz="1600" b="1"/>
+            </a:lvl6pPr>
+            <a:lvl7pPr marL="2743200" indent="0">
+              <a:buNone/>
+              <a:defRPr sz="1600" b="1"/>
+            </a:lvl7pPr>
+            <a:lvl8pPr marL="3200400" indent="0">
+              <a:buNone/>
+              <a:defRPr sz="1600" b="1"/>
+            </a:lvl8pPr>
+            <a:lvl9pPr marL="3657600" indent="0">
+              <a:buNone/>
+              <a:defRPr sz="1600" b="1"/>
+            </a:lvl9pPr>
+          </a:lstStyle>
+          <a:p>
+            <a:pPr lvl="0"/>
+            <a:r>
+              <a:rPr lang="en-US"/>
+              <a:t>Click to edit Master text styles</a:t>
+            </a:r>
+          </a:p>
+        </p:txBody>
+      </p:sp>
+      <p:sp>
+        <p:nvSpPr>
+          <p:cNvPr id="10" name="Text Placeholder 3"/>
+          <p:cNvSpPr>
+            <a:spLocks noGrp="1"/>
+          </p:cNvSpPr>
+          <p:nvPr>
+            <p:ph type="body" sz="half" idx="16"/>
+          </p:nvPr>
+        </p:nvSpPr>
+        <p:spPr>
+          <a:xfrm>
+            <a:off x="4441435" y="2571750"/>
+            <a:ext cx="3300984" cy="3219450"/>
+          </a:xfrm>
+        </p:spPr>
+        <p:txBody>
+          <a:bodyPr anchor="t">
+            <a:normAutofit/>
+          </a:bodyPr>
+          <a:lstStyle>
+            <a:lvl1pPr marL="0" indent="0" algn="ctr">
+              <a:buNone/>
+              <a:defRPr sz="1400"/>
+            </a:lvl1pPr>
+            <a:lvl2pPr marL="457200" indent="0">
+              <a:buNone/>
+              <a:defRPr sz="1200"/>
+            </a:lvl2pPr>
+            <a:lvl3pPr marL="914400" indent="0">
+              <a:buNone/>
+              <a:defRPr sz="1000"/>
+            </a:lvl3pPr>
+            <a:lvl4pPr marL="1371600" indent="0">
+              <a:buNone/>
+              <a:defRPr sz="900"/>
+            </a:lvl4pPr>
+            <a:lvl5pPr marL="1828800" indent="0">
+              <a:buNone/>
+              <a:defRPr sz="900"/>
+            </a:lvl5pPr>
+            <a:lvl6pPr marL="2286000" indent="0">
+              <a:buNone/>
+              <a:defRPr sz="900"/>
+            </a:lvl6pPr>
+            <a:lvl7pPr marL="2743200" indent="0">
+              <a:buNone/>
+              <a:defRPr sz="900"/>
+            </a:lvl7pPr>
+            <a:lvl8pPr marL="3200400" indent="0">
+              <a:buNone/>
+              <a:defRPr sz="900"/>
+            </a:lvl8pPr>
+            <a:lvl9pPr marL="3657600" indent="0">
+              <a:buNone/>
+              <a:defRPr sz="900"/>
+            </a:lvl9pPr>
+          </a:lstStyle>
+          <a:p>
+            <a:pPr lvl="0"/>
+            <a:r>
+              <a:rPr lang="en-US"/>
+              <a:t>Click to edit Master text styles</a:t>
+            </a:r>
+          </a:p>
+        </p:txBody>
+      </p:sp>
+      <p:sp>
+        <p:nvSpPr>
+          <p:cNvPr id="11" name="Text Placeholder 4"/>
+          <p:cNvSpPr>
+            <a:spLocks noGrp="1"/>
+          </p:cNvSpPr>
+          <p:nvPr>
+            <p:ph type="body" sz="quarter" idx="13"/>
+          </p:nvPr>
+        </p:nvSpPr>
+        <p:spPr>
+          <a:xfrm>
+            <a:off x="7966572" y="1885950"/>
+            <a:ext cx="3300984" cy="576262"/>
+          </a:xfrm>
+        </p:spPr>
+        <p:txBody>
+          <a:bodyPr anchor="b">
+            <a:noAutofit/>
+          </a:bodyPr>
+          <a:lstStyle>
+            <a:lvl1pPr marL="0" indent="0" algn="ctr">
+              <a:buNone/>
+              <a:defRPr sz="2400" b="0">
+                <a:solidFill>
+                  <a:schemeClr val="tx1"/>
+                </a:solidFill>
+              </a:defRPr>
+            </a:lvl1pPr>
+            <a:lvl2pPr marL="457200" indent="0">
+              <a:buNone/>
+              <a:defRPr sz="2000" b="1"/>
+            </a:lvl2pPr>
+            <a:lvl3pPr marL="914400" indent="0">
+              <a:buNone/>
+              <a:defRPr sz="1800" b="1"/>
+            </a:lvl3pPr>
+            <a:lvl4pPr marL="1371600" indent="0">
+              <a:buNone/>
+              <a:defRPr sz="1600" b="1"/>
+            </a:lvl4pPr>
+            <a:lvl5pPr marL="1828800" indent="0">
+              <a:buNone/>
+              <a:defRPr sz="1600" b="1"/>
+            </a:lvl5pPr>
+            <a:lvl6pPr marL="2286000" indent="0">
+              <a:buNone/>
+              <a:defRPr sz="1600" b="1"/>
+            </a:lvl6pPr>
+            <a:lvl7pPr marL="2743200" indent="0">
+              <a:buNone/>
+              <a:defRPr sz="1600" b="1"/>
+            </a:lvl7pPr>
+            <a:lvl8pPr marL="3200400" indent="0">
+              <a:buNone/>
+              <a:defRPr sz="1600" b="1"/>
+            </a:lvl8pPr>
+            <a:lvl9pPr marL="3657600" indent="0">
+              <a:buNone/>
+              <a:defRPr sz="1600" b="1"/>
+            </a:lvl9pPr>
+          </a:lstStyle>
+          <a:p>
+            <a:pPr lvl="0"/>
+            <a:r>
+              <a:rPr lang="en-US"/>
+              <a:t>Click to edit Master text styles</a:t>
+            </a:r>
+          </a:p>
+        </p:txBody>
+      </p:sp>
+      <p:sp>
+        <p:nvSpPr>
+          <p:cNvPr id="12" name="Text Placeholder 3"/>
+          <p:cNvSpPr>
+            <a:spLocks noGrp="1"/>
+          </p:cNvSpPr>
+          <p:nvPr>
+            <p:ph type="body" sz="half" idx="17"/>
+          </p:nvPr>
+        </p:nvSpPr>
+        <p:spPr>
+          <a:xfrm>
+            <a:off x="7966572" y="2571750"/>
+            <a:ext cx="3300984" cy="3219450"/>
+          </a:xfrm>
+        </p:spPr>
+        <p:txBody>
+          <a:bodyPr anchor="t">
+            <a:normAutofit/>
+          </a:bodyPr>
+          <a:lstStyle>
+            <a:lvl1pPr marL="0" indent="0" algn="ctr">
+              <a:buNone/>
+              <a:defRPr sz="1400"/>
+            </a:lvl1pPr>
+            <a:lvl2pPr marL="457200" indent="0">
+              <a:buNone/>
+              <a:defRPr sz="1200"/>
+            </a:lvl2pPr>
+            <a:lvl3pPr marL="914400" indent="0">
+              <a:buNone/>
+              <a:defRPr sz="1000"/>
+            </a:lvl3pPr>
+            <a:lvl4pPr marL="1371600" indent="0">
+              <a:buNone/>
+              <a:defRPr sz="900"/>
+            </a:lvl4pPr>
+            <a:lvl5pPr marL="1828800" indent="0">
+              <a:buNone/>
+              <a:defRPr sz="900"/>
+            </a:lvl5pPr>
+            <a:lvl6pPr marL="2286000" indent="0">
+              <a:buNone/>
+              <a:defRPr sz="900"/>
+            </a:lvl6pPr>
+            <a:lvl7pPr marL="2743200" indent="0">
+              <a:buNone/>
+              <a:defRPr sz="900"/>
+            </a:lvl7pPr>
+            <a:lvl8pPr marL="3200400" indent="0">
+              <a:buNone/>
+              <a:defRPr sz="900"/>
+            </a:lvl8pPr>
+            <a:lvl9pPr marL="3657600" indent="0">
+              <a:buNone/>
+              <a:defRPr sz="900"/>
+            </a:lvl9pPr>
+          </a:lstStyle>
+          <a:p>
+            <a:pPr lvl="0"/>
+            <a:r>
+              <a:rPr lang="en-US"/>
+              <a:t>Click to edit Master text styles</a:t>
+            </a:r>
+          </a:p>
+        </p:txBody>
+      </p:sp>
+      <p:sp>
+        <p:nvSpPr>
+          <p:cNvPr id="3" name="Date Placeholder 2"/>
+          <p:cNvSpPr>
+            <a:spLocks noGrp="1"/>
+          </p:cNvSpPr>
+          <p:nvPr>
+            <p:ph type="dt" sz="half" idx="10"/>
+          </p:nvPr>
+        </p:nvSpPr>
+        <p:spPr/>
+        <p:txBody>
+          <a:bodyPr/>
+          <a:lstStyle/>
+          <a:p>
+            <a:fld id="{A99E6A8D-3EF2-489F-A7BF-6EA54CB4A9F3}" type="datetimeFigureOut">
+              <a:rPr lang="en-US" smtClean="0"/>
+              <a:t>9/12/2019</a:t>
+            </a:fld>
+            <a:endParaRPr lang="en-US"/>
+          </a:p>
+        </p:txBody>
+      </p:sp>
+      <p:sp>
+        <p:nvSpPr>
+          <p:cNvPr id="4" name="Footer Placeholder 3"/>
+          <p:cNvSpPr>
+            <a:spLocks noGrp="1"/>
+          </p:cNvSpPr>
+          <p:nvPr>
+            <p:ph type="ftr" sz="quarter" idx="11"/>
+          </p:nvPr>
+        </p:nvSpPr>
+        <p:spPr/>
+        <p:txBody>
+          <a:bodyPr/>
+          <a:lstStyle/>
+          <a:p>
+            <a:endParaRPr lang="en-US"/>
+          </a:p>
+        </p:txBody>
+      </p:sp>
+      <p:sp>
+        <p:nvSpPr>
+          <p:cNvPr id="5" name="Slide Number Placeholder 4"/>
+          <p:cNvSpPr>
+            <a:spLocks noGrp="1"/>
+          </p:cNvSpPr>
+          <p:nvPr>
+            <p:ph type="sldNum" sz="quarter" idx="12"/>
+          </p:nvPr>
+        </p:nvSpPr>
+        <p:spPr/>
+        <p:txBody>
+          <a:bodyPr/>
+          <a:lstStyle/>
+          <a:p>
+            <a:fld id="{31668416-5371-4D47-97FF-5643BF5F70A0}" type="slidenum">
+              <a:rPr lang="en-US" smtClean="0"/>
+              <a:t>‹#›</a:t>
+            </a:fld>
+            <a:endParaRPr lang="en-US"/>
+          </a:p>
+        </p:txBody>
+      </p:sp>
+    </p:spTree>
+    <p:extLst>
+      <p:ext uri="{BB962C8B-B14F-4D97-AF65-F5344CB8AC3E}">
+        <p14:creationId xmlns:p14="http://schemas.microsoft.com/office/powerpoint/2010/main" val="1447621510"/>
+      </p:ext>
+    </p:extLst>
+  </p:cSld>
+  <p:clrMapOvr>
+    <a:masterClrMapping/>
+  </p:clrMapOvr>
+</p:sldLayout>
+</file>
+
+<file path=ppt/slideLayouts/slideLayout15.xml><?xml version="1.0" encoding="utf-8"?>
+<p:sldLayout xmlns:a="http://schemas.openxmlformats.org/drawingml/2006/main" xmlns:r="http://schemas.openxmlformats.org/officeDocument/2006/relationships" xmlns:p="http://schemas.openxmlformats.org/presentationml/2006/main" preserve="1">
+  <p:cSld name="3 Picture Column">
+    <p:spTree>
+      <p:nvGrpSpPr>
+        <p:cNvPr id="1" name=""/>
+        <p:cNvGrpSpPr/>
+        <p:nvPr/>
+      </p:nvGrpSpPr>
+      <p:grpSpPr>
+        <a:xfrm>
+          <a:off x="0" y="0"/>
+          <a:ext cx="0" cy="0"/>
+          <a:chOff x="0" y="0"/>
+          <a:chExt cx="0" cy="0"/>
+        </a:xfrm>
+      </p:grpSpPr>
+      <p:pic>
+        <p:nvPicPr>
+          <p:cNvPr id="2" name="Picture 1" descr="Slate-V2-HD-3colPhotoInset.png"/>
+          <p:cNvPicPr>
+            <a:picLocks noChangeAspect="1"/>
+          </p:cNvPicPr>
+          <p:nvPr/>
+        </p:nvPicPr>
+        <p:blipFill>
+          <a:blip r:embed="rId2">
+            <a:extLst>
+              <a:ext uri="{28A0092B-C50C-407E-A947-70E740481C1C}">
+                <a14:useLocalDpi xmlns:a14="http://schemas.microsoft.com/office/drawing/2010/main" val="0"/>
+              </a:ext>
+            </a:extLst>
+          </a:blip>
+          <a:stretch>
+            <a:fillRect/>
+          </a:stretch>
+        </p:blipFill>
+        <p:spPr>
+          <a:xfrm>
+            <a:off x="897962" y="1818214"/>
+            <a:ext cx="3339972" cy="1847851"/>
+          </a:xfrm>
+          <a:prstGeom prst="rect">
+            <a:avLst/>
+          </a:prstGeom>
+        </p:spPr>
+      </p:pic>
+      <p:pic>
+        <p:nvPicPr>
+          <p:cNvPr id="36" name="Picture 35" descr="Slate-V2-HD-3colPhotoInset.png"/>
+          <p:cNvPicPr>
+            <a:picLocks noChangeAspect="1"/>
+          </p:cNvPicPr>
+          <p:nvPr/>
+        </p:nvPicPr>
+        <p:blipFill>
+          <a:blip r:embed="rId2">
+            <a:extLst>
+              <a:ext uri="{28A0092B-C50C-407E-A947-70E740481C1C}">
+                <a14:useLocalDpi xmlns:a14="http://schemas.microsoft.com/office/drawing/2010/main" val="0"/>
+              </a:ext>
+            </a:extLst>
+          </a:blip>
+          <a:stretch>
+            <a:fillRect/>
+          </a:stretch>
+        </p:blipFill>
+        <p:spPr>
+          <a:xfrm>
+            <a:off x="4403800" y="1818214"/>
+            <a:ext cx="3339972" cy="1847851"/>
+          </a:xfrm>
+          <a:prstGeom prst="rect">
+            <a:avLst/>
+          </a:prstGeom>
+        </p:spPr>
+      </p:pic>
+      <p:pic>
+        <p:nvPicPr>
+          <p:cNvPr id="37" name="Picture 36" descr="Slate-V2-HD-3colPhotoInset.png"/>
+          <p:cNvPicPr>
+            <a:picLocks noChangeAspect="1"/>
+          </p:cNvPicPr>
+          <p:nvPr/>
+        </p:nvPicPr>
+        <p:blipFill>
+          <a:blip r:embed="rId2">
+            <a:extLst>
+              <a:ext uri="{28A0092B-C50C-407E-A947-70E740481C1C}">
+                <a14:useLocalDpi xmlns:a14="http://schemas.microsoft.com/office/drawing/2010/main" val="0"/>
+              </a:ext>
+            </a:extLst>
+          </a:blip>
+          <a:stretch>
+            <a:fillRect/>
+          </a:stretch>
+        </p:blipFill>
+        <p:spPr>
+          <a:xfrm>
+            <a:off x="7936051" y="1818214"/>
+            <a:ext cx="3339972" cy="1847851"/>
+          </a:xfrm>
+          <a:prstGeom prst="rect">
+            <a:avLst/>
+          </a:prstGeom>
+        </p:spPr>
+      </p:pic>
+      <p:sp>
+        <p:nvSpPr>
+          <p:cNvPr id="30" name="Title 1"/>
+          <p:cNvSpPr>
+            <a:spLocks noGrp="1"/>
+          </p:cNvSpPr>
+          <p:nvPr>
+            <p:ph type="title"/>
+          </p:nvPr>
+        </p:nvSpPr>
+        <p:spPr>
+          <a:xfrm>
+            <a:off x="913794" y="609600"/>
+            <a:ext cx="10353763" cy="970450"/>
+          </a:xfrm>
+        </p:spPr>
+        <p:txBody>
+          <a:bodyPr/>
+          <a:lstStyle/>
+          <a:p>
+            <a:r>
+              <a:rPr lang="en-US"/>
+              <a:t>Click to edit Master title style</a:t>
+            </a:r>
+            <a:endParaRPr lang="en-US" dirty="0"/>
+          </a:p>
+        </p:txBody>
+      </p:sp>
+      <p:sp>
+        <p:nvSpPr>
+          <p:cNvPr id="19" name="Text Placeholder 2"/>
+          <p:cNvSpPr>
+            <a:spLocks noGrp="1"/>
+          </p:cNvSpPr>
+          <p:nvPr>
+            <p:ph type="body" idx="1"/>
+          </p:nvPr>
+        </p:nvSpPr>
+        <p:spPr>
+          <a:xfrm>
+            <a:off x="913795" y="3904106"/>
+            <a:ext cx="3300984" cy="576262"/>
+          </a:xfrm>
+        </p:spPr>
+        <p:txBody>
+          <a:bodyPr anchor="b">
+            <a:noAutofit/>
+          </a:bodyPr>
+          <a:lstStyle>
+            <a:lvl1pPr marL="0" indent="0" algn="ctr">
+              <a:buNone/>
+              <a:defRPr sz="2000" b="0">
+                <a:solidFill>
+                  <a:schemeClr val="tx1"/>
+                </a:solidFill>
+              </a:defRPr>
+            </a:lvl1pPr>
+            <a:lvl2pPr marL="457200" indent="0">
+              <a:buNone/>
+              <a:defRPr sz="2000" b="1"/>
+            </a:lvl2pPr>
+            <a:lvl3pPr marL="914400" indent="0">
+              <a:buNone/>
+              <a:defRPr sz="1800" b="1"/>
+            </a:lvl3pPr>
+            <a:lvl4pPr marL="1371600" indent="0">
+              <a:buNone/>
+              <a:defRPr sz="1600" b="1"/>
+            </a:lvl4pPr>
+            <a:lvl5pPr marL="1828800" indent="0">
+              <a:buNone/>
+              <a:defRPr sz="1600" b="1"/>
+            </a:lvl5pPr>
+            <a:lvl6pPr marL="2286000" indent="0">
+              <a:buNone/>
+              <a:defRPr sz="1600" b="1"/>
+            </a:lvl6pPr>
+            <a:lvl7pPr marL="2743200" indent="0">
+              <a:buNone/>
+              <a:defRPr sz="1600" b="1"/>
+            </a:lvl7pPr>
+            <a:lvl8pPr marL="3200400" indent="0">
+              <a:buNone/>
+              <a:defRPr sz="1600" b="1"/>
+            </a:lvl8pPr>
+            <a:lvl9pPr marL="3657600" indent="0">
+              <a:buNone/>
+              <a:defRPr sz="1600" b="1"/>
+            </a:lvl9pPr>
+          </a:lstStyle>
+          <a:p>
+            <a:pPr lvl="0"/>
+            <a:r>
+              <a:rPr lang="en-US"/>
+              <a:t>Click to edit Master text styles</a:t>
+            </a:r>
+          </a:p>
+        </p:txBody>
+      </p:sp>
+      <p:sp>
+        <p:nvSpPr>
+          <p:cNvPr id="20" name="Picture Placeholder 2"/>
+          <p:cNvSpPr>
+            <a:spLocks noGrp="1" noChangeAspect="1"/>
+          </p:cNvSpPr>
+          <p:nvPr>
+            <p:ph type="pic" idx="15"/>
+          </p:nvPr>
+        </p:nvSpPr>
+        <p:spPr>
+          <a:xfrm>
+            <a:off x="1018102" y="1938918"/>
+            <a:ext cx="3092368" cy="1602954"/>
+          </a:xfrm>
+          <a:prstGeom prst="roundRect">
+            <a:avLst>
+              <a:gd name="adj" fmla="val 1858"/>
+            </a:avLst>
+          </a:prstGeom>
+          <a:effectLst>
+            <a:outerShdw blurRad="38100" dist="25400" dir="4440000">
+              <a:srgbClr val="000000">
+                <a:alpha val="36000"/>
+              </a:srgbClr>
+            </a:outerShdw>
+          </a:effectLst>
+        </p:spPr>
+        <p:txBody>
+          <a:bodyPr anchor="t">
+            <a:normAutofit/>
+          </a:bodyPr>
+          <a:lstStyle>
+            <a:lvl1pPr marL="0" indent="0" algn="ctr">
+              <a:buNone/>
+              <a:defRPr sz="1600"/>
+            </a:lvl1pPr>
+            <a:lvl2pPr marL="457200" indent="0">
+              <a:buNone/>
+              <a:defRPr sz="1600"/>
+            </a:lvl2pPr>
+            <a:lvl3pPr marL="914400" indent="0">
+              <a:buNone/>
+              <a:defRPr sz="1600"/>
+            </a:lvl3pPr>
+            <a:lvl4pPr marL="1371600" indent="0">
+              <a:buNone/>
+              <a:defRPr sz="1600"/>
+            </a:lvl4pPr>
+            <a:lvl5pPr marL="1828800" indent="0">
+              <a:buNone/>
+              <a:defRPr sz="1600"/>
+            </a:lvl5pPr>
+            <a:lvl6pPr marL="2286000" indent="0">
+              <a:buNone/>
+              <a:defRPr sz="1600"/>
+            </a:lvl6pPr>
+            <a:lvl7pPr marL="2743200" indent="0">
+              <a:buNone/>
+              <a:defRPr sz="1600"/>
+            </a:lvl7pPr>
+            <a:lvl8pPr marL="3200400" indent="0">
+              <a:buNone/>
+              <a:defRPr sz="1600"/>
+            </a:lvl8pPr>
+            <a:lvl9pPr marL="3657600" indent="0">
+              <a:buNone/>
+              <a:defRPr sz="1600"/>
+            </a:lvl9pPr>
+          </a:lstStyle>
+          <a:p>
+            <a:r>
+              <a:rPr lang="en-US"/>
+              <a:t>Click icon to add picture</a:t>
+            </a:r>
+            <a:endParaRPr lang="en-US" dirty="0"/>
+          </a:p>
+        </p:txBody>
+      </p:sp>
+      <p:sp>
+        <p:nvSpPr>
+          <p:cNvPr id="21" name="Text Placeholder 3"/>
+          <p:cNvSpPr>
+            <a:spLocks noGrp="1"/>
+          </p:cNvSpPr>
+          <p:nvPr>
+            <p:ph type="body" sz="half" idx="18"/>
+          </p:nvPr>
+        </p:nvSpPr>
+        <p:spPr>
+          <a:xfrm>
+            <a:off x="913795" y="4480368"/>
+            <a:ext cx="3300984" cy="1310833"/>
+          </a:xfrm>
+        </p:spPr>
+        <p:txBody>
+          <a:bodyPr anchor="t">
+            <a:normAutofit/>
+          </a:bodyPr>
+          <a:lstStyle>
+            <a:lvl1pPr marL="0" indent="0" algn="ctr">
+              <a:buNone/>
+              <a:defRPr sz="1400"/>
+            </a:lvl1pPr>
+            <a:lvl2pPr marL="457200" indent="0">
+              <a:buNone/>
+              <a:defRPr sz="1200"/>
+            </a:lvl2pPr>
+            <a:lvl3pPr marL="914400" indent="0">
+              <a:buNone/>
+              <a:defRPr sz="1000"/>
+            </a:lvl3pPr>
+            <a:lvl4pPr marL="1371600" indent="0">
+              <a:buNone/>
+              <a:defRPr sz="900"/>
+            </a:lvl4pPr>
+            <a:lvl5pPr marL="1828800" indent="0">
+              <a:buNone/>
+              <a:defRPr sz="900"/>
+            </a:lvl5pPr>
+            <a:lvl6pPr marL="2286000" indent="0">
+              <a:buNone/>
+              <a:defRPr sz="900"/>
+            </a:lvl6pPr>
+            <a:lvl7pPr marL="2743200" indent="0">
+              <a:buNone/>
+              <a:defRPr sz="900"/>
+            </a:lvl7pPr>
+            <a:lvl8pPr marL="3200400" indent="0">
+              <a:buNone/>
+              <a:defRPr sz="900"/>
+            </a:lvl8pPr>
+            <a:lvl9pPr marL="3657600" indent="0">
+              <a:buNone/>
+              <a:defRPr sz="900"/>
+            </a:lvl9pPr>
+          </a:lstStyle>
+          <a:p>
+            <a:pPr lvl="0"/>
+            <a:r>
+              <a:rPr lang="en-US"/>
+              <a:t>Click to edit Master text styles</a:t>
+            </a:r>
+          </a:p>
+        </p:txBody>
+      </p:sp>
+      <p:sp>
+        <p:nvSpPr>
+          <p:cNvPr id="22" name="Text Placeholder 4"/>
+          <p:cNvSpPr>
+            <a:spLocks noGrp="1"/>
+          </p:cNvSpPr>
+          <p:nvPr>
+            <p:ph type="body" sz="quarter" idx="3"/>
+          </p:nvPr>
+        </p:nvSpPr>
+        <p:spPr>
+          <a:xfrm>
+            <a:off x="4442788" y="3904106"/>
+            <a:ext cx="3300984" cy="576262"/>
+          </a:xfrm>
+        </p:spPr>
+        <p:txBody>
+          <a:bodyPr anchor="b">
+            <a:noAutofit/>
+          </a:bodyPr>
+          <a:lstStyle>
+            <a:lvl1pPr marL="0" indent="0" algn="ctr">
+              <a:buNone/>
+              <a:defRPr sz="2000" b="0">
+                <a:solidFill>
+                  <a:schemeClr val="tx1"/>
+                </a:solidFill>
+              </a:defRPr>
+            </a:lvl1pPr>
+            <a:lvl2pPr marL="457200" indent="0">
+              <a:buNone/>
+              <a:defRPr sz="2000" b="1"/>
+            </a:lvl2pPr>
+            <a:lvl3pPr marL="914400" indent="0">
+              <a:buNone/>
+              <a:defRPr sz="1800" b="1"/>
+            </a:lvl3pPr>
+            <a:lvl4pPr marL="1371600" indent="0">
+              <a:buNone/>
+              <a:defRPr sz="1600" b="1"/>
+            </a:lvl4pPr>
+            <a:lvl5pPr marL="1828800" indent="0">
+              <a:buNone/>
+              <a:defRPr sz="1600" b="1"/>
+            </a:lvl5pPr>
+            <a:lvl6pPr marL="2286000" indent="0">
+              <a:buNone/>
+              <a:defRPr sz="1600" b="1"/>
+            </a:lvl6pPr>
+            <a:lvl7pPr marL="2743200" indent="0">
+              <a:buNone/>
+              <a:defRPr sz="1600" b="1"/>
+            </a:lvl7pPr>
+            <a:lvl8pPr marL="3200400" indent="0">
+              <a:buNone/>
+              <a:defRPr sz="1600" b="1"/>
+            </a:lvl8pPr>
+            <a:lvl9pPr marL="3657600" indent="0">
+              <a:buNone/>
+              <a:defRPr sz="1600" b="1"/>
+            </a:lvl9pPr>
+          </a:lstStyle>
+          <a:p>
+            <a:pPr lvl="0"/>
+            <a:r>
+              <a:rPr lang="en-US"/>
+              <a:t>Click to edit Master text styles</a:t>
+            </a:r>
+          </a:p>
+        </p:txBody>
+      </p:sp>
+      <p:sp>
+        <p:nvSpPr>
+          <p:cNvPr id="23" name="Picture Placeholder 2"/>
+          <p:cNvSpPr>
+            <a:spLocks noGrp="1" noChangeAspect="1"/>
+          </p:cNvSpPr>
+          <p:nvPr>
+            <p:ph type="pic" idx="21"/>
+          </p:nvPr>
+        </p:nvSpPr>
+        <p:spPr>
+          <a:xfrm>
+            <a:off x="4545743" y="1939094"/>
+            <a:ext cx="3092368" cy="1608164"/>
+          </a:xfrm>
+          <a:prstGeom prst="roundRect">
+            <a:avLst>
+              <a:gd name="adj" fmla="val 1858"/>
+            </a:avLst>
+          </a:prstGeom>
+          <a:effectLst>
+            <a:outerShdw blurRad="38100" dist="25400" dir="4440000">
+              <a:srgbClr val="000000">
+                <a:alpha val="36000"/>
+              </a:srgbClr>
+            </a:outerShdw>
+          </a:effectLst>
+        </p:spPr>
+        <p:txBody>
+          <a:bodyPr anchor="t">
+            <a:normAutofit/>
+          </a:bodyPr>
+          <a:lstStyle>
+            <a:lvl1pPr marL="0" indent="0" algn="ctr">
+              <a:buNone/>
+              <a:defRPr sz="1600"/>
+            </a:lvl1pPr>
+            <a:lvl2pPr marL="457200" indent="0">
+              <a:buNone/>
+              <a:defRPr sz="1600"/>
+            </a:lvl2pPr>
+            <a:lvl3pPr marL="914400" indent="0">
+              <a:buNone/>
+              <a:defRPr sz="1600"/>
+            </a:lvl3pPr>
+            <a:lvl4pPr marL="1371600" indent="0">
+              <a:buNone/>
+              <a:defRPr sz="1600"/>
+            </a:lvl4pPr>
+            <a:lvl5pPr marL="1828800" indent="0">
+              <a:buNone/>
+              <a:defRPr sz="1600"/>
+            </a:lvl5pPr>
+            <a:lvl6pPr marL="2286000" indent="0">
+              <a:buNone/>
+              <a:defRPr sz="1600"/>
+            </a:lvl6pPr>
+            <a:lvl7pPr marL="2743200" indent="0">
+              <a:buNone/>
+              <a:defRPr sz="1600"/>
+            </a:lvl7pPr>
+            <a:lvl8pPr marL="3200400" indent="0">
+              <a:buNone/>
+              <a:defRPr sz="1600"/>
+            </a:lvl8pPr>
+            <a:lvl9pPr marL="3657600" indent="0">
+              <a:buNone/>
+              <a:defRPr sz="1600"/>
+            </a:lvl9pPr>
+          </a:lstStyle>
+          <a:p>
+            <a:r>
+              <a:rPr lang="en-US"/>
+              <a:t>Click icon to add picture</a:t>
+            </a:r>
+            <a:endParaRPr lang="en-US" dirty="0"/>
+          </a:p>
+        </p:txBody>
+      </p:sp>
+      <p:sp>
+        <p:nvSpPr>
+          <p:cNvPr id="24" name="Text Placeholder 3"/>
+          <p:cNvSpPr>
+            <a:spLocks noGrp="1"/>
+          </p:cNvSpPr>
+          <p:nvPr>
+            <p:ph type="body" sz="half" idx="19"/>
+          </p:nvPr>
+        </p:nvSpPr>
+        <p:spPr>
+          <a:xfrm>
+            <a:off x="4441435" y="4480367"/>
+            <a:ext cx="3300984" cy="1310833"/>
+          </a:xfrm>
+        </p:spPr>
+        <p:txBody>
+          <a:bodyPr anchor="t">
+            <a:normAutofit/>
+          </a:bodyPr>
+          <a:lstStyle>
+            <a:lvl1pPr marL="0" indent="0" algn="ctr">
+              <a:buNone/>
+              <a:defRPr sz="1400"/>
+            </a:lvl1pPr>
+            <a:lvl2pPr marL="457200" indent="0">
+              <a:buNone/>
+              <a:defRPr sz="1200"/>
+            </a:lvl2pPr>
+            <a:lvl3pPr marL="914400" indent="0">
+              <a:buNone/>
+              <a:defRPr sz="1000"/>
+            </a:lvl3pPr>
+            <a:lvl4pPr marL="1371600" indent="0">
+              <a:buNone/>
+              <a:defRPr sz="900"/>
+            </a:lvl4pPr>
+            <a:lvl5pPr marL="1828800" indent="0">
+              <a:buNone/>
+              <a:defRPr sz="900"/>
+            </a:lvl5pPr>
+            <a:lvl6pPr marL="2286000" indent="0">
+              <a:buNone/>
+              <a:defRPr sz="900"/>
+            </a:lvl6pPr>
+            <a:lvl7pPr marL="2743200" indent="0">
+              <a:buNone/>
+              <a:defRPr sz="900"/>
+            </a:lvl7pPr>
+            <a:lvl8pPr marL="3200400" indent="0">
+              <a:buNone/>
+              <a:defRPr sz="900"/>
+            </a:lvl8pPr>
+            <a:lvl9pPr marL="3657600" indent="0">
+              <a:buNone/>
+              <a:defRPr sz="900"/>
+            </a:lvl9pPr>
+          </a:lstStyle>
+          <a:p>
+            <a:pPr lvl="0"/>
+            <a:r>
+              <a:rPr lang="en-US"/>
+              <a:t>Click to edit Master text styles</a:t>
+            </a:r>
+          </a:p>
+        </p:txBody>
+      </p:sp>
+      <p:sp>
+        <p:nvSpPr>
+          <p:cNvPr id="25" name="Text Placeholder 4"/>
+          <p:cNvSpPr>
+            <a:spLocks noGrp="1"/>
+          </p:cNvSpPr>
+          <p:nvPr>
+            <p:ph type="body" sz="quarter" idx="13"/>
+          </p:nvPr>
+        </p:nvSpPr>
+        <p:spPr>
+          <a:xfrm>
+            <a:off x="7966697" y="3904106"/>
+            <a:ext cx="3300984" cy="576262"/>
+          </a:xfrm>
+        </p:spPr>
+        <p:txBody>
+          <a:bodyPr anchor="b">
+            <a:noAutofit/>
+          </a:bodyPr>
+          <a:lstStyle>
+            <a:lvl1pPr marL="0" indent="0" algn="ctr">
+              <a:buNone/>
+              <a:defRPr sz="2000" b="0">
+                <a:solidFill>
+                  <a:schemeClr val="tx1"/>
+                </a:solidFill>
+              </a:defRPr>
+            </a:lvl1pPr>
+            <a:lvl2pPr marL="457200" indent="0">
+              <a:buNone/>
+              <a:defRPr sz="2000" b="1"/>
+            </a:lvl2pPr>
+            <a:lvl3pPr marL="914400" indent="0">
+              <a:buNone/>
+              <a:defRPr sz="1800" b="1"/>
+            </a:lvl3pPr>
+            <a:lvl4pPr marL="1371600" indent="0">
+              <a:buNone/>
+              <a:defRPr sz="1600" b="1"/>
+            </a:lvl4pPr>
+            <a:lvl5pPr marL="1828800" indent="0">
+              <a:buNone/>
+              <a:defRPr sz="1600" b="1"/>
+            </a:lvl5pPr>
+            <a:lvl6pPr marL="2286000" indent="0">
+              <a:buNone/>
+              <a:defRPr sz="1600" b="1"/>
+            </a:lvl6pPr>
+            <a:lvl7pPr marL="2743200" indent="0">
+              <a:buNone/>
+              <a:defRPr sz="1600" b="1"/>
+            </a:lvl7pPr>
+            <a:lvl8pPr marL="3200400" indent="0">
+              <a:buNone/>
+              <a:defRPr sz="1600" b="1"/>
+            </a:lvl8pPr>
+            <a:lvl9pPr marL="3657600" indent="0">
+              <a:buNone/>
+              <a:defRPr sz="1600" b="1"/>
+            </a:lvl9pPr>
+          </a:lstStyle>
+          <a:p>
+            <a:pPr lvl="0"/>
+            <a:r>
+              <a:rPr lang="en-US"/>
+              <a:t>Click to edit Master text styles</a:t>
+            </a:r>
+          </a:p>
+        </p:txBody>
+      </p:sp>
+      <p:sp>
+        <p:nvSpPr>
+          <p:cNvPr id="26" name="Picture Placeholder 2"/>
+          <p:cNvSpPr>
+            <a:spLocks noGrp="1" noChangeAspect="1"/>
+          </p:cNvSpPr>
+          <p:nvPr>
+            <p:ph type="pic" idx="22"/>
+          </p:nvPr>
+        </p:nvSpPr>
+        <p:spPr>
+          <a:xfrm>
+            <a:off x="8075698" y="1934432"/>
+            <a:ext cx="3092368" cy="1607294"/>
+          </a:xfrm>
+          <a:prstGeom prst="roundRect">
+            <a:avLst>
+              <a:gd name="adj" fmla="val 1858"/>
+            </a:avLst>
+          </a:prstGeom>
+          <a:effectLst>
+            <a:outerShdw blurRad="38100" dist="25400" dir="4440000">
+              <a:srgbClr val="000000">
+                <a:alpha val="36000"/>
+              </a:srgbClr>
+            </a:outerShdw>
+          </a:effectLst>
+        </p:spPr>
+        <p:txBody>
+          <a:bodyPr anchor="t">
+            <a:normAutofit/>
+          </a:bodyPr>
+          <a:lstStyle>
+            <a:lvl1pPr marL="0" indent="0" algn="ctr">
+              <a:buNone/>
+              <a:defRPr sz="1600"/>
+            </a:lvl1pPr>
+            <a:lvl2pPr marL="457200" indent="0">
+              <a:buNone/>
+              <a:defRPr sz="1600"/>
+            </a:lvl2pPr>
+            <a:lvl3pPr marL="914400" indent="0">
+              <a:buNone/>
+              <a:defRPr sz="1600"/>
+            </a:lvl3pPr>
+            <a:lvl4pPr marL="1371600" indent="0">
+              <a:buNone/>
+              <a:defRPr sz="1600"/>
+            </a:lvl4pPr>
+            <a:lvl5pPr marL="1828800" indent="0">
+              <a:buNone/>
+              <a:defRPr sz="1600"/>
+            </a:lvl5pPr>
+            <a:lvl6pPr marL="2286000" indent="0">
+              <a:buNone/>
+              <a:defRPr sz="1600"/>
+            </a:lvl6pPr>
+            <a:lvl7pPr marL="2743200" indent="0">
+              <a:buNone/>
+              <a:defRPr sz="1600"/>
+            </a:lvl7pPr>
+            <a:lvl8pPr marL="3200400" indent="0">
+              <a:buNone/>
+              <a:defRPr sz="1600"/>
+            </a:lvl8pPr>
+            <a:lvl9pPr marL="3657600" indent="0">
+              <a:buNone/>
+              <a:defRPr sz="1600"/>
+            </a:lvl9pPr>
+          </a:lstStyle>
+          <a:p>
+            <a:r>
+              <a:rPr lang="en-US"/>
+              <a:t>Click icon to add picture</a:t>
+            </a:r>
+            <a:endParaRPr lang="en-US" dirty="0"/>
+          </a:p>
+        </p:txBody>
+      </p:sp>
+      <p:sp>
+        <p:nvSpPr>
+          <p:cNvPr id="27" name="Text Placeholder 3"/>
+          <p:cNvSpPr>
+            <a:spLocks noGrp="1"/>
+          </p:cNvSpPr>
+          <p:nvPr>
+            <p:ph type="body" sz="half" idx="20"/>
+          </p:nvPr>
+        </p:nvSpPr>
+        <p:spPr>
+          <a:xfrm>
+            <a:off x="7966572" y="4480365"/>
+            <a:ext cx="3300984" cy="1310835"/>
+          </a:xfrm>
+        </p:spPr>
+        <p:txBody>
+          <a:bodyPr anchor="t">
+            <a:normAutofit/>
+          </a:bodyPr>
+          <a:lstStyle>
+            <a:lvl1pPr marL="0" indent="0" algn="ctr">
+              <a:buNone/>
+              <a:defRPr sz="1400"/>
+            </a:lvl1pPr>
+            <a:lvl2pPr marL="457200" indent="0">
+              <a:buNone/>
+              <a:defRPr sz="1200"/>
+            </a:lvl2pPr>
+            <a:lvl3pPr marL="914400" indent="0">
+              <a:buNone/>
+              <a:defRPr sz="1000"/>
+            </a:lvl3pPr>
+            <a:lvl4pPr marL="1371600" indent="0">
+              <a:buNone/>
+              <a:defRPr sz="900"/>
+            </a:lvl4pPr>
+            <a:lvl5pPr marL="1828800" indent="0">
+              <a:buNone/>
+              <a:defRPr sz="900"/>
+            </a:lvl5pPr>
+            <a:lvl6pPr marL="2286000" indent="0">
+              <a:buNone/>
+              <a:defRPr sz="900"/>
+            </a:lvl6pPr>
+            <a:lvl7pPr marL="2743200" indent="0">
+              <a:buNone/>
+              <a:defRPr sz="900"/>
+            </a:lvl7pPr>
+            <a:lvl8pPr marL="3200400" indent="0">
+              <a:buNone/>
+              <a:defRPr sz="900"/>
+            </a:lvl8pPr>
+            <a:lvl9pPr marL="3657600" indent="0">
+              <a:buNone/>
+              <a:defRPr sz="900"/>
+            </a:lvl9pPr>
+          </a:lstStyle>
+          <a:p>
+            <a:pPr lvl="0"/>
+            <a:r>
+              <a:rPr lang="en-US"/>
+              <a:t>Click to edit Master text styles</a:t>
+            </a:r>
+          </a:p>
+        </p:txBody>
+      </p:sp>
+      <p:sp>
+        <p:nvSpPr>
+          <p:cNvPr id="3" name="Date Placeholder 2"/>
+          <p:cNvSpPr>
+            <a:spLocks noGrp="1"/>
+          </p:cNvSpPr>
+          <p:nvPr>
+            <p:ph type="dt" sz="half" idx="10"/>
+          </p:nvPr>
+        </p:nvSpPr>
+        <p:spPr/>
+        <p:txBody>
+          <a:bodyPr/>
+          <a:lstStyle/>
+          <a:p>
+            <a:fld id="{A99E6A8D-3EF2-489F-A7BF-6EA54CB4A9F3}" type="datetimeFigureOut">
+              <a:rPr lang="en-US" smtClean="0"/>
+              <a:t>9/12/2019</a:t>
+            </a:fld>
+            <a:endParaRPr lang="en-US"/>
+          </a:p>
+        </p:txBody>
+      </p:sp>
+      <p:sp>
+        <p:nvSpPr>
+          <p:cNvPr id="4" name="Footer Placeholder 3"/>
+          <p:cNvSpPr>
+            <a:spLocks noGrp="1"/>
+          </p:cNvSpPr>
+          <p:nvPr>
+            <p:ph type="ftr" sz="quarter" idx="11"/>
+          </p:nvPr>
+        </p:nvSpPr>
+        <p:spPr/>
+        <p:txBody>
+          <a:bodyPr/>
+          <a:lstStyle/>
+          <a:p>
+            <a:endParaRPr lang="en-US"/>
+          </a:p>
+        </p:txBody>
+      </p:sp>
+      <p:sp>
+        <p:nvSpPr>
+          <p:cNvPr id="5" name="Slide Number Placeholder 4"/>
+          <p:cNvSpPr>
+            <a:spLocks noGrp="1"/>
+          </p:cNvSpPr>
+          <p:nvPr>
+            <p:ph type="sldNum" sz="quarter" idx="12"/>
+          </p:nvPr>
+        </p:nvSpPr>
+        <p:spPr/>
+        <p:txBody>
+          <a:bodyPr/>
+          <a:lstStyle/>
+          <a:p>
+            <a:fld id="{31668416-5371-4D47-97FF-5643BF5F70A0}" type="slidenum">
+              <a:rPr lang="en-US" smtClean="0"/>
+              <a:t>‹#›</a:t>
+            </a:fld>
+            <a:endParaRPr lang="en-US"/>
+          </a:p>
+        </p:txBody>
+      </p:sp>
+    </p:spTree>
+    <p:extLst>
+      <p:ext uri="{BB962C8B-B14F-4D97-AF65-F5344CB8AC3E}">
+        <p14:creationId xmlns:p14="http://schemas.microsoft.com/office/powerpoint/2010/main" val="2099015989"/>
+      </p:ext>
+    </p:extLst>
+  </p:cSld>
+  <p:clrMapOvr>
+    <a:masterClrMapping/>
+  </p:clrMapOvr>
+</p:sldLayout>
+</file>
+
+<file path=ppt/slideLayouts/slideLayout16.xml><?xml version="1.0" encoding="utf-8"?>
 <p:sldLayout xmlns:a="http://schemas.openxmlformats.org/drawingml/2006/main" xmlns:r="http://schemas.openxmlformats.org/officeDocument/2006/relationships" xmlns:p="http://schemas.openxmlformats.org/presentationml/2006/main" type="vertTx" preserve="1">
   <p:cSld name="Title and Vertical Text">
     <p:spTree>
@@ -346,13 +3138,7 @@
       </p:grpSpPr>
       <p:sp>
         <p:nvSpPr>
-          <p:cNvPr id="2" name="Title 1">
-            <a:extLst>
-              <a:ext uri="{FF2B5EF4-FFF2-40B4-BE49-F238E27FC236}">
-                <a16:creationId xmlns:a16="http://schemas.microsoft.com/office/drawing/2014/main" id="{B7255FA4-2EAF-4CFF-95B7-39F35B02D820}"/>
-              </a:ext>
-            </a:extLst>
-          </p:cNvPr>
+          <p:cNvPr id="2" name="Title 1"/>
           <p:cNvSpPr>
             <a:spLocks noGrp="1"/>
           </p:cNvSpPr>
@@ -369,18 +3155,13 @@
               <a:rPr lang="en-US"/>
               <a:t>Click to edit Master title style</a:t>
             </a:r>
-          </a:p>
-        </p:txBody>
-      </p:sp>
-      <p:sp>
-        <p:nvSpPr>
-          <p:cNvPr id="3" name="Vertical Text Placeholder 2">
-            <a:extLst>
-              <a:ext uri="{FF2B5EF4-FFF2-40B4-BE49-F238E27FC236}">
-                <a16:creationId xmlns:a16="http://schemas.microsoft.com/office/drawing/2014/main" id="{7FEAEB04-0C17-4850-995C-73409002E658}"/>
-              </a:ext>
-            </a:extLst>
-          </p:cNvPr>
+            <a:endParaRPr lang="en-US" dirty="0"/>
+          </a:p>
+        </p:txBody>
+      </p:sp>
+      <p:sp>
+        <p:nvSpPr>
+          <p:cNvPr id="3" name="Vertical Text Placeholder 2"/>
           <p:cNvSpPr>
             <a:spLocks noGrp="1"/>
           </p:cNvSpPr>
@@ -390,7 +3171,7 @@
         </p:nvSpPr>
         <p:spPr/>
         <p:txBody>
-          <a:bodyPr vert="eaVert"/>
+          <a:bodyPr vert="eaVert" anchor="t"/>
           <a:lstStyle/>
           <a:p>
             <a:pPr lvl="0"/>
@@ -426,18 +3207,13 @@
               <a:rPr lang="en-US"/>
               <a:t>Fifth level</a:t>
             </a:r>
-          </a:p>
-        </p:txBody>
-      </p:sp>
-      <p:sp>
-        <p:nvSpPr>
-          <p:cNvPr id="4" name="Date Placeholder 3">
-            <a:extLst>
-              <a:ext uri="{FF2B5EF4-FFF2-40B4-BE49-F238E27FC236}">
-                <a16:creationId xmlns:a16="http://schemas.microsoft.com/office/drawing/2014/main" id="{3B0ACB8E-0E55-4288-B650-EDF0971AB7DF}"/>
-              </a:ext>
-            </a:extLst>
-          </p:cNvPr>
+            <a:endParaRPr lang="en-US" dirty="0"/>
+          </a:p>
+        </p:txBody>
+      </p:sp>
+      <p:sp>
+        <p:nvSpPr>
+          <p:cNvPr id="4" name="Date Placeholder 3"/>
           <p:cNvSpPr>
             <a:spLocks noGrp="1"/>
           </p:cNvSpPr>
@@ -460,13 +3236,7 @@
       </p:sp>
       <p:sp>
         <p:nvSpPr>
-          <p:cNvPr id="5" name="Footer Placeholder 4">
-            <a:extLst>
-              <a:ext uri="{FF2B5EF4-FFF2-40B4-BE49-F238E27FC236}">
-                <a16:creationId xmlns:a16="http://schemas.microsoft.com/office/drawing/2014/main" id="{BE7A4CDD-6E58-4323-99FE-FF2C5A9982F0}"/>
-              </a:ext>
-            </a:extLst>
-          </p:cNvPr>
+          <p:cNvPr id="5" name="Footer Placeholder 4"/>
           <p:cNvSpPr>
             <a:spLocks noGrp="1"/>
           </p:cNvSpPr>
@@ -485,13 +3255,7 @@
       </p:sp>
       <p:sp>
         <p:nvSpPr>
-          <p:cNvPr id="6" name="Slide Number Placeholder 5">
-            <a:extLst>
-              <a:ext uri="{FF2B5EF4-FFF2-40B4-BE49-F238E27FC236}">
-                <a16:creationId xmlns:a16="http://schemas.microsoft.com/office/drawing/2014/main" id="{BA88686A-EB3F-42BA-9875-0C4219CFF067}"/>
-              </a:ext>
-            </a:extLst>
-          </p:cNvPr>
+          <p:cNvPr id="6" name="Slide Number Placeholder 5"/>
           <p:cNvSpPr>
             <a:spLocks noGrp="1"/>
           </p:cNvSpPr>
@@ -515,7 +3279,7 @@
     </p:spTree>
     <p:extLst>
       <p:ext uri="{BB962C8B-B14F-4D97-AF65-F5344CB8AC3E}">
-        <p14:creationId xmlns:p14="http://schemas.microsoft.com/office/powerpoint/2010/main" val="1309679964"/>
+        <p14:creationId xmlns:p14="http://schemas.microsoft.com/office/powerpoint/2010/main" val="1801318360"/>
       </p:ext>
     </p:extLst>
   </p:cSld>
@@ -525,7 +3289,7 @@
 </p:sldLayout>
 </file>
 
-<file path=ppt/slideLayouts/slideLayout11.xml><?xml version="1.0" encoding="utf-8"?>
+<file path=ppt/slideLayouts/slideLayout17.xml><?xml version="1.0" encoding="utf-8"?>
 <p:sldLayout xmlns:a="http://schemas.openxmlformats.org/drawingml/2006/main" xmlns:r="http://schemas.openxmlformats.org/officeDocument/2006/relationships" xmlns:p="http://schemas.openxmlformats.org/presentationml/2006/main" type="vertTitleAndTx" preserve="1">
   <p:cSld name="Vertical Title and Text">
     <p:spTree>
@@ -544,13 +3308,7 @@
       </p:grpSpPr>
       <p:sp>
         <p:nvSpPr>
-          <p:cNvPr id="2" name="Vertical Title 1">
-            <a:extLst>
-              <a:ext uri="{FF2B5EF4-FFF2-40B4-BE49-F238E27FC236}">
-                <a16:creationId xmlns:a16="http://schemas.microsoft.com/office/drawing/2014/main" id="{80A333D3-3078-4C34-95DD-66626298D0D0}"/>
-              </a:ext>
-            </a:extLst>
-          </p:cNvPr>
+          <p:cNvPr id="2" name="Vertical Title 1"/>
           <p:cNvSpPr>
             <a:spLocks noGrp="1"/>
           </p:cNvSpPr>
@@ -560,30 +3318,29 @@
         </p:nvSpPr>
         <p:spPr>
           <a:xfrm>
-            <a:off x="8724900" y="365125"/>
-            <a:ext cx="2628900" cy="5811838"/>
+            <a:off x="8983068" y="609599"/>
+            <a:ext cx="2284487" cy="5181601"/>
           </a:xfrm>
         </p:spPr>
         <p:txBody>
           <a:bodyPr vert="eaVert"/>
-          <a:lstStyle/>
+          <a:lstStyle>
+            <a:lvl1pPr algn="l">
+              <a:defRPr/>
+            </a:lvl1pPr>
+          </a:lstStyle>
           <a:p>
             <a:r>
               <a:rPr lang="en-US"/>
               <a:t>Click to edit Master title style</a:t>
             </a:r>
-          </a:p>
-        </p:txBody>
-      </p:sp>
-      <p:sp>
-        <p:nvSpPr>
-          <p:cNvPr id="3" name="Vertical Text Placeholder 2">
-            <a:extLst>
-              <a:ext uri="{FF2B5EF4-FFF2-40B4-BE49-F238E27FC236}">
-                <a16:creationId xmlns:a16="http://schemas.microsoft.com/office/drawing/2014/main" id="{8CC8E610-77F2-4F72-972A-39CDF095B379}"/>
-              </a:ext>
-            </a:extLst>
-          </p:cNvPr>
+            <a:endParaRPr lang="en-US" dirty="0"/>
+          </a:p>
+        </p:txBody>
+      </p:sp>
+      <p:sp>
+        <p:nvSpPr>
+          <p:cNvPr id="3" name="Vertical Text Placeholder 2"/>
           <p:cNvSpPr>
             <a:spLocks noGrp="1"/>
           </p:cNvSpPr>
@@ -593,12 +3350,12 @@
         </p:nvSpPr>
         <p:spPr>
           <a:xfrm>
-            <a:off x="838200" y="365125"/>
-            <a:ext cx="7734300" cy="5811838"/>
+            <a:off x="913796" y="609599"/>
+            <a:ext cx="7916872" cy="5181601"/>
           </a:xfrm>
         </p:spPr>
         <p:txBody>
-          <a:bodyPr vert="eaVert"/>
+          <a:bodyPr vert="eaVert" anchor="t"/>
           <a:lstStyle/>
           <a:p>
             <a:pPr lvl="0"/>
@@ -634,18 +3391,13 @@
               <a:rPr lang="en-US"/>
               <a:t>Fifth level</a:t>
             </a:r>
-          </a:p>
-        </p:txBody>
-      </p:sp>
-      <p:sp>
-        <p:nvSpPr>
-          <p:cNvPr id="4" name="Date Placeholder 3">
-            <a:extLst>
-              <a:ext uri="{FF2B5EF4-FFF2-40B4-BE49-F238E27FC236}">
-                <a16:creationId xmlns:a16="http://schemas.microsoft.com/office/drawing/2014/main" id="{B6F1E756-3857-4111-8DB4-AC373FCD91AC}"/>
-              </a:ext>
-            </a:extLst>
-          </p:cNvPr>
+            <a:endParaRPr lang="en-US" dirty="0"/>
+          </a:p>
+        </p:txBody>
+      </p:sp>
+      <p:sp>
+        <p:nvSpPr>
+          <p:cNvPr id="4" name="Date Placeholder 3"/>
           <p:cNvSpPr>
             <a:spLocks noGrp="1"/>
           </p:cNvSpPr>
@@ -668,13 +3420,7 @@
       </p:sp>
       <p:sp>
         <p:nvSpPr>
-          <p:cNvPr id="5" name="Footer Placeholder 4">
-            <a:extLst>
-              <a:ext uri="{FF2B5EF4-FFF2-40B4-BE49-F238E27FC236}">
-                <a16:creationId xmlns:a16="http://schemas.microsoft.com/office/drawing/2014/main" id="{D4A900FB-522A-4E29-8D96-16B19ED9A927}"/>
-              </a:ext>
-            </a:extLst>
-          </p:cNvPr>
+          <p:cNvPr id="5" name="Footer Placeholder 4"/>
           <p:cNvSpPr>
             <a:spLocks noGrp="1"/>
           </p:cNvSpPr>
@@ -693,13 +3439,7 @@
       </p:sp>
       <p:sp>
         <p:nvSpPr>
-          <p:cNvPr id="6" name="Slide Number Placeholder 5">
-            <a:extLst>
-              <a:ext uri="{FF2B5EF4-FFF2-40B4-BE49-F238E27FC236}">
-                <a16:creationId xmlns:a16="http://schemas.microsoft.com/office/drawing/2014/main" id="{78DA4313-3320-4462-A6F1-B7C86526E5C0}"/>
-              </a:ext>
-            </a:extLst>
-          </p:cNvPr>
+          <p:cNvPr id="6" name="Slide Number Placeholder 5"/>
           <p:cNvSpPr>
             <a:spLocks noGrp="1"/>
           </p:cNvSpPr>
@@ -723,13 +3463,18 @@
     </p:spTree>
     <p:extLst>
       <p:ext uri="{BB962C8B-B14F-4D97-AF65-F5344CB8AC3E}">
-        <p14:creationId xmlns:p14="http://schemas.microsoft.com/office/powerpoint/2010/main" val="622497464"/>
+        <p14:creationId xmlns:p14="http://schemas.microsoft.com/office/powerpoint/2010/main" val="2824387165"/>
       </p:ext>
     </p:extLst>
   </p:cSld>
   <p:clrMapOvr>
     <a:masterClrMapping/>
   </p:clrMapOvr>
+  <p:extLst>
+    <p:ext uri="{DCECCB84-F9BA-43D5-87BE-67443E8EF086}">
+      <p15:sldGuideLst xmlns:p15="http://schemas.microsoft.com/office/powerpoint/2012/main"/>
+    </p:ext>
+  </p:extLst>
 </p:sldLayout>
 </file>
 
@@ -752,13 +3497,7 @@
       </p:grpSpPr>
       <p:sp>
         <p:nvSpPr>
-          <p:cNvPr id="2" name="Title 1">
-            <a:extLst>
-              <a:ext uri="{FF2B5EF4-FFF2-40B4-BE49-F238E27FC236}">
-                <a16:creationId xmlns:a16="http://schemas.microsoft.com/office/drawing/2014/main" id="{824F2489-98B8-46B0-93A4-1842C1728C20}"/>
-              </a:ext>
-            </a:extLst>
-          </p:cNvPr>
+          <p:cNvPr id="2" name="Title 1"/>
           <p:cNvSpPr>
             <a:spLocks noGrp="1"/>
           </p:cNvSpPr>
@@ -775,18 +3514,13 @@
               <a:rPr lang="en-US"/>
               <a:t>Click to edit Master title style</a:t>
             </a:r>
-          </a:p>
-        </p:txBody>
-      </p:sp>
-      <p:sp>
-        <p:nvSpPr>
-          <p:cNvPr id="3" name="Content Placeholder 2">
-            <a:extLst>
-              <a:ext uri="{FF2B5EF4-FFF2-40B4-BE49-F238E27FC236}">
-                <a16:creationId xmlns:a16="http://schemas.microsoft.com/office/drawing/2014/main" id="{30CD38D1-AED7-44BB-A26F-8438D8C051BD}"/>
-              </a:ext>
-            </a:extLst>
-          </p:cNvPr>
+            <a:endParaRPr lang="en-US" dirty="0"/>
+          </a:p>
+        </p:txBody>
+      </p:sp>
+      <p:sp>
+        <p:nvSpPr>
+          <p:cNvPr id="3" name="Content Placeholder 2"/>
           <p:cNvSpPr>
             <a:spLocks noGrp="1"/>
           </p:cNvSpPr>
@@ -832,18 +3566,13 @@
               <a:rPr lang="en-US"/>
               <a:t>Fifth level</a:t>
             </a:r>
-          </a:p>
-        </p:txBody>
-      </p:sp>
-      <p:sp>
-        <p:nvSpPr>
-          <p:cNvPr id="4" name="Date Placeholder 3">
-            <a:extLst>
-              <a:ext uri="{FF2B5EF4-FFF2-40B4-BE49-F238E27FC236}">
-                <a16:creationId xmlns:a16="http://schemas.microsoft.com/office/drawing/2014/main" id="{86707501-850F-4BEA-A038-2FA7F2FD2CFF}"/>
-              </a:ext>
-            </a:extLst>
-          </p:cNvPr>
+            <a:endParaRPr lang="en-US" dirty="0"/>
+          </a:p>
+        </p:txBody>
+      </p:sp>
+      <p:sp>
+        <p:nvSpPr>
+          <p:cNvPr id="4" name="Date Placeholder 3"/>
           <p:cNvSpPr>
             <a:spLocks noGrp="1"/>
           </p:cNvSpPr>
@@ -866,13 +3595,7 @@
       </p:sp>
       <p:sp>
         <p:nvSpPr>
-          <p:cNvPr id="5" name="Footer Placeholder 4">
-            <a:extLst>
-              <a:ext uri="{FF2B5EF4-FFF2-40B4-BE49-F238E27FC236}">
-                <a16:creationId xmlns:a16="http://schemas.microsoft.com/office/drawing/2014/main" id="{50FDACB7-8AD3-4022-9238-6B87293287D1}"/>
-              </a:ext>
-            </a:extLst>
-          </p:cNvPr>
+          <p:cNvPr id="5" name="Footer Placeholder 4"/>
           <p:cNvSpPr>
             <a:spLocks noGrp="1"/>
           </p:cNvSpPr>
@@ -891,13 +3614,7 @@
       </p:sp>
       <p:sp>
         <p:nvSpPr>
-          <p:cNvPr id="6" name="Slide Number Placeholder 5">
-            <a:extLst>
-              <a:ext uri="{FF2B5EF4-FFF2-40B4-BE49-F238E27FC236}">
-                <a16:creationId xmlns:a16="http://schemas.microsoft.com/office/drawing/2014/main" id="{D295AE7C-55EB-4C42-A3EC-6B06470C2691}"/>
-              </a:ext>
-            </a:extLst>
-          </p:cNvPr>
+          <p:cNvPr id="6" name="Slide Number Placeholder 5"/>
           <p:cNvSpPr>
             <a:spLocks noGrp="1"/>
           </p:cNvSpPr>
@@ -921,7 +3638,7 @@
     </p:spTree>
     <p:extLst>
       <p:ext uri="{BB962C8B-B14F-4D97-AF65-F5344CB8AC3E}">
-        <p14:creationId xmlns:p14="http://schemas.microsoft.com/office/powerpoint/2010/main" val="295748774"/>
+        <p14:creationId xmlns:p14="http://schemas.microsoft.com/office/powerpoint/2010/main" val="1924817350"/>
       </p:ext>
     </p:extLst>
   </p:cSld>
@@ -950,13 +3667,7 @@
       </p:grpSpPr>
       <p:sp>
         <p:nvSpPr>
-          <p:cNvPr id="2" name="Title 1">
-            <a:extLst>
-              <a:ext uri="{FF2B5EF4-FFF2-40B4-BE49-F238E27FC236}">
-                <a16:creationId xmlns:a16="http://schemas.microsoft.com/office/drawing/2014/main" id="{A21125A1-7A78-4AFE-8EEE-C014B8867C55}"/>
-              </a:ext>
-            </a:extLst>
-          </p:cNvPr>
+          <p:cNvPr id="2" name="Title 1"/>
           <p:cNvSpPr>
             <a:spLocks noGrp="1"/>
           </p:cNvSpPr>
@@ -966,15 +3677,15 @@
         </p:nvSpPr>
         <p:spPr>
           <a:xfrm>
-            <a:off x="831850" y="1709738"/>
-            <a:ext cx="10515600" cy="2852737"/>
+            <a:off x="1295401" y="1761067"/>
+            <a:ext cx="9590550" cy="1828813"/>
           </a:xfrm>
         </p:spPr>
         <p:txBody>
           <a:bodyPr anchor="b"/>
           <a:lstStyle>
-            <a:lvl1pPr>
-              <a:defRPr sz="6000"/>
+            <a:lvl1pPr algn="ctr">
+              <a:defRPr sz="4000" b="0" cap="none"/>
             </a:lvl1pPr>
           </a:lstStyle>
           <a:p>
@@ -982,18 +3693,13 @@
               <a:rPr lang="en-US"/>
               <a:t>Click to edit Master title style</a:t>
             </a:r>
-          </a:p>
-        </p:txBody>
-      </p:sp>
-      <p:sp>
-        <p:nvSpPr>
-          <p:cNvPr id="3" name="Text Placeholder 2">
-            <a:extLst>
-              <a:ext uri="{FF2B5EF4-FFF2-40B4-BE49-F238E27FC236}">
-                <a16:creationId xmlns:a16="http://schemas.microsoft.com/office/drawing/2014/main" id="{54BEF8E7-59B3-4EED-9B3B-26E58E61A950}"/>
-              </a:ext>
-            </a:extLst>
-          </p:cNvPr>
+            <a:endParaRPr lang="en-US" dirty="0"/>
+          </a:p>
+        </p:txBody>
+      </p:sp>
+      <p:sp>
+        <p:nvSpPr>
+          <p:cNvPr id="3" name="Text Placeholder 2"/>
           <p:cNvSpPr>
             <a:spLocks noGrp="1"/>
           </p:cNvSpPr>
@@ -1003,26 +3709,24 @@
         </p:nvSpPr>
         <p:spPr>
           <a:xfrm>
-            <a:off x="831850" y="4589463"/>
-            <a:ext cx="10515600" cy="1500187"/>
+            <a:off x="1295401" y="3589879"/>
+            <a:ext cx="9590550" cy="1507054"/>
           </a:xfrm>
         </p:spPr>
         <p:txBody>
-          <a:bodyPr/>
+          <a:bodyPr anchor="t"/>
           <a:lstStyle>
-            <a:lvl1pPr marL="0" indent="0">
-              <a:buNone/>
-              <a:defRPr sz="2400">
+            <a:lvl1pPr marL="0" indent="0" algn="ctr">
+              <a:buNone/>
+              <a:defRPr sz="2000">
                 <a:solidFill>
-                  <a:schemeClr val="tx1">
-                    <a:tint val="75000"/>
-                  </a:schemeClr>
+                  <a:schemeClr val="tx1"/>
                 </a:solidFill>
               </a:defRPr>
             </a:lvl1pPr>
             <a:lvl2pPr marL="457200" indent="0">
               <a:buNone/>
-              <a:defRPr sz="2000">
+              <a:defRPr sz="1800">
                 <a:solidFill>
                   <a:schemeClr val="tx1">
                     <a:tint val="75000"/>
@@ -1032,7 +3736,7 @@
             </a:lvl2pPr>
             <a:lvl3pPr marL="914400" indent="0">
               <a:buNone/>
-              <a:defRPr sz="1800">
+              <a:defRPr sz="1600">
                 <a:solidFill>
                   <a:schemeClr val="tx1">
                     <a:tint val="75000"/>
@@ -1042,7 +3746,7 @@
             </a:lvl3pPr>
             <a:lvl4pPr marL="1371600" indent="0">
               <a:buNone/>
-              <a:defRPr sz="1600">
+              <a:defRPr sz="1400">
                 <a:solidFill>
                   <a:schemeClr val="tx1">
                     <a:tint val="75000"/>
@@ -1052,7 +3756,7 @@
             </a:lvl4pPr>
             <a:lvl5pPr marL="1828800" indent="0">
               <a:buNone/>
-              <a:defRPr sz="1600">
+              <a:defRPr sz="1400">
                 <a:solidFill>
                   <a:schemeClr val="tx1">
                     <a:tint val="75000"/>
@@ -1062,7 +3766,7 @@
             </a:lvl5pPr>
             <a:lvl6pPr marL="2286000" indent="0">
               <a:buNone/>
-              <a:defRPr sz="1600">
+              <a:defRPr sz="1400">
                 <a:solidFill>
                   <a:schemeClr val="tx1">
                     <a:tint val="75000"/>
@@ -1072,7 +3776,7 @@
             </a:lvl6pPr>
             <a:lvl7pPr marL="2743200" indent="0">
               <a:buNone/>
-              <a:defRPr sz="1600">
+              <a:defRPr sz="1400">
                 <a:solidFill>
                   <a:schemeClr val="tx1">
                     <a:tint val="75000"/>
@@ -1082,7 +3786,7 @@
             </a:lvl7pPr>
             <a:lvl8pPr marL="3200400" indent="0">
               <a:buNone/>
-              <a:defRPr sz="1600">
+              <a:defRPr sz="1400">
                 <a:solidFill>
                   <a:schemeClr val="tx1">
                     <a:tint val="75000"/>
@@ -1092,7 +3796,7 @@
             </a:lvl8pPr>
             <a:lvl9pPr marL="3657600" indent="0">
               <a:buNone/>
-              <a:defRPr sz="1600">
+              <a:defRPr sz="1400">
                 <a:solidFill>
                   <a:schemeClr val="tx1">
                     <a:tint val="75000"/>
@@ -1112,13 +3816,7 @@
       </p:sp>
       <p:sp>
         <p:nvSpPr>
-          <p:cNvPr id="4" name="Date Placeholder 3">
-            <a:extLst>
-              <a:ext uri="{FF2B5EF4-FFF2-40B4-BE49-F238E27FC236}">
-                <a16:creationId xmlns:a16="http://schemas.microsoft.com/office/drawing/2014/main" id="{566EAB01-ACAB-4620-9BCF-ACCC50808963}"/>
-              </a:ext>
-            </a:extLst>
-          </p:cNvPr>
+          <p:cNvPr id="4" name="Date Placeholder 3"/>
           <p:cNvSpPr>
             <a:spLocks noGrp="1"/>
           </p:cNvSpPr>
@@ -1141,13 +3839,7 @@
       </p:sp>
       <p:sp>
         <p:nvSpPr>
-          <p:cNvPr id="5" name="Footer Placeholder 4">
-            <a:extLst>
-              <a:ext uri="{FF2B5EF4-FFF2-40B4-BE49-F238E27FC236}">
-                <a16:creationId xmlns:a16="http://schemas.microsoft.com/office/drawing/2014/main" id="{C7EB1F29-B88A-4236-861D-B95ECB352BCD}"/>
-              </a:ext>
-            </a:extLst>
-          </p:cNvPr>
+          <p:cNvPr id="5" name="Footer Placeholder 4"/>
           <p:cNvSpPr>
             <a:spLocks noGrp="1"/>
           </p:cNvSpPr>
@@ -1166,13 +3858,7 @@
       </p:sp>
       <p:sp>
         <p:nvSpPr>
-          <p:cNvPr id="6" name="Slide Number Placeholder 5">
-            <a:extLst>
-              <a:ext uri="{FF2B5EF4-FFF2-40B4-BE49-F238E27FC236}">
-                <a16:creationId xmlns:a16="http://schemas.microsoft.com/office/drawing/2014/main" id="{CB563B46-64C8-4C29-BAC8-BBCB15829002}"/>
-              </a:ext>
-            </a:extLst>
-          </p:cNvPr>
+          <p:cNvPr id="6" name="Slide Number Placeholder 5"/>
           <p:cNvSpPr>
             <a:spLocks noGrp="1"/>
           </p:cNvSpPr>
@@ -1196,13 +3882,18 @@
     </p:spTree>
     <p:extLst>
       <p:ext uri="{BB962C8B-B14F-4D97-AF65-F5344CB8AC3E}">
-        <p14:creationId xmlns:p14="http://schemas.microsoft.com/office/powerpoint/2010/main" val="460758464"/>
+        <p14:creationId xmlns:p14="http://schemas.microsoft.com/office/powerpoint/2010/main" val="3624203982"/>
       </p:ext>
     </p:extLst>
   </p:cSld>
   <p:clrMapOvr>
     <a:masterClrMapping/>
   </p:clrMapOvr>
+  <p:extLst>
+    <p:ext uri="{DCECCB84-F9BA-43D5-87BE-67443E8EF086}">
+      <p15:sldGuideLst xmlns:p15="http://schemas.microsoft.com/office/powerpoint/2012/main"/>
+    </p:ext>
+  </p:extLst>
 </p:sldLayout>
 </file>
 
@@ -1225,13 +3916,7 @@
       </p:grpSpPr>
       <p:sp>
         <p:nvSpPr>
-          <p:cNvPr id="2" name="Title 1">
-            <a:extLst>
-              <a:ext uri="{FF2B5EF4-FFF2-40B4-BE49-F238E27FC236}">
-                <a16:creationId xmlns:a16="http://schemas.microsoft.com/office/drawing/2014/main" id="{54783627-4A05-4047-B20E-A5BB0CDA7576}"/>
-              </a:ext>
-            </a:extLst>
-          </p:cNvPr>
+          <p:cNvPr id="2" name="Title 1"/>
           <p:cNvSpPr>
             <a:spLocks noGrp="1"/>
           </p:cNvSpPr>
@@ -1248,18 +3933,13 @@
               <a:rPr lang="en-US"/>
               <a:t>Click to edit Master title style</a:t>
             </a:r>
-          </a:p>
-        </p:txBody>
-      </p:sp>
-      <p:sp>
-        <p:nvSpPr>
-          <p:cNvPr id="3" name="Content Placeholder 2">
-            <a:extLst>
-              <a:ext uri="{FF2B5EF4-FFF2-40B4-BE49-F238E27FC236}">
-                <a16:creationId xmlns:a16="http://schemas.microsoft.com/office/drawing/2014/main" id="{2CDA8526-594C-40CD-AD8A-8B524B7A819C}"/>
-              </a:ext>
-            </a:extLst>
-          </p:cNvPr>
+            <a:endParaRPr lang="en-US" dirty="0"/>
+          </a:p>
+        </p:txBody>
+      </p:sp>
+      <p:sp>
+        <p:nvSpPr>
+          <p:cNvPr id="3" name="Content Placeholder 2"/>
           <p:cNvSpPr>
             <a:spLocks noGrp="1"/>
           </p:cNvSpPr>
@@ -1269,12 +3949,14 @@
         </p:nvSpPr>
         <p:spPr>
           <a:xfrm>
-            <a:off x="838200" y="1825625"/>
-            <a:ext cx="5181600" cy="4351338"/>
+            <a:off x="913795" y="1732449"/>
+            <a:ext cx="5060497" cy="4058750"/>
           </a:xfrm>
         </p:spPr>
         <p:txBody>
-          <a:bodyPr/>
+          <a:bodyPr anchor="t">
+            <a:normAutofit/>
+          </a:bodyPr>
           <a:lstStyle/>
           <a:p>
             <a:pPr lvl="0"/>
@@ -1310,18 +3992,13 @@
               <a:rPr lang="en-US"/>
               <a:t>Fifth level</a:t>
             </a:r>
-          </a:p>
-        </p:txBody>
-      </p:sp>
-      <p:sp>
-        <p:nvSpPr>
-          <p:cNvPr id="4" name="Content Placeholder 3">
-            <a:extLst>
-              <a:ext uri="{FF2B5EF4-FFF2-40B4-BE49-F238E27FC236}">
-                <a16:creationId xmlns:a16="http://schemas.microsoft.com/office/drawing/2014/main" id="{F8FA6DA3-81C7-4319-930D-3BE111BD70DB}"/>
-              </a:ext>
-            </a:extLst>
-          </p:cNvPr>
+            <a:endParaRPr lang="en-US" dirty="0"/>
+          </a:p>
+        </p:txBody>
+      </p:sp>
+      <p:sp>
+        <p:nvSpPr>
+          <p:cNvPr id="4" name="Content Placeholder 3"/>
           <p:cNvSpPr>
             <a:spLocks noGrp="1"/>
           </p:cNvSpPr>
@@ -1331,12 +4008,14 @@
         </p:nvSpPr>
         <p:spPr>
           <a:xfrm>
-            <a:off x="6172200" y="1825625"/>
-            <a:ext cx="5181600" cy="4351338"/>
+            <a:off x="6202892" y="1732449"/>
+            <a:ext cx="5064665" cy="4058751"/>
           </a:xfrm>
         </p:spPr>
         <p:txBody>
-          <a:bodyPr/>
+          <a:bodyPr anchor="t">
+            <a:normAutofit/>
+          </a:bodyPr>
           <a:lstStyle/>
           <a:p>
             <a:pPr lvl="0"/>
@@ -1372,18 +4051,13 @@
               <a:rPr lang="en-US"/>
               <a:t>Fifth level</a:t>
             </a:r>
-          </a:p>
-        </p:txBody>
-      </p:sp>
-      <p:sp>
-        <p:nvSpPr>
-          <p:cNvPr id="5" name="Date Placeholder 4">
-            <a:extLst>
-              <a:ext uri="{FF2B5EF4-FFF2-40B4-BE49-F238E27FC236}">
-                <a16:creationId xmlns:a16="http://schemas.microsoft.com/office/drawing/2014/main" id="{394E45B6-C5F7-4CDF-8E02-F73F9336E58E}"/>
-              </a:ext>
-            </a:extLst>
-          </p:cNvPr>
+            <a:endParaRPr lang="en-US" dirty="0"/>
+          </a:p>
+        </p:txBody>
+      </p:sp>
+      <p:sp>
+        <p:nvSpPr>
+          <p:cNvPr id="5" name="Date Placeholder 4"/>
           <p:cNvSpPr>
             <a:spLocks noGrp="1"/>
           </p:cNvSpPr>
@@ -1406,13 +4080,7 @@
       </p:sp>
       <p:sp>
         <p:nvSpPr>
-          <p:cNvPr id="6" name="Footer Placeholder 5">
-            <a:extLst>
-              <a:ext uri="{FF2B5EF4-FFF2-40B4-BE49-F238E27FC236}">
-                <a16:creationId xmlns:a16="http://schemas.microsoft.com/office/drawing/2014/main" id="{8D1A37CE-ED98-485E-80C9-FA6448489D33}"/>
-              </a:ext>
-            </a:extLst>
-          </p:cNvPr>
+          <p:cNvPr id="6" name="Footer Placeholder 5"/>
           <p:cNvSpPr>
             <a:spLocks noGrp="1"/>
           </p:cNvSpPr>
@@ -1431,13 +4099,7 @@
       </p:sp>
       <p:sp>
         <p:nvSpPr>
-          <p:cNvPr id="7" name="Slide Number Placeholder 6">
-            <a:extLst>
-              <a:ext uri="{FF2B5EF4-FFF2-40B4-BE49-F238E27FC236}">
-                <a16:creationId xmlns:a16="http://schemas.microsoft.com/office/drawing/2014/main" id="{801CDA56-5F09-4694-AEE6-D08358E396B9}"/>
-              </a:ext>
-            </a:extLst>
-          </p:cNvPr>
+          <p:cNvPr id="7" name="Slide Number Placeholder 6"/>
           <p:cNvSpPr>
             <a:spLocks noGrp="1"/>
           </p:cNvSpPr>
@@ -1461,7 +4123,7 @@
     </p:spTree>
     <p:extLst>
       <p:ext uri="{BB962C8B-B14F-4D97-AF65-F5344CB8AC3E}">
-        <p14:creationId xmlns:p14="http://schemas.microsoft.com/office/powerpoint/2010/main" val="1082174335"/>
+        <p14:creationId xmlns:p14="http://schemas.microsoft.com/office/powerpoint/2010/main" val="526421088"/>
       </p:ext>
     </p:extLst>
   </p:cSld>
@@ -1488,67 +4150,117 @@
           <a:chExt cx="0" cy="0"/>
         </a:xfrm>
       </p:grpSpPr>
-      <p:sp>
-        <p:nvSpPr>
-          <p:cNvPr id="2" name="Title 1">
+      <p:pic>
+        <p:nvPicPr>
+          <p:cNvPr id="20" name="Picture 19" descr="Slate-V2-HD-compPhotoInset.png"/>
+          <p:cNvPicPr>
+            <a:picLocks noChangeAspect="1"/>
+          </p:cNvPicPr>
+          <p:nvPr/>
+        </p:nvPicPr>
+        <p:blipFill>
+          <a:blip r:embed="rId2">
             <a:extLst>
-              <a:ext uri="{FF2B5EF4-FFF2-40B4-BE49-F238E27FC236}">
-                <a16:creationId xmlns:a16="http://schemas.microsoft.com/office/drawing/2014/main" id="{F2146154-B857-453F-9F70-F3BABB423454}"/>
+              <a:ext uri="{28A0092B-C50C-407E-A947-70E740481C1C}">
+                <a14:useLocalDpi xmlns:a14="http://schemas.microsoft.com/office/drawing/2010/main" val="0"/>
               </a:ext>
             </a:extLst>
-          </p:cNvPr>
-          <p:cNvSpPr>
-            <a:spLocks noGrp="1"/>
-          </p:cNvSpPr>
-          <p:nvPr>
-            <p:ph type="title"/>
-          </p:nvPr>
-        </p:nvSpPr>
+          </a:blip>
+          <a:stretch>
+            <a:fillRect/>
+          </a:stretch>
+        </p:blipFill>
         <p:spPr>
           <a:xfrm>
-            <a:off x="839788" y="365125"/>
-            <a:ext cx="10515600" cy="1325563"/>
+            <a:off x="913795" y="1734506"/>
+            <a:ext cx="5089072" cy="4148769"/>
+          </a:xfrm>
+          <a:prstGeom prst="rect">
+            <a:avLst/>
+          </a:prstGeom>
+        </p:spPr>
+      </p:pic>
+      <p:pic>
+        <p:nvPicPr>
+          <p:cNvPr id="21" name="Picture 20" descr="Slate-V2-HD-compPhotoInset.png"/>
+          <p:cNvPicPr>
+            <a:picLocks noChangeAspect="1"/>
+          </p:cNvPicPr>
+          <p:nvPr/>
+        </p:nvPicPr>
+        <p:blipFill>
+          <a:blip r:embed="rId2">
+            <a:extLst>
+              <a:ext uri="{28A0092B-C50C-407E-A947-70E740481C1C}">
+                <a14:useLocalDpi xmlns:a14="http://schemas.microsoft.com/office/drawing/2010/main" val="0"/>
+              </a:ext>
+            </a:extLst>
+          </a:blip>
+          <a:stretch>
+            <a:fillRect/>
+          </a:stretch>
+        </p:blipFill>
+        <p:spPr>
+          <a:xfrm>
+            <a:off x="6178485" y="1734506"/>
+            <a:ext cx="5089072" cy="4148769"/>
+          </a:xfrm>
+          <a:prstGeom prst="rect">
+            <a:avLst/>
+          </a:prstGeom>
+        </p:spPr>
+      </p:pic>
+      <p:sp>
+        <p:nvSpPr>
+          <p:cNvPr id="2" name="Title 1"/>
+          <p:cNvSpPr>
+            <a:spLocks noGrp="1"/>
+          </p:cNvSpPr>
+          <p:nvPr>
+            <p:ph type="title"/>
+          </p:nvPr>
+        </p:nvSpPr>
+        <p:spPr/>
+        <p:txBody>
+          <a:bodyPr/>
+          <a:lstStyle>
+            <a:lvl1pPr>
+              <a:defRPr/>
+            </a:lvl1pPr>
+          </a:lstStyle>
+          <a:p>
+            <a:r>
+              <a:rPr lang="en-US"/>
+              <a:t>Click to edit Master title style</a:t>
+            </a:r>
+            <a:endParaRPr lang="en-US" dirty="0"/>
+          </a:p>
+        </p:txBody>
+      </p:sp>
+      <p:sp>
+        <p:nvSpPr>
+          <p:cNvPr id="3" name="Text Placeholder 2"/>
+          <p:cNvSpPr>
+            <a:spLocks noGrp="1"/>
+          </p:cNvSpPr>
+          <p:nvPr>
+            <p:ph type="body" idx="1"/>
+          </p:nvPr>
+        </p:nvSpPr>
+        <p:spPr>
+          <a:xfrm>
+            <a:off x="1005872" y="1835254"/>
+            <a:ext cx="4876344" cy="544884"/>
           </a:xfrm>
         </p:spPr>
         <p:txBody>
-          <a:bodyPr/>
-          <a:lstStyle/>
-          <a:p>
-            <a:r>
-              <a:rPr lang="en-US"/>
-              <a:t>Click to edit Master title style</a:t>
-            </a:r>
-          </a:p>
-        </p:txBody>
-      </p:sp>
-      <p:sp>
-        <p:nvSpPr>
-          <p:cNvPr id="3" name="Text Placeholder 2">
-            <a:extLst>
-              <a:ext uri="{FF2B5EF4-FFF2-40B4-BE49-F238E27FC236}">
-                <a16:creationId xmlns:a16="http://schemas.microsoft.com/office/drawing/2014/main" id="{D682D6C2-7EC6-47BA-A471-A310AD2DD256}"/>
-              </a:ext>
-            </a:extLst>
-          </p:cNvPr>
-          <p:cNvSpPr>
-            <a:spLocks noGrp="1"/>
-          </p:cNvSpPr>
-          <p:nvPr>
-            <p:ph type="body" idx="1"/>
-          </p:nvPr>
-        </p:nvSpPr>
-        <p:spPr>
-          <a:xfrm>
-            <a:off x="839788" y="1681163"/>
-            <a:ext cx="5157787" cy="823912"/>
-          </a:xfrm>
-        </p:spPr>
-        <p:txBody>
-          <a:bodyPr anchor="b"/>
+          <a:bodyPr anchor="b">
+            <a:noAutofit/>
+          </a:bodyPr>
           <a:lstStyle>
-            <a:lvl1pPr marL="0" indent="0">
-              <a:buNone/>
-              <a:defRPr sz="2400" b="1"/>
+            <a:lvl1pPr marL="0" indent="0" algn="ctr">
+              <a:buNone/>
+              <a:defRPr sz="2400" b="0"/>
             </a:lvl1pPr>
             <a:lvl2pPr marL="457200" indent="0">
               <a:buNone/>
@@ -1594,13 +4306,7 @@
       </p:sp>
       <p:sp>
         <p:nvSpPr>
-          <p:cNvPr id="4" name="Content Placeholder 3">
-            <a:extLst>
-              <a:ext uri="{FF2B5EF4-FFF2-40B4-BE49-F238E27FC236}">
-                <a16:creationId xmlns:a16="http://schemas.microsoft.com/office/drawing/2014/main" id="{430533D3-056D-45BB-A99B-E61C1F1B7003}"/>
-              </a:ext>
-            </a:extLst>
-          </p:cNvPr>
+          <p:cNvPr id="4" name="Content Placeholder 3"/>
           <p:cNvSpPr>
             <a:spLocks noGrp="1"/>
           </p:cNvSpPr>
@@ -1610,13 +4316,31 @@
         </p:nvSpPr>
         <p:spPr>
           <a:xfrm>
-            <a:off x="839788" y="2505075"/>
-            <a:ext cx="5157787" cy="3684588"/>
+            <a:off x="1005872" y="2380137"/>
+            <a:ext cx="4876344" cy="3411063"/>
           </a:xfrm>
         </p:spPr>
         <p:txBody>
-          <a:bodyPr/>
-          <a:lstStyle/>
+          <a:bodyPr anchor="t">
+            <a:normAutofit/>
+          </a:bodyPr>
+          <a:lstStyle>
+            <a:lvl1pPr>
+              <a:defRPr sz="1800"/>
+            </a:lvl1pPr>
+            <a:lvl2pPr>
+              <a:defRPr sz="1600"/>
+            </a:lvl2pPr>
+            <a:lvl3pPr>
+              <a:defRPr sz="1400"/>
+            </a:lvl3pPr>
+            <a:lvl4pPr>
+              <a:defRPr sz="1200"/>
+            </a:lvl4pPr>
+            <a:lvl5pPr>
+              <a:defRPr sz="1200"/>
+            </a:lvl5pPr>
+          </a:lstStyle>
           <a:p>
             <a:pPr lvl="0"/>
             <a:r>
@@ -1651,18 +4375,13 @@
               <a:rPr lang="en-US"/>
               <a:t>Fifth level</a:t>
             </a:r>
-          </a:p>
-        </p:txBody>
-      </p:sp>
-      <p:sp>
-        <p:nvSpPr>
-          <p:cNvPr id="5" name="Text Placeholder 4">
-            <a:extLst>
-              <a:ext uri="{FF2B5EF4-FFF2-40B4-BE49-F238E27FC236}">
-                <a16:creationId xmlns:a16="http://schemas.microsoft.com/office/drawing/2014/main" id="{2DE0E8A2-6AC7-4EA9-9E79-CD03061EEF6A}"/>
-              </a:ext>
-            </a:extLst>
-          </p:cNvPr>
+            <a:endParaRPr lang="en-US" dirty="0"/>
+          </a:p>
+        </p:txBody>
+      </p:sp>
+      <p:sp>
+        <p:nvSpPr>
+          <p:cNvPr id="5" name="Text Placeholder 4"/>
           <p:cNvSpPr>
             <a:spLocks noGrp="1"/>
           </p:cNvSpPr>
@@ -1672,16 +4391,18 @@
         </p:nvSpPr>
         <p:spPr>
           <a:xfrm>
-            <a:off x="6172200" y="1681163"/>
-            <a:ext cx="5183188" cy="823912"/>
+            <a:off x="6294967" y="1835254"/>
+            <a:ext cx="4895330" cy="544883"/>
           </a:xfrm>
         </p:spPr>
         <p:txBody>
-          <a:bodyPr anchor="b"/>
+          <a:bodyPr anchor="b">
+            <a:noAutofit/>
+          </a:bodyPr>
           <a:lstStyle>
-            <a:lvl1pPr marL="0" indent="0">
-              <a:buNone/>
-              <a:defRPr sz="2400" b="1"/>
+            <a:lvl1pPr marL="0" indent="0" algn="ctr">
+              <a:buNone/>
+              <a:defRPr sz="2400" b="0"/>
             </a:lvl1pPr>
             <a:lvl2pPr marL="457200" indent="0">
               <a:buNone/>
@@ -1727,13 +4448,7 @@
       </p:sp>
       <p:sp>
         <p:nvSpPr>
-          <p:cNvPr id="6" name="Content Placeholder 5">
-            <a:extLst>
-              <a:ext uri="{FF2B5EF4-FFF2-40B4-BE49-F238E27FC236}">
-                <a16:creationId xmlns:a16="http://schemas.microsoft.com/office/drawing/2014/main" id="{7BE350A1-E1D6-4E96-87AA-A897D88D1FAC}"/>
-              </a:ext>
-            </a:extLst>
-          </p:cNvPr>
+          <p:cNvPr id="6" name="Content Placeholder 5"/>
           <p:cNvSpPr>
             <a:spLocks noGrp="1"/>
           </p:cNvSpPr>
@@ -1743,13 +4458,31 @@
         </p:nvSpPr>
         <p:spPr>
           <a:xfrm>
-            <a:off x="6172200" y="2505075"/>
-            <a:ext cx="5183188" cy="3684588"/>
+            <a:off x="6294967" y="2380137"/>
+            <a:ext cx="4895330" cy="3411063"/>
           </a:xfrm>
         </p:spPr>
         <p:txBody>
-          <a:bodyPr/>
-          <a:lstStyle/>
+          <a:bodyPr anchor="t">
+            <a:normAutofit/>
+          </a:bodyPr>
+          <a:lstStyle>
+            <a:lvl1pPr>
+              <a:defRPr sz="1800"/>
+            </a:lvl1pPr>
+            <a:lvl2pPr>
+              <a:defRPr sz="1600"/>
+            </a:lvl2pPr>
+            <a:lvl3pPr>
+              <a:defRPr sz="1400"/>
+            </a:lvl3pPr>
+            <a:lvl4pPr>
+              <a:defRPr sz="1200"/>
+            </a:lvl4pPr>
+            <a:lvl5pPr>
+              <a:defRPr sz="1200"/>
+            </a:lvl5pPr>
+          </a:lstStyle>
           <a:p>
             <a:pPr lvl="0"/>
             <a:r>
@@ -1784,18 +4517,13 @@
               <a:rPr lang="en-US"/>
               <a:t>Fifth level</a:t>
             </a:r>
-          </a:p>
-        </p:txBody>
-      </p:sp>
-      <p:sp>
-        <p:nvSpPr>
-          <p:cNvPr id="7" name="Date Placeholder 6">
-            <a:extLst>
-              <a:ext uri="{FF2B5EF4-FFF2-40B4-BE49-F238E27FC236}">
-                <a16:creationId xmlns:a16="http://schemas.microsoft.com/office/drawing/2014/main" id="{81C5839E-C892-462E-B352-C22377D34BF8}"/>
-              </a:ext>
-            </a:extLst>
-          </p:cNvPr>
+            <a:endParaRPr lang="en-US" dirty="0"/>
+          </a:p>
+        </p:txBody>
+      </p:sp>
+      <p:sp>
+        <p:nvSpPr>
+          <p:cNvPr id="7" name="Date Placeholder 6"/>
           <p:cNvSpPr>
             <a:spLocks noGrp="1"/>
           </p:cNvSpPr>
@@ -1818,13 +4546,7 @@
       </p:sp>
       <p:sp>
         <p:nvSpPr>
-          <p:cNvPr id="8" name="Footer Placeholder 7">
-            <a:extLst>
-              <a:ext uri="{FF2B5EF4-FFF2-40B4-BE49-F238E27FC236}">
-                <a16:creationId xmlns:a16="http://schemas.microsoft.com/office/drawing/2014/main" id="{13F8472E-C124-4B64-88FE-600F2C82D53F}"/>
-              </a:ext>
-            </a:extLst>
-          </p:cNvPr>
+          <p:cNvPr id="8" name="Footer Placeholder 7"/>
           <p:cNvSpPr>
             <a:spLocks noGrp="1"/>
           </p:cNvSpPr>
@@ -1843,13 +4565,7 @@
       </p:sp>
       <p:sp>
         <p:nvSpPr>
-          <p:cNvPr id="9" name="Slide Number Placeholder 8">
-            <a:extLst>
-              <a:ext uri="{FF2B5EF4-FFF2-40B4-BE49-F238E27FC236}">
-                <a16:creationId xmlns:a16="http://schemas.microsoft.com/office/drawing/2014/main" id="{C80D65EC-661E-4BCC-AB2E-C856B629F051}"/>
-              </a:ext>
-            </a:extLst>
-          </p:cNvPr>
+          <p:cNvPr id="9" name="Slide Number Placeholder 8"/>
           <p:cNvSpPr>
             <a:spLocks noGrp="1"/>
           </p:cNvSpPr>
@@ -1873,7 +4589,7 @@
     </p:spTree>
     <p:extLst>
       <p:ext uri="{BB962C8B-B14F-4D97-AF65-F5344CB8AC3E}">
-        <p14:creationId xmlns:p14="http://schemas.microsoft.com/office/powerpoint/2010/main" val="3620194837"/>
+        <p14:creationId xmlns:p14="http://schemas.microsoft.com/office/powerpoint/2010/main" val="2078936204"/>
       </p:ext>
     </p:extLst>
   </p:cSld>
@@ -1902,13 +4618,7 @@
       </p:grpSpPr>
       <p:sp>
         <p:nvSpPr>
-          <p:cNvPr id="2" name="Title 1">
-            <a:extLst>
-              <a:ext uri="{FF2B5EF4-FFF2-40B4-BE49-F238E27FC236}">
-                <a16:creationId xmlns:a16="http://schemas.microsoft.com/office/drawing/2014/main" id="{25570A89-91BF-40ED-B5CA-6E4002D496B6}"/>
-              </a:ext>
-            </a:extLst>
-          </p:cNvPr>
+          <p:cNvPr id="2" name="Title 1"/>
           <p:cNvSpPr>
             <a:spLocks noGrp="1"/>
           </p:cNvSpPr>
@@ -1925,18 +4635,13 @@
               <a:rPr lang="en-US"/>
               <a:t>Click to edit Master title style</a:t>
             </a:r>
-          </a:p>
-        </p:txBody>
-      </p:sp>
-      <p:sp>
-        <p:nvSpPr>
-          <p:cNvPr id="3" name="Date Placeholder 2">
-            <a:extLst>
-              <a:ext uri="{FF2B5EF4-FFF2-40B4-BE49-F238E27FC236}">
-                <a16:creationId xmlns:a16="http://schemas.microsoft.com/office/drawing/2014/main" id="{17084863-D72E-48A1-953A-6C1766E848E7}"/>
-              </a:ext>
-            </a:extLst>
-          </p:cNvPr>
+            <a:endParaRPr lang="en-US" dirty="0"/>
+          </a:p>
+        </p:txBody>
+      </p:sp>
+      <p:sp>
+        <p:nvSpPr>
+          <p:cNvPr id="3" name="Date Placeholder 2"/>
           <p:cNvSpPr>
             <a:spLocks noGrp="1"/>
           </p:cNvSpPr>
@@ -1959,13 +4664,7 @@
       </p:sp>
       <p:sp>
         <p:nvSpPr>
-          <p:cNvPr id="4" name="Footer Placeholder 3">
-            <a:extLst>
-              <a:ext uri="{FF2B5EF4-FFF2-40B4-BE49-F238E27FC236}">
-                <a16:creationId xmlns:a16="http://schemas.microsoft.com/office/drawing/2014/main" id="{29F3F14C-62FD-44BD-8D8F-3B7BF5759335}"/>
-              </a:ext>
-            </a:extLst>
-          </p:cNvPr>
+          <p:cNvPr id="4" name="Footer Placeholder 3"/>
           <p:cNvSpPr>
             <a:spLocks noGrp="1"/>
           </p:cNvSpPr>
@@ -1984,13 +4683,7 @@
       </p:sp>
       <p:sp>
         <p:nvSpPr>
-          <p:cNvPr id="5" name="Slide Number Placeholder 4">
-            <a:extLst>
-              <a:ext uri="{FF2B5EF4-FFF2-40B4-BE49-F238E27FC236}">
-                <a16:creationId xmlns:a16="http://schemas.microsoft.com/office/drawing/2014/main" id="{4657CD13-9E30-4FBF-A0D6-50DFE26327F1}"/>
-              </a:ext>
-            </a:extLst>
-          </p:cNvPr>
+          <p:cNvPr id="5" name="Slide Number Placeholder 4"/>
           <p:cNvSpPr>
             <a:spLocks noGrp="1"/>
           </p:cNvSpPr>
@@ -2014,7 +4707,7 @@
     </p:spTree>
     <p:extLst>
       <p:ext uri="{BB962C8B-B14F-4D97-AF65-F5344CB8AC3E}">
-        <p14:creationId xmlns:p14="http://schemas.microsoft.com/office/powerpoint/2010/main" val="3854201536"/>
+        <p14:creationId xmlns:p14="http://schemas.microsoft.com/office/powerpoint/2010/main" val="1395351958"/>
       </p:ext>
     </p:extLst>
   </p:cSld>
@@ -2043,13 +4736,7 @@
       </p:grpSpPr>
       <p:sp>
         <p:nvSpPr>
-          <p:cNvPr id="2" name="Date Placeholder 1">
-            <a:extLst>
-              <a:ext uri="{FF2B5EF4-FFF2-40B4-BE49-F238E27FC236}">
-                <a16:creationId xmlns:a16="http://schemas.microsoft.com/office/drawing/2014/main" id="{319125BD-09D8-4F3E-92CA-5DCEE8F6793E}"/>
-              </a:ext>
-            </a:extLst>
-          </p:cNvPr>
+          <p:cNvPr id="2" name="Date Placeholder 1"/>
           <p:cNvSpPr>
             <a:spLocks noGrp="1"/>
           </p:cNvSpPr>
@@ -2072,13 +4759,7 @@
       </p:sp>
       <p:sp>
         <p:nvSpPr>
-          <p:cNvPr id="3" name="Footer Placeholder 2">
-            <a:extLst>
-              <a:ext uri="{FF2B5EF4-FFF2-40B4-BE49-F238E27FC236}">
-                <a16:creationId xmlns:a16="http://schemas.microsoft.com/office/drawing/2014/main" id="{0A14BBB4-07FF-40CE-9C78-298F9E62624C}"/>
-              </a:ext>
-            </a:extLst>
-          </p:cNvPr>
+          <p:cNvPr id="3" name="Footer Placeholder 2"/>
           <p:cNvSpPr>
             <a:spLocks noGrp="1"/>
           </p:cNvSpPr>
@@ -2097,13 +4778,7 @@
       </p:sp>
       <p:sp>
         <p:nvSpPr>
-          <p:cNvPr id="4" name="Slide Number Placeholder 3">
-            <a:extLst>
-              <a:ext uri="{FF2B5EF4-FFF2-40B4-BE49-F238E27FC236}">
-                <a16:creationId xmlns:a16="http://schemas.microsoft.com/office/drawing/2014/main" id="{1783B1A1-1D79-47CD-93E8-EC4935D41A07}"/>
-              </a:ext>
-            </a:extLst>
-          </p:cNvPr>
+          <p:cNvPr id="4" name="Slide Number Placeholder 3"/>
           <p:cNvSpPr>
             <a:spLocks noGrp="1"/>
           </p:cNvSpPr>
@@ -2127,7 +4802,7 @@
     </p:spTree>
     <p:extLst>
       <p:ext uri="{BB962C8B-B14F-4D97-AF65-F5344CB8AC3E}">
-        <p14:creationId xmlns:p14="http://schemas.microsoft.com/office/powerpoint/2010/main" val="1046928007"/>
+        <p14:creationId xmlns:p14="http://schemas.microsoft.com/office/powerpoint/2010/main" val="2670311544"/>
       </p:ext>
     </p:extLst>
   </p:cSld>
@@ -2156,13 +4831,7 @@
       </p:grpSpPr>
       <p:sp>
         <p:nvSpPr>
-          <p:cNvPr id="2" name="Title 1">
-            <a:extLst>
-              <a:ext uri="{FF2B5EF4-FFF2-40B4-BE49-F238E27FC236}">
-                <a16:creationId xmlns:a16="http://schemas.microsoft.com/office/drawing/2014/main" id="{E8C44718-C7DD-4216-AE02-58DB89632510}"/>
-              </a:ext>
-            </a:extLst>
-          </p:cNvPr>
+          <p:cNvPr id="2" name="Title 1"/>
           <p:cNvSpPr>
             <a:spLocks noGrp="1"/>
           </p:cNvSpPr>
@@ -2172,15 +4841,17 @@
         </p:nvSpPr>
         <p:spPr>
           <a:xfrm>
-            <a:off x="839788" y="457200"/>
-            <a:ext cx="3932237" cy="1600200"/>
+            <a:off x="913795" y="609600"/>
+            <a:ext cx="3706889" cy="1821918"/>
           </a:xfrm>
         </p:spPr>
         <p:txBody>
-          <a:bodyPr anchor="b"/>
+          <a:bodyPr anchor="b">
+            <a:normAutofit/>
+          </a:bodyPr>
           <a:lstStyle>
-            <a:lvl1pPr>
-              <a:defRPr sz="3200"/>
+            <a:lvl1pPr algn="ctr">
+              <a:defRPr sz="2400" b="0"/>
             </a:lvl1pPr>
           </a:lstStyle>
           <a:p>
@@ -2188,18 +4859,13 @@
               <a:rPr lang="en-US"/>
               <a:t>Click to edit Master title style</a:t>
             </a:r>
-          </a:p>
-        </p:txBody>
-      </p:sp>
-      <p:sp>
-        <p:nvSpPr>
-          <p:cNvPr id="3" name="Content Placeholder 2">
-            <a:extLst>
-              <a:ext uri="{FF2B5EF4-FFF2-40B4-BE49-F238E27FC236}">
-                <a16:creationId xmlns:a16="http://schemas.microsoft.com/office/drawing/2014/main" id="{1081A7C6-97E1-4B07-9A9C-E8BE88A7C1EF}"/>
-              </a:ext>
-            </a:extLst>
-          </p:cNvPr>
+            <a:endParaRPr lang="en-US" dirty="0"/>
+          </a:p>
+        </p:txBody>
+      </p:sp>
+      <p:sp>
+        <p:nvSpPr>
+          <p:cNvPr id="3" name="Content Placeholder 2"/>
           <p:cNvSpPr>
             <a:spLocks noGrp="1"/>
           </p:cNvSpPr>
@@ -2209,41 +4875,15 @@
         </p:nvSpPr>
         <p:spPr>
           <a:xfrm>
-            <a:off x="5183188" y="987425"/>
-            <a:ext cx="6172200" cy="4873625"/>
+            <a:off x="4855633" y="609600"/>
+            <a:ext cx="6411924" cy="5181600"/>
           </a:xfrm>
         </p:spPr>
         <p:txBody>
-          <a:bodyPr/>
-          <a:lstStyle>
-            <a:lvl1pPr>
-              <a:defRPr sz="3200"/>
-            </a:lvl1pPr>
-            <a:lvl2pPr>
-              <a:defRPr sz="2800"/>
-            </a:lvl2pPr>
-            <a:lvl3pPr>
-              <a:defRPr sz="2400"/>
-            </a:lvl3pPr>
-            <a:lvl4pPr>
-              <a:defRPr sz="2000"/>
-            </a:lvl4pPr>
-            <a:lvl5pPr>
-              <a:defRPr sz="2000"/>
-            </a:lvl5pPr>
-            <a:lvl6pPr>
-              <a:defRPr sz="2000"/>
-            </a:lvl6pPr>
-            <a:lvl7pPr>
-              <a:defRPr sz="2000"/>
-            </a:lvl7pPr>
-            <a:lvl8pPr>
-              <a:defRPr sz="2000"/>
-            </a:lvl8pPr>
-            <a:lvl9pPr>
-              <a:defRPr sz="2000"/>
-            </a:lvl9pPr>
-          </a:lstStyle>
+          <a:bodyPr>
+            <a:normAutofit/>
+          </a:bodyPr>
+          <a:lstStyle/>
           <a:p>
             <a:pPr lvl="0"/>
             <a:r>
@@ -2278,18 +4918,13 @@
               <a:rPr lang="en-US"/>
               <a:t>Fifth level</a:t>
             </a:r>
-          </a:p>
-        </p:txBody>
-      </p:sp>
-      <p:sp>
-        <p:nvSpPr>
-          <p:cNvPr id="4" name="Text Placeholder 3">
-            <a:extLst>
-              <a:ext uri="{FF2B5EF4-FFF2-40B4-BE49-F238E27FC236}">
-                <a16:creationId xmlns:a16="http://schemas.microsoft.com/office/drawing/2014/main" id="{33EB7116-B1F6-42BB-AE20-EA13A8EE8FAD}"/>
-              </a:ext>
-            </a:extLst>
-          </p:cNvPr>
+            <a:endParaRPr lang="en-US" dirty="0"/>
+          </a:p>
+        </p:txBody>
+      </p:sp>
+      <p:sp>
+        <p:nvSpPr>
+          <p:cNvPr id="4" name="Text Placeholder 3"/>
           <p:cNvSpPr>
             <a:spLocks noGrp="1"/>
           </p:cNvSpPr>
@@ -2299,48 +4934,50 @@
         </p:nvSpPr>
         <p:spPr>
           <a:xfrm>
-            <a:off x="839788" y="2057400"/>
-            <a:ext cx="3932237" cy="3811588"/>
+            <a:off x="913795" y="2431518"/>
+            <a:ext cx="3706889" cy="3359681"/>
           </a:xfrm>
         </p:spPr>
         <p:txBody>
-          <a:bodyPr/>
+          <a:bodyPr anchor="t">
+            <a:normAutofit/>
+          </a:bodyPr>
           <a:lstStyle>
-            <a:lvl1pPr marL="0" indent="0">
+            <a:lvl1pPr marL="0" indent="0" algn="ctr">
               <a:buNone/>
               <a:defRPr sz="1600"/>
             </a:lvl1pPr>
             <a:lvl2pPr marL="457200" indent="0">
               <a:buNone/>
-              <a:defRPr sz="1400"/>
+              <a:defRPr sz="1200"/>
             </a:lvl2pPr>
             <a:lvl3pPr marL="914400" indent="0">
               <a:buNone/>
-              <a:defRPr sz="1200"/>
+              <a:defRPr sz="1000"/>
             </a:lvl3pPr>
             <a:lvl4pPr marL="1371600" indent="0">
               <a:buNone/>
-              <a:defRPr sz="1000"/>
+              <a:defRPr sz="900"/>
             </a:lvl4pPr>
             <a:lvl5pPr marL="1828800" indent="0">
               <a:buNone/>
-              <a:defRPr sz="1000"/>
+              <a:defRPr sz="900"/>
             </a:lvl5pPr>
             <a:lvl6pPr marL="2286000" indent="0">
               <a:buNone/>
-              <a:defRPr sz="1000"/>
+              <a:defRPr sz="900"/>
             </a:lvl6pPr>
             <a:lvl7pPr marL="2743200" indent="0">
               <a:buNone/>
-              <a:defRPr sz="1000"/>
+              <a:defRPr sz="900"/>
             </a:lvl7pPr>
             <a:lvl8pPr marL="3200400" indent="0">
               <a:buNone/>
-              <a:defRPr sz="1000"/>
+              <a:defRPr sz="900"/>
             </a:lvl8pPr>
             <a:lvl9pPr marL="3657600" indent="0">
               <a:buNone/>
-              <a:defRPr sz="1000"/>
+              <a:defRPr sz="900"/>
             </a:lvl9pPr>
           </a:lstStyle>
           <a:p>
@@ -2354,13 +4991,7 @@
       </p:sp>
       <p:sp>
         <p:nvSpPr>
-          <p:cNvPr id="5" name="Date Placeholder 4">
-            <a:extLst>
-              <a:ext uri="{FF2B5EF4-FFF2-40B4-BE49-F238E27FC236}">
-                <a16:creationId xmlns:a16="http://schemas.microsoft.com/office/drawing/2014/main" id="{32B8EF19-1BB4-45F0-B6D9-74F4654EAF42}"/>
-              </a:ext>
-            </a:extLst>
-          </p:cNvPr>
+          <p:cNvPr id="5" name="Date Placeholder 4"/>
           <p:cNvSpPr>
             <a:spLocks noGrp="1"/>
           </p:cNvSpPr>
@@ -2383,13 +5014,7 @@
       </p:sp>
       <p:sp>
         <p:nvSpPr>
-          <p:cNvPr id="6" name="Footer Placeholder 5">
-            <a:extLst>
-              <a:ext uri="{FF2B5EF4-FFF2-40B4-BE49-F238E27FC236}">
-                <a16:creationId xmlns:a16="http://schemas.microsoft.com/office/drawing/2014/main" id="{E2E8F9C2-6924-4397-9697-2773912301E9}"/>
-              </a:ext>
-            </a:extLst>
-          </p:cNvPr>
+          <p:cNvPr id="6" name="Footer Placeholder 5"/>
           <p:cNvSpPr>
             <a:spLocks noGrp="1"/>
           </p:cNvSpPr>
@@ -2408,13 +5033,7 @@
       </p:sp>
       <p:sp>
         <p:nvSpPr>
-          <p:cNvPr id="7" name="Slide Number Placeholder 6">
-            <a:extLst>
-              <a:ext uri="{FF2B5EF4-FFF2-40B4-BE49-F238E27FC236}">
-                <a16:creationId xmlns:a16="http://schemas.microsoft.com/office/drawing/2014/main" id="{B7AFC4FB-6068-4D7F-B158-1DBCEFB59112}"/>
-              </a:ext>
-            </a:extLst>
-          </p:cNvPr>
+          <p:cNvPr id="7" name="Slide Number Placeholder 6"/>
           <p:cNvSpPr>
             <a:spLocks noGrp="1"/>
           </p:cNvSpPr>
@@ -2438,7 +5057,7 @@
     </p:spTree>
     <p:extLst>
       <p:ext uri="{BB962C8B-B14F-4D97-AF65-F5344CB8AC3E}">
-        <p14:creationId xmlns:p14="http://schemas.microsoft.com/office/powerpoint/2010/main" val="3006340043"/>
+        <p14:creationId xmlns:p14="http://schemas.microsoft.com/office/powerpoint/2010/main" val="3452916375"/>
       </p:ext>
     </p:extLst>
   </p:cSld>
@@ -2465,33 +5084,59 @@
           <a:chExt cx="0" cy="0"/>
         </a:xfrm>
       </p:grpSpPr>
-      <p:sp>
-        <p:nvSpPr>
-          <p:cNvPr id="2" name="Title 1">
+      <p:pic>
+        <p:nvPicPr>
+          <p:cNvPr id="22" name="Picture 21" descr="Slate-V2-HD-vertPhotoInset.png"/>
+          <p:cNvPicPr>
+            <a:picLocks noChangeAspect="1"/>
+          </p:cNvPicPr>
+          <p:nvPr/>
+        </p:nvPicPr>
+        <p:blipFill>
+          <a:blip r:embed="rId2">
             <a:extLst>
-              <a:ext uri="{FF2B5EF4-FFF2-40B4-BE49-F238E27FC236}">
-                <a16:creationId xmlns:a16="http://schemas.microsoft.com/office/drawing/2014/main" id="{4F185F3D-7CF7-4C75-869A-FA98FD2DBD70}"/>
+              <a:ext uri="{28A0092B-C50C-407E-A947-70E740481C1C}">
+                <a14:useLocalDpi xmlns:a14="http://schemas.microsoft.com/office/drawing/2010/main" val="0"/>
               </a:ext>
             </a:extLst>
-          </p:cNvPr>
-          <p:cNvSpPr>
-            <a:spLocks noGrp="1"/>
-          </p:cNvSpPr>
-          <p:nvPr>
-            <p:ph type="title"/>
-          </p:nvPr>
-        </p:nvSpPr>
+          </a:blip>
+          <a:stretch>
+            <a:fillRect/>
+          </a:stretch>
+        </p:blipFill>
         <p:spPr>
           <a:xfrm>
-            <a:off x="839788" y="457200"/>
-            <a:ext cx="3932237" cy="1600200"/>
+            <a:off x="7293665" y="609600"/>
+            <a:ext cx="3584166" cy="5204832"/>
+          </a:xfrm>
+          <a:prstGeom prst="rect">
+            <a:avLst/>
+          </a:prstGeom>
+        </p:spPr>
+      </p:pic>
+      <p:sp>
+        <p:nvSpPr>
+          <p:cNvPr id="2" name="Title 1"/>
+          <p:cNvSpPr>
+            <a:spLocks noGrp="1"/>
+          </p:cNvSpPr>
+          <p:nvPr>
+            <p:ph type="title"/>
+          </p:nvPr>
+        </p:nvSpPr>
+        <p:spPr>
+          <a:xfrm>
+            <a:off x="913795" y="609923"/>
+            <a:ext cx="5934949" cy="1829338"/>
           </a:xfrm>
         </p:spPr>
         <p:txBody>
-          <a:bodyPr anchor="b"/>
+          <a:bodyPr anchor="b">
+            <a:noAutofit/>
+          </a:bodyPr>
           <a:lstStyle>
-            <a:lvl1pPr>
-              <a:defRPr sz="3200"/>
+            <a:lvl1pPr algn="ctr">
+              <a:defRPr sz="3200" b="0"/>
             </a:lvl1pPr>
           </a:lstStyle>
           <a:p>
@@ -2499,20 +5144,15 @@
               <a:rPr lang="en-US"/>
               <a:t>Click to edit Master title style</a:t>
             </a:r>
-          </a:p>
-        </p:txBody>
-      </p:sp>
-      <p:sp>
-        <p:nvSpPr>
-          <p:cNvPr id="3" name="Picture Placeholder 2">
-            <a:extLst>
-              <a:ext uri="{FF2B5EF4-FFF2-40B4-BE49-F238E27FC236}">
-                <a16:creationId xmlns:a16="http://schemas.microsoft.com/office/drawing/2014/main" id="{4D1D880E-1565-4089-9E86-F957953A7A9F}"/>
-              </a:ext>
-            </a:extLst>
-          </p:cNvPr>
-          <p:cNvSpPr>
-            <a:spLocks noGrp="1"/>
+            <a:endParaRPr lang="en-US" dirty="0"/>
+          </a:p>
+        </p:txBody>
+      </p:sp>
+      <p:sp>
+        <p:nvSpPr>
+          <p:cNvPr id="3" name="Picture Placeholder 2"/>
+          <p:cNvSpPr>
+            <a:spLocks noGrp="1" noChangeAspect="1"/>
           </p:cNvSpPr>
           <p:nvPr>
             <p:ph type="pic" idx="1"/>
@@ -2520,118 +5160,127 @@
         </p:nvSpPr>
         <p:spPr>
           <a:xfrm>
-            <a:off x="5183188" y="987425"/>
-            <a:ext cx="6172200" cy="4873625"/>
+            <a:off x="7442551" y="763702"/>
+            <a:ext cx="3275751" cy="4912822"/>
           </a:xfrm>
+          <a:effectLst>
+            <a:outerShdw blurRad="38100" dist="25400" dir="4440000">
+              <a:srgbClr val="000000">
+                <a:alpha val="36000"/>
+              </a:srgbClr>
+            </a:outerShdw>
+          </a:effectLst>
         </p:spPr>
         <p:txBody>
-          <a:bodyPr/>
+          <a:bodyPr anchor="t">
+            <a:normAutofit/>
+          </a:bodyPr>
           <a:lstStyle>
-            <a:lvl1pPr marL="0" indent="0">
-              <a:buNone/>
-              <a:defRPr sz="3200"/>
-            </a:lvl1pPr>
-            <a:lvl2pPr marL="457200" indent="0">
-              <a:buNone/>
-              <a:defRPr sz="2800"/>
-            </a:lvl2pPr>
-            <a:lvl3pPr marL="914400" indent="0">
-              <a:buNone/>
-              <a:defRPr sz="2400"/>
-            </a:lvl3pPr>
-            <a:lvl4pPr marL="1371600" indent="0">
-              <a:buNone/>
-              <a:defRPr sz="2000"/>
-            </a:lvl4pPr>
-            <a:lvl5pPr marL="1828800" indent="0">
-              <a:buNone/>
-              <a:defRPr sz="2000"/>
-            </a:lvl5pPr>
-            <a:lvl6pPr marL="2286000" indent="0">
-              <a:buNone/>
-              <a:defRPr sz="2000"/>
-            </a:lvl6pPr>
-            <a:lvl7pPr marL="2743200" indent="0">
-              <a:buNone/>
-              <a:defRPr sz="2000"/>
-            </a:lvl7pPr>
-            <a:lvl8pPr marL="3200400" indent="0">
-              <a:buNone/>
-              <a:defRPr sz="2000"/>
-            </a:lvl8pPr>
-            <a:lvl9pPr marL="3657600" indent="0">
-              <a:buNone/>
-              <a:defRPr sz="2000"/>
-            </a:lvl9pPr>
-          </a:lstStyle>
-          <a:p>
-            <a:endParaRPr lang="en-US"/>
-          </a:p>
-        </p:txBody>
-      </p:sp>
-      <p:sp>
-        <p:nvSpPr>
-          <p:cNvPr id="4" name="Text Placeholder 3">
-            <a:extLst>
-              <a:ext uri="{FF2B5EF4-FFF2-40B4-BE49-F238E27FC236}">
-                <a16:creationId xmlns:a16="http://schemas.microsoft.com/office/drawing/2014/main" id="{041F76EE-F42D-44EE-BFE7-C5CD67590F8B}"/>
-              </a:ext>
-            </a:extLst>
-          </p:cNvPr>
-          <p:cNvSpPr>
-            <a:spLocks noGrp="1"/>
-          </p:cNvSpPr>
-          <p:nvPr>
-            <p:ph type="body" sz="half" idx="2"/>
-          </p:nvPr>
-        </p:nvSpPr>
-        <p:spPr>
-          <a:xfrm>
-            <a:off x="839788" y="2057400"/>
-            <a:ext cx="3932237" cy="3811588"/>
-          </a:xfrm>
-        </p:spPr>
-        <p:txBody>
-          <a:bodyPr/>
-          <a:lstStyle>
-            <a:lvl1pPr marL="0" indent="0">
+            <a:lvl1pPr marL="0" indent="0" algn="ctr">
               <a:buNone/>
               <a:defRPr sz="1600"/>
             </a:lvl1pPr>
             <a:lvl2pPr marL="457200" indent="0">
               <a:buNone/>
-              <a:defRPr sz="1400"/>
+              <a:defRPr sz="1600"/>
             </a:lvl2pPr>
             <a:lvl3pPr marL="914400" indent="0">
               <a:buNone/>
-              <a:defRPr sz="1200"/>
+              <a:defRPr sz="1600"/>
             </a:lvl3pPr>
             <a:lvl4pPr marL="1371600" indent="0">
               <a:buNone/>
-              <a:defRPr sz="1000"/>
+              <a:defRPr sz="1600"/>
             </a:lvl4pPr>
             <a:lvl5pPr marL="1828800" indent="0">
               <a:buNone/>
-              <a:defRPr sz="1000"/>
+              <a:defRPr sz="1600"/>
             </a:lvl5pPr>
             <a:lvl6pPr marL="2286000" indent="0">
               <a:buNone/>
-              <a:defRPr sz="1000"/>
+              <a:defRPr sz="1600"/>
             </a:lvl6pPr>
             <a:lvl7pPr marL="2743200" indent="0">
               <a:buNone/>
-              <a:defRPr sz="1000"/>
+              <a:defRPr sz="1600"/>
             </a:lvl7pPr>
             <a:lvl8pPr marL="3200400" indent="0">
               <a:buNone/>
-              <a:defRPr sz="1000"/>
+              <a:defRPr sz="1600"/>
             </a:lvl8pPr>
             <a:lvl9pPr marL="3657600" indent="0">
               <a:buNone/>
-              <a:defRPr sz="1000"/>
+              <a:defRPr sz="1600"/>
             </a:lvl9pPr>
           </a:lstStyle>
           <a:p>
+            <a:r>
+              <a:rPr lang="en-US"/>
+              <a:t>Click icon to add picture</a:t>
+            </a:r>
+            <a:endParaRPr lang="en-US" dirty="0"/>
+          </a:p>
+        </p:txBody>
+      </p:sp>
+      <p:sp>
+        <p:nvSpPr>
+          <p:cNvPr id="4" name="Text Placeholder 3"/>
+          <p:cNvSpPr>
+            <a:spLocks noGrp="1"/>
+          </p:cNvSpPr>
+          <p:nvPr>
+            <p:ph type="body" sz="half" idx="2"/>
+          </p:nvPr>
+        </p:nvSpPr>
+        <p:spPr>
+          <a:xfrm>
+            <a:off x="913795" y="2439261"/>
+            <a:ext cx="5934949" cy="3376134"/>
+          </a:xfrm>
+        </p:spPr>
+        <p:txBody>
+          <a:bodyPr anchor="t">
+            <a:normAutofit/>
+          </a:bodyPr>
+          <a:lstStyle>
+            <a:lvl1pPr marL="0" indent="0" algn="ctr">
+              <a:buNone/>
+              <a:defRPr sz="1600"/>
+            </a:lvl1pPr>
+            <a:lvl2pPr marL="457200" indent="0">
+              <a:buNone/>
+              <a:defRPr sz="1200"/>
+            </a:lvl2pPr>
+            <a:lvl3pPr marL="914400" indent="0">
+              <a:buNone/>
+              <a:defRPr sz="1000"/>
+            </a:lvl3pPr>
+            <a:lvl4pPr marL="1371600" indent="0">
+              <a:buNone/>
+              <a:defRPr sz="900"/>
+            </a:lvl4pPr>
+            <a:lvl5pPr marL="1828800" indent="0">
+              <a:buNone/>
+              <a:defRPr sz="900"/>
+            </a:lvl5pPr>
+            <a:lvl6pPr marL="2286000" indent="0">
+              <a:buNone/>
+              <a:defRPr sz="900"/>
+            </a:lvl6pPr>
+            <a:lvl7pPr marL="2743200" indent="0">
+              <a:buNone/>
+              <a:defRPr sz="900"/>
+            </a:lvl7pPr>
+            <a:lvl8pPr marL="3200400" indent="0">
+              <a:buNone/>
+              <a:defRPr sz="900"/>
+            </a:lvl8pPr>
+            <a:lvl9pPr marL="3657600" indent="0">
+              <a:buNone/>
+              <a:defRPr sz="900"/>
+            </a:lvl9pPr>
+          </a:lstStyle>
+          <a:p>
             <a:pPr lvl="0"/>
             <a:r>
               <a:rPr lang="en-US"/>
@@ -2642,13 +5291,7 @@
       </p:sp>
       <p:sp>
         <p:nvSpPr>
-          <p:cNvPr id="5" name="Date Placeholder 4">
-            <a:extLst>
-              <a:ext uri="{FF2B5EF4-FFF2-40B4-BE49-F238E27FC236}">
-                <a16:creationId xmlns:a16="http://schemas.microsoft.com/office/drawing/2014/main" id="{424BBE85-FBE8-4469-9824-AF67F7346629}"/>
-              </a:ext>
-            </a:extLst>
-          </p:cNvPr>
+          <p:cNvPr id="5" name="Date Placeholder 4"/>
           <p:cNvSpPr>
             <a:spLocks noGrp="1"/>
           </p:cNvSpPr>
@@ -2671,13 +5314,7 @@
       </p:sp>
       <p:sp>
         <p:nvSpPr>
-          <p:cNvPr id="6" name="Footer Placeholder 5">
-            <a:extLst>
-              <a:ext uri="{FF2B5EF4-FFF2-40B4-BE49-F238E27FC236}">
-                <a16:creationId xmlns:a16="http://schemas.microsoft.com/office/drawing/2014/main" id="{2CCF5F63-0582-43B6-833C-A50162E9F601}"/>
-              </a:ext>
-            </a:extLst>
-          </p:cNvPr>
+          <p:cNvPr id="6" name="Footer Placeholder 5"/>
           <p:cNvSpPr>
             <a:spLocks noGrp="1"/>
           </p:cNvSpPr>
@@ -2696,13 +5333,7 @@
       </p:sp>
       <p:sp>
         <p:nvSpPr>
-          <p:cNvPr id="7" name="Slide Number Placeholder 6">
-            <a:extLst>
-              <a:ext uri="{FF2B5EF4-FFF2-40B4-BE49-F238E27FC236}">
-                <a16:creationId xmlns:a16="http://schemas.microsoft.com/office/drawing/2014/main" id="{E8D650D6-2CDF-4029-84A0-85F78BA135F8}"/>
-              </a:ext>
-            </a:extLst>
-          </p:cNvPr>
+          <p:cNvPr id="7" name="Slide Number Placeholder 6"/>
           <p:cNvSpPr>
             <a:spLocks noGrp="1"/>
           </p:cNvSpPr>
@@ -2726,7 +5357,7 @@
     </p:spTree>
     <p:extLst>
       <p:ext uri="{BB962C8B-B14F-4D97-AF65-F5344CB8AC3E}">
-        <p14:creationId xmlns:p14="http://schemas.microsoft.com/office/powerpoint/2010/main" val="1196355432"/>
+        <p14:creationId xmlns:p14="http://schemas.microsoft.com/office/powerpoint/2010/main" val="2657599352"/>
       </p:ext>
     </p:extLst>
   </p:cSld>
@@ -2740,8 +5371,8 @@
 <p:sldMaster xmlns:a="http://schemas.openxmlformats.org/drawingml/2006/main" xmlns:r="http://schemas.openxmlformats.org/officeDocument/2006/relationships" xmlns:p="http://schemas.openxmlformats.org/presentationml/2006/main">
   <p:cSld>
     <p:bg>
-      <p:bgRef idx="1001">
-        <a:schemeClr val="bg1"/>
+      <p:bgRef idx="1003">
+        <a:schemeClr val="bg2"/>
       </p:bgRef>
     </p:bg>
     <p:spTree>
@@ -2760,13 +5391,7 @@
       </p:grpSpPr>
       <p:sp>
         <p:nvSpPr>
-          <p:cNvPr id="2" name="Title Placeholder 1">
-            <a:extLst>
-              <a:ext uri="{FF2B5EF4-FFF2-40B4-BE49-F238E27FC236}">
-                <a16:creationId xmlns:a16="http://schemas.microsoft.com/office/drawing/2014/main" id="{8AEB6BBF-0A4D-4F6C-9F2A-50BC98C2FF9C}"/>
-              </a:ext>
-            </a:extLst>
-          </p:cNvPr>
+          <p:cNvPr id="2" name="Title Placeholder 1"/>
           <p:cNvSpPr>
             <a:spLocks noGrp="1"/>
           </p:cNvSpPr>
@@ -2776,12 +5401,19 @@
         </p:nvSpPr>
         <p:spPr>
           <a:xfrm>
-            <a:off x="838200" y="365125"/>
-            <a:ext cx="10515600" cy="1325563"/>
+            <a:off x="913795" y="609600"/>
+            <a:ext cx="10353762" cy="970450"/>
           </a:xfrm>
           <a:prstGeom prst="rect">
             <a:avLst/>
           </a:prstGeom>
+          <a:effectLst>
+            <a:outerShdw blurRad="25400" dir="17880000">
+              <a:srgbClr val="000000">
+                <a:alpha val="46000"/>
+              </a:srgbClr>
+            </a:outerShdw>
+          </a:effectLst>
         </p:spPr>
         <p:txBody>
           <a:bodyPr vert="horz" lIns="91440" tIns="45720" rIns="91440" bIns="45720" rtlCol="0" anchor="ctr">
@@ -2793,18 +5425,13 @@
               <a:rPr lang="en-US"/>
               <a:t>Click to edit Master title style</a:t>
             </a:r>
-          </a:p>
-        </p:txBody>
-      </p:sp>
-      <p:sp>
-        <p:nvSpPr>
-          <p:cNvPr id="3" name="Text Placeholder 2">
-            <a:extLst>
-              <a:ext uri="{FF2B5EF4-FFF2-40B4-BE49-F238E27FC236}">
-                <a16:creationId xmlns:a16="http://schemas.microsoft.com/office/drawing/2014/main" id="{F5559483-EA27-4700-93AF-9917714C3555}"/>
-              </a:ext>
-            </a:extLst>
-          </p:cNvPr>
+            <a:endParaRPr lang="en-US" dirty="0"/>
+          </a:p>
+        </p:txBody>
+      </p:sp>
+      <p:sp>
+        <p:nvSpPr>
+          <p:cNvPr id="3" name="Text Placeholder 2"/>
           <p:cNvSpPr>
             <a:spLocks noGrp="1"/>
           </p:cNvSpPr>
@@ -2814,15 +5441,22 @@
         </p:nvSpPr>
         <p:spPr>
           <a:xfrm>
-            <a:off x="838200" y="1825625"/>
-            <a:ext cx="10515600" cy="4351338"/>
+            <a:off x="913795" y="1732449"/>
+            <a:ext cx="10353762" cy="4058751"/>
           </a:xfrm>
           <a:prstGeom prst="rect">
             <a:avLst/>
           </a:prstGeom>
+          <a:effectLst>
+            <a:outerShdw blurRad="25400" dir="17880000">
+              <a:srgbClr val="000000">
+                <a:alpha val="46000"/>
+              </a:srgbClr>
+            </a:outerShdw>
+          </a:effectLst>
         </p:spPr>
         <p:txBody>
-          <a:bodyPr vert="horz" lIns="91440" tIns="45720" rIns="91440" bIns="45720" rtlCol="0">
+          <a:bodyPr vert="horz" lIns="91440" tIns="45720" rIns="91440" bIns="45720" rtlCol="0" anchor="t">
             <a:normAutofit/>
           </a:bodyPr>
           <a:lstStyle/>
@@ -2860,18 +5494,13 @@
               <a:rPr lang="en-US"/>
               <a:t>Fifth level</a:t>
             </a:r>
-          </a:p>
-        </p:txBody>
-      </p:sp>
-      <p:sp>
-        <p:nvSpPr>
-          <p:cNvPr id="4" name="Date Placeholder 3">
-            <a:extLst>
-              <a:ext uri="{FF2B5EF4-FFF2-40B4-BE49-F238E27FC236}">
-                <a16:creationId xmlns:a16="http://schemas.microsoft.com/office/drawing/2014/main" id="{2D10B353-0C69-4ACE-9CBD-B98F74C653D9}"/>
-              </a:ext>
-            </a:extLst>
-          </p:cNvPr>
+            <a:endParaRPr lang="en-US" dirty="0"/>
+          </a:p>
+        </p:txBody>
+      </p:sp>
+      <p:sp>
+        <p:nvSpPr>
+          <p:cNvPr id="4" name="Date Placeholder 3"/>
           <p:cNvSpPr>
             <a:spLocks noGrp="1"/>
           </p:cNvSpPr>
@@ -2881,7 +5510,7 @@
         </p:nvSpPr>
         <p:spPr>
           <a:xfrm>
-            <a:off x="838200" y="6356350"/>
+            <a:off x="7678736" y="5883275"/>
             <a:ext cx="2743200" cy="365125"/>
           </a:xfrm>
           <a:prstGeom prst="rect">
@@ -2891,13 +5520,20 @@
         <p:txBody>
           <a:bodyPr vert="horz" lIns="91440" tIns="45720" rIns="91440" bIns="45720" rtlCol="0" anchor="ctr"/>
           <a:lstStyle>
-            <a:lvl1pPr algn="l">
-              <a:defRPr sz="1200">
+            <a:lvl1pPr algn="r">
+              <a:defRPr sz="1000">
                 <a:solidFill>
                   <a:schemeClr val="tx1">
-                    <a:tint val="75000"/>
+                    <a:lumMod val="95000"/>
                   </a:schemeClr>
                 </a:solidFill>
+                <a:effectLst>
+                  <a:outerShdw blurRad="50800" dist="38100" dir="2700000" algn="tl" rotWithShape="0">
+                    <a:schemeClr val="bg1">
+                      <a:alpha val="43000"/>
+                    </a:schemeClr>
+                  </a:outerShdw>
+                </a:effectLst>
               </a:defRPr>
             </a:lvl1pPr>
           </a:lstStyle>
@@ -2912,13 +5548,7 @@
       </p:sp>
       <p:sp>
         <p:nvSpPr>
-          <p:cNvPr id="5" name="Footer Placeholder 4">
-            <a:extLst>
-              <a:ext uri="{FF2B5EF4-FFF2-40B4-BE49-F238E27FC236}">
-                <a16:creationId xmlns:a16="http://schemas.microsoft.com/office/drawing/2014/main" id="{F5286250-58A7-415F-86CC-4F53CC95A353}"/>
-              </a:ext>
-            </a:extLst>
-          </p:cNvPr>
+          <p:cNvPr id="5" name="Footer Placeholder 4"/>
           <p:cNvSpPr>
             <a:spLocks noGrp="1"/>
           </p:cNvSpPr>
@@ -2928,8 +5558,8 @@
         </p:nvSpPr>
         <p:spPr>
           <a:xfrm>
-            <a:off x="4038600" y="6356350"/>
-            <a:ext cx="4114800" cy="365125"/>
+            <a:off x="913795" y="5883275"/>
+            <a:ext cx="6672865" cy="365125"/>
           </a:xfrm>
           <a:prstGeom prst="rect">
             <a:avLst/>
@@ -2938,13 +5568,20 @@
         <p:txBody>
           <a:bodyPr vert="horz" lIns="91440" tIns="45720" rIns="91440" bIns="45720" rtlCol="0" anchor="ctr"/>
           <a:lstStyle>
-            <a:lvl1pPr algn="ctr">
-              <a:defRPr sz="1200">
+            <a:lvl1pPr algn="l">
+              <a:defRPr sz="1000">
                 <a:solidFill>
                   <a:schemeClr val="tx1">
-                    <a:tint val="75000"/>
+                    <a:lumMod val="95000"/>
                   </a:schemeClr>
                 </a:solidFill>
+                <a:effectLst>
+                  <a:outerShdw blurRad="50800" dist="38100" dir="2700000" algn="tl" rotWithShape="0">
+                    <a:schemeClr val="bg1">
+                      <a:alpha val="43000"/>
+                    </a:schemeClr>
+                  </a:outerShdw>
+                </a:effectLst>
               </a:defRPr>
             </a:lvl1pPr>
           </a:lstStyle>
@@ -2955,13 +5592,7 @@
       </p:sp>
       <p:sp>
         <p:nvSpPr>
-          <p:cNvPr id="6" name="Slide Number Placeholder 5">
-            <a:extLst>
-              <a:ext uri="{FF2B5EF4-FFF2-40B4-BE49-F238E27FC236}">
-                <a16:creationId xmlns:a16="http://schemas.microsoft.com/office/drawing/2014/main" id="{767BD5FC-A339-4011-BB7B-F933A340C7D4}"/>
-              </a:ext>
-            </a:extLst>
-          </p:cNvPr>
+          <p:cNvPr id="6" name="Slide Number Placeholder 5"/>
           <p:cNvSpPr>
             <a:spLocks noGrp="1"/>
           </p:cNvSpPr>
@@ -2971,8 +5602,8 @@
         </p:nvSpPr>
         <p:spPr>
           <a:xfrm>
-            <a:off x="8610600" y="6356350"/>
-            <a:ext cx="2743200" cy="365125"/>
+            <a:off x="10514011" y="5883275"/>
+            <a:ext cx="753545" cy="365125"/>
           </a:xfrm>
           <a:prstGeom prst="rect">
             <a:avLst/>
@@ -2982,12 +5613,19 @@
           <a:bodyPr vert="horz" lIns="91440" tIns="45720" rIns="91440" bIns="45720" rtlCol="0" anchor="ctr"/>
           <a:lstStyle>
             <a:lvl1pPr algn="r">
-              <a:defRPr sz="1200">
+              <a:defRPr sz="1000">
                 <a:solidFill>
                   <a:schemeClr val="tx1">
-                    <a:tint val="75000"/>
+                    <a:lumMod val="95000"/>
                   </a:schemeClr>
                 </a:solidFill>
+                <a:effectLst>
+                  <a:outerShdw blurRad="50800" dist="38100" dir="2700000" algn="tl" rotWithShape="0">
+                    <a:schemeClr val="bg1">
+                      <a:alpha val="43000"/>
+                    </a:schemeClr>
+                  </a:outerShdw>
+                </a:effectLst>
               </a:defRPr>
             </a:lvl1pPr>
           </a:lstStyle>
@@ -3003,202 +5641,457 @@
     </p:spTree>
     <p:extLst>
       <p:ext uri="{BB962C8B-B14F-4D97-AF65-F5344CB8AC3E}">
-        <p14:creationId xmlns:p14="http://schemas.microsoft.com/office/powerpoint/2010/main" val="4131212587"/>
+        <p14:creationId xmlns:p14="http://schemas.microsoft.com/office/powerpoint/2010/main" val="2083960221"/>
       </p:ext>
     </p:extLst>
   </p:cSld>
-  <p:clrMap bg1="lt1" tx1="dk1" bg2="lt2" tx2="dk2" accent1="accent1" accent2="accent2" accent3="accent3" accent4="accent4" accent5="accent5" accent6="accent6" hlink="hlink" folHlink="folHlink"/>
+  <p:clrMap bg1="dk1" tx1="lt1" bg2="dk2" tx2="lt2" accent1="accent1" accent2="accent2" accent3="accent3" accent4="accent4" accent5="accent5" accent6="accent6" hlink="hlink" folHlink="folHlink"/>
   <p:sldLayoutIdLst>
-    <p:sldLayoutId id="2147483649" r:id="rId1"/>
-    <p:sldLayoutId id="2147483650" r:id="rId2"/>
-    <p:sldLayoutId id="2147483651" r:id="rId3"/>
-    <p:sldLayoutId id="2147483652" r:id="rId4"/>
-    <p:sldLayoutId id="2147483653" r:id="rId5"/>
-    <p:sldLayoutId id="2147483654" r:id="rId6"/>
-    <p:sldLayoutId id="2147483655" r:id="rId7"/>
-    <p:sldLayoutId id="2147483656" r:id="rId8"/>
-    <p:sldLayoutId id="2147483657" r:id="rId9"/>
-    <p:sldLayoutId id="2147483658" r:id="rId10"/>
-    <p:sldLayoutId id="2147483659" r:id="rId11"/>
+    <p:sldLayoutId id="2147483750" r:id="rId1"/>
+    <p:sldLayoutId id="2147483751" r:id="rId2"/>
+    <p:sldLayoutId id="2147483752" r:id="rId3"/>
+    <p:sldLayoutId id="2147483753" r:id="rId4"/>
+    <p:sldLayoutId id="2147483754" r:id="rId5"/>
+    <p:sldLayoutId id="2147483755" r:id="rId6"/>
+    <p:sldLayoutId id="2147483756" r:id="rId7"/>
+    <p:sldLayoutId id="2147483757" r:id="rId8"/>
+    <p:sldLayoutId id="2147483758" r:id="rId9"/>
+    <p:sldLayoutId id="2147483759" r:id="rId10"/>
+    <p:sldLayoutId id="2147483760" r:id="rId11"/>
+    <p:sldLayoutId id="2147483761" r:id="rId12"/>
+    <p:sldLayoutId id="2147483762" r:id="rId13"/>
+    <p:sldLayoutId id="2147483763" r:id="rId14"/>
+    <p:sldLayoutId id="2147483764" r:id="rId15"/>
+    <p:sldLayoutId id="2147483765" r:id="rId16"/>
+    <p:sldLayoutId id="2147483766" r:id="rId17"/>
   </p:sldLayoutIdLst>
   <p:txStyles>
     <p:titleStyle>
-      <a:lvl1pPr algn="l" defTabSz="914400" rtl="0" eaLnBrk="1" latinLnBrk="0" hangingPunct="1">
-        <a:lnSpc>
-          <a:spcPct val="90000"/>
-        </a:lnSpc>
+      <a:lvl1pPr algn="ctr" defTabSz="457200" rtl="0" eaLnBrk="1" latinLnBrk="0" hangingPunct="1">
         <a:spcBef>
           <a:spcPct val="0"/>
         </a:spcBef>
         <a:buNone/>
-        <a:defRPr sz="4400" kern="1200">
+        <a:defRPr sz="4000" kern="1200">
+          <a:ln>
+            <a:solidFill>
+              <a:schemeClr val="bg1">
+                <a:lumMod val="75000"/>
+                <a:lumOff val="25000"/>
+                <a:alpha val="10000"/>
+              </a:schemeClr>
+            </a:solidFill>
+          </a:ln>
           <a:solidFill>
-            <a:schemeClr val="tx1"/>
+            <a:schemeClr val="tx2"/>
           </a:solidFill>
+          <a:effectLst>
+            <a:outerShdw blurRad="9525" dist="25400" dir="14640000" algn="tl" rotWithShape="0">
+              <a:schemeClr val="bg1">
+                <a:alpha val="30000"/>
+              </a:schemeClr>
+            </a:outerShdw>
+          </a:effectLst>
           <a:latin typeface="+mj-lt"/>
           <a:ea typeface="+mj-ea"/>
-          <a:cs typeface="+mj-cs"/>
+          <a:cs typeface="Trebuchet MS"/>
         </a:defRPr>
       </a:lvl1pPr>
+      <a:lvl2pPr eaLnBrk="1" hangingPunct="1">
+        <a:defRPr>
+          <a:solidFill>
+            <a:schemeClr val="tx2"/>
+          </a:solidFill>
+        </a:defRPr>
+      </a:lvl2pPr>
+      <a:lvl3pPr eaLnBrk="1" hangingPunct="1">
+        <a:defRPr>
+          <a:solidFill>
+            <a:schemeClr val="tx2"/>
+          </a:solidFill>
+        </a:defRPr>
+      </a:lvl3pPr>
+      <a:lvl4pPr eaLnBrk="1" hangingPunct="1">
+        <a:defRPr>
+          <a:solidFill>
+            <a:schemeClr val="tx2"/>
+          </a:solidFill>
+        </a:defRPr>
+      </a:lvl4pPr>
+      <a:lvl5pPr eaLnBrk="1" hangingPunct="1">
+        <a:defRPr>
+          <a:solidFill>
+            <a:schemeClr val="tx2"/>
+          </a:solidFill>
+        </a:defRPr>
+      </a:lvl5pPr>
+      <a:lvl6pPr eaLnBrk="1" hangingPunct="1">
+        <a:defRPr>
+          <a:solidFill>
+            <a:schemeClr val="tx2"/>
+          </a:solidFill>
+        </a:defRPr>
+      </a:lvl6pPr>
+      <a:lvl7pPr eaLnBrk="1" hangingPunct="1">
+        <a:defRPr>
+          <a:solidFill>
+            <a:schemeClr val="tx2"/>
+          </a:solidFill>
+        </a:defRPr>
+      </a:lvl7pPr>
+      <a:lvl8pPr eaLnBrk="1" hangingPunct="1">
+        <a:defRPr>
+          <a:solidFill>
+            <a:schemeClr val="tx2"/>
+          </a:solidFill>
+        </a:defRPr>
+      </a:lvl8pPr>
+      <a:lvl9pPr eaLnBrk="1" hangingPunct="1">
+        <a:defRPr>
+          <a:solidFill>
+            <a:schemeClr val="tx2"/>
+          </a:solidFill>
+        </a:defRPr>
+      </a:lvl9pPr>
     </p:titleStyle>
     <p:bodyStyle>
-      <a:lvl1pPr marL="228600" indent="-228600" algn="l" defTabSz="914400" rtl="0" eaLnBrk="1" latinLnBrk="0" hangingPunct="1">
-        <a:lnSpc>
-          <a:spcPct val="90000"/>
-        </a:lnSpc>
+      <a:lvl1pPr marL="342900" indent="-306000" algn="l" defTabSz="457200" rtl="0" eaLnBrk="1" latinLnBrk="0" hangingPunct="1">
         <a:spcBef>
-          <a:spcPts val="1000"/>
+          <a:spcPct val="20000"/>
         </a:spcBef>
-        <a:buFont typeface="Arial" panose="020B0604020202020204" pitchFamily="34" charset="0"/>
-        <a:buChar char="•"/>
-        <a:defRPr sz="2800" kern="1200">
+        <a:spcAft>
+          <a:spcPts val="600"/>
+        </a:spcAft>
+        <a:buClr>
+          <a:schemeClr val="tx2"/>
+        </a:buClr>
+        <a:buSzPct val="70000"/>
+        <a:buFont typeface="Wingdings 2" charset="2"/>
+        <a:buChar char=""/>
+        <a:defRPr sz="2000" kern="1200">
+          <a:ln>
+            <a:solidFill>
+              <a:schemeClr val="bg1">
+                <a:lumMod val="75000"/>
+                <a:lumOff val="25000"/>
+                <a:alpha val="10000"/>
+              </a:schemeClr>
+            </a:solidFill>
+          </a:ln>
           <a:solidFill>
-            <a:schemeClr val="tx1"/>
+            <a:schemeClr val="tx2"/>
           </a:solidFill>
+          <a:effectLst>
+            <a:outerShdw blurRad="9525" dist="25400" dir="14640000" algn="tl" rotWithShape="0">
+              <a:schemeClr val="bg1">
+                <a:alpha val="30000"/>
+              </a:schemeClr>
+            </a:outerShdw>
+          </a:effectLst>
           <a:latin typeface="+mn-lt"/>
           <a:ea typeface="+mn-ea"/>
           <a:cs typeface="+mn-cs"/>
         </a:defRPr>
       </a:lvl1pPr>
-      <a:lvl2pPr marL="685800" indent="-228600" algn="l" defTabSz="914400" rtl="0" eaLnBrk="1" latinLnBrk="0" hangingPunct="1">
-        <a:lnSpc>
-          <a:spcPct val="90000"/>
-        </a:lnSpc>
+      <a:lvl2pPr marL="720000" indent="-270000" algn="l" defTabSz="457200" rtl="0" eaLnBrk="1" latinLnBrk="0" hangingPunct="1">
         <a:spcBef>
-          <a:spcPts val="500"/>
+          <a:spcPct val="20000"/>
         </a:spcBef>
-        <a:buFont typeface="Arial" panose="020B0604020202020204" pitchFamily="34" charset="0"/>
-        <a:buChar char="•"/>
-        <a:defRPr sz="2400" kern="1200">
+        <a:spcAft>
+          <a:spcPts val="600"/>
+        </a:spcAft>
+        <a:buClr>
+          <a:schemeClr val="tx2"/>
+        </a:buClr>
+        <a:buSzPct val="70000"/>
+        <a:buFont typeface="Wingdings 2" charset="2"/>
+        <a:buChar char=""/>
+        <a:defRPr sz="1800" kern="1200">
+          <a:ln>
+            <a:solidFill>
+              <a:schemeClr val="bg1">
+                <a:lumMod val="75000"/>
+                <a:lumOff val="25000"/>
+                <a:alpha val="10000"/>
+              </a:schemeClr>
+            </a:solidFill>
+          </a:ln>
           <a:solidFill>
-            <a:schemeClr val="tx1"/>
+            <a:schemeClr val="tx2"/>
           </a:solidFill>
+          <a:effectLst>
+            <a:outerShdw blurRad="9525" dist="25400" dir="14640000" algn="tl" rotWithShape="0">
+              <a:schemeClr val="bg1">
+                <a:alpha val="30000"/>
+              </a:schemeClr>
+            </a:outerShdw>
+          </a:effectLst>
           <a:latin typeface="+mn-lt"/>
           <a:ea typeface="+mn-ea"/>
           <a:cs typeface="+mn-cs"/>
         </a:defRPr>
       </a:lvl2pPr>
-      <a:lvl3pPr marL="1143000" indent="-228600" algn="l" defTabSz="914400" rtl="0" eaLnBrk="1" latinLnBrk="0" hangingPunct="1">
-        <a:lnSpc>
-          <a:spcPct val="90000"/>
-        </a:lnSpc>
+      <a:lvl3pPr marL="1026000" indent="-216000" algn="l" defTabSz="457200" rtl="0" eaLnBrk="1" latinLnBrk="0" hangingPunct="1">
         <a:spcBef>
-          <a:spcPts val="500"/>
+          <a:spcPct val="20000"/>
         </a:spcBef>
-        <a:buFont typeface="Arial" panose="020B0604020202020204" pitchFamily="34" charset="0"/>
-        <a:buChar char="•"/>
-        <a:defRPr sz="2000" kern="1200">
+        <a:spcAft>
+          <a:spcPts val="600"/>
+        </a:spcAft>
+        <a:buClr>
+          <a:schemeClr val="tx2"/>
+        </a:buClr>
+        <a:buSzPct val="70000"/>
+        <a:buFont typeface="Wingdings 2" charset="2"/>
+        <a:buChar char=""/>
+        <a:defRPr sz="1600" kern="1200">
+          <a:ln>
+            <a:solidFill>
+              <a:schemeClr val="bg1">
+                <a:lumMod val="75000"/>
+                <a:lumOff val="25000"/>
+                <a:alpha val="10000"/>
+              </a:schemeClr>
+            </a:solidFill>
+          </a:ln>
           <a:solidFill>
-            <a:schemeClr val="tx1"/>
+            <a:schemeClr val="tx2"/>
           </a:solidFill>
+          <a:effectLst>
+            <a:outerShdw blurRad="9525" dist="25400" dir="14640000" algn="tl" rotWithShape="0">
+              <a:schemeClr val="bg1">
+                <a:alpha val="30000"/>
+              </a:schemeClr>
+            </a:outerShdw>
+          </a:effectLst>
           <a:latin typeface="+mn-lt"/>
           <a:ea typeface="+mn-ea"/>
           <a:cs typeface="+mn-cs"/>
         </a:defRPr>
       </a:lvl3pPr>
-      <a:lvl4pPr marL="1600200" indent="-228600" algn="l" defTabSz="914400" rtl="0" eaLnBrk="1" latinLnBrk="0" hangingPunct="1">
-        <a:lnSpc>
-          <a:spcPct val="90000"/>
-        </a:lnSpc>
+      <a:lvl4pPr marL="1386000" indent="-216000" algn="l" defTabSz="457200" rtl="0" eaLnBrk="1" latinLnBrk="0" hangingPunct="1">
         <a:spcBef>
-          <a:spcPts val="500"/>
+          <a:spcPct val="20000"/>
         </a:spcBef>
-        <a:buFont typeface="Arial" panose="020B0604020202020204" pitchFamily="34" charset="0"/>
-        <a:buChar char="•"/>
-        <a:defRPr sz="1800" kern="1200">
+        <a:spcAft>
+          <a:spcPts val="600"/>
+        </a:spcAft>
+        <a:buClr>
+          <a:schemeClr val="tx2"/>
+        </a:buClr>
+        <a:buSzPct val="70000"/>
+        <a:buFont typeface="Wingdings 2" charset="2"/>
+        <a:buChar char=""/>
+        <a:defRPr sz="1400" kern="1200">
+          <a:ln>
+            <a:solidFill>
+              <a:schemeClr val="bg1">
+                <a:lumMod val="75000"/>
+                <a:lumOff val="25000"/>
+                <a:alpha val="10000"/>
+              </a:schemeClr>
+            </a:solidFill>
+          </a:ln>
           <a:solidFill>
-            <a:schemeClr val="tx1"/>
+            <a:schemeClr val="tx2"/>
           </a:solidFill>
+          <a:effectLst>
+            <a:outerShdw blurRad="9525" dist="25400" dir="14640000" algn="tl" rotWithShape="0">
+              <a:schemeClr val="bg1">
+                <a:alpha val="30000"/>
+              </a:schemeClr>
+            </a:outerShdw>
+          </a:effectLst>
           <a:latin typeface="+mn-lt"/>
           <a:ea typeface="+mn-ea"/>
           <a:cs typeface="+mn-cs"/>
         </a:defRPr>
       </a:lvl4pPr>
-      <a:lvl5pPr marL="2057400" indent="-228600" algn="l" defTabSz="914400" rtl="0" eaLnBrk="1" latinLnBrk="0" hangingPunct="1">
-        <a:lnSpc>
-          <a:spcPct val="90000"/>
-        </a:lnSpc>
+      <a:lvl5pPr marL="1674000" indent="-216000" algn="l" defTabSz="457200" rtl="0" eaLnBrk="1" latinLnBrk="0" hangingPunct="1">
         <a:spcBef>
-          <a:spcPts val="500"/>
+          <a:spcPct val="20000"/>
         </a:spcBef>
-        <a:buFont typeface="Arial" panose="020B0604020202020204" pitchFamily="34" charset="0"/>
-        <a:buChar char="•"/>
-        <a:defRPr sz="1800" kern="1200">
+        <a:spcAft>
+          <a:spcPts val="600"/>
+        </a:spcAft>
+        <a:buClr>
+          <a:schemeClr val="tx2"/>
+        </a:buClr>
+        <a:buSzPct val="70000"/>
+        <a:buFont typeface="Wingdings 2" charset="2"/>
+        <a:buChar char=""/>
+        <a:defRPr sz="1400" kern="1200">
+          <a:ln>
+            <a:solidFill>
+              <a:schemeClr val="bg1">
+                <a:lumMod val="75000"/>
+                <a:lumOff val="25000"/>
+                <a:alpha val="10000"/>
+              </a:schemeClr>
+            </a:solidFill>
+          </a:ln>
           <a:solidFill>
-            <a:schemeClr val="tx1"/>
+            <a:schemeClr val="tx2"/>
           </a:solidFill>
+          <a:effectLst>
+            <a:outerShdw blurRad="9525" dist="25400" dir="14640000" algn="tl" rotWithShape="0">
+              <a:schemeClr val="bg1">
+                <a:alpha val="30000"/>
+              </a:schemeClr>
+            </a:outerShdw>
+          </a:effectLst>
           <a:latin typeface="+mn-lt"/>
           <a:ea typeface="+mn-ea"/>
           <a:cs typeface="+mn-cs"/>
         </a:defRPr>
       </a:lvl5pPr>
-      <a:lvl6pPr marL="2514600" indent="-228600" algn="l" defTabSz="914400" rtl="0" eaLnBrk="1" latinLnBrk="0" hangingPunct="1">
-        <a:lnSpc>
-          <a:spcPct val="90000"/>
-        </a:lnSpc>
+      <a:lvl6pPr marL="2014600" indent="-228600" algn="l" defTabSz="457200" rtl="0" eaLnBrk="1" latinLnBrk="0" hangingPunct="1">
         <a:spcBef>
-          <a:spcPts val="500"/>
+          <a:spcPct val="20000"/>
         </a:spcBef>
-        <a:buFont typeface="Arial" panose="020B0604020202020204" pitchFamily="34" charset="0"/>
-        <a:buChar char="•"/>
-        <a:defRPr sz="1800" kern="1200">
+        <a:spcAft>
+          <a:spcPts val="600"/>
+        </a:spcAft>
+        <a:buClr>
+          <a:schemeClr val="tx2"/>
+        </a:buClr>
+        <a:buSzPct val="70000"/>
+        <a:buFont typeface="Wingdings 2" charset="2"/>
+        <a:buChar char=""/>
+        <a:defRPr sz="1400" kern="1200">
+          <a:ln>
+            <a:solidFill>
+              <a:schemeClr val="bg1">
+                <a:lumMod val="75000"/>
+                <a:lumOff val="25000"/>
+                <a:alpha val="10000"/>
+              </a:schemeClr>
+            </a:solidFill>
+          </a:ln>
           <a:solidFill>
-            <a:schemeClr val="tx1"/>
+            <a:schemeClr val="tx2"/>
           </a:solidFill>
+          <a:effectLst>
+            <a:outerShdw blurRad="9525" dist="25400" dir="14640000" algn="tl" rotWithShape="0">
+              <a:schemeClr val="bg1">
+                <a:alpha val="30000"/>
+              </a:schemeClr>
+            </a:outerShdw>
+          </a:effectLst>
           <a:latin typeface="+mn-lt"/>
           <a:ea typeface="+mn-ea"/>
           <a:cs typeface="+mn-cs"/>
         </a:defRPr>
       </a:lvl6pPr>
-      <a:lvl7pPr marL="2971800" indent="-228600" algn="l" defTabSz="914400" rtl="0" eaLnBrk="1" latinLnBrk="0" hangingPunct="1">
-        <a:lnSpc>
-          <a:spcPct val="90000"/>
-        </a:lnSpc>
+      <a:lvl7pPr marL="2401800" indent="-228600" algn="l" defTabSz="457200" rtl="0" eaLnBrk="1" latinLnBrk="0" hangingPunct="1">
         <a:spcBef>
-          <a:spcPts val="500"/>
+          <a:spcPct val="20000"/>
         </a:spcBef>
-        <a:buFont typeface="Arial" panose="020B0604020202020204" pitchFamily="34" charset="0"/>
-        <a:buChar char="•"/>
-        <a:defRPr sz="1800" kern="1200">
+        <a:spcAft>
+          <a:spcPts val="600"/>
+        </a:spcAft>
+        <a:buClr>
+          <a:schemeClr val="tx2"/>
+        </a:buClr>
+        <a:buSzPct val="70000"/>
+        <a:buFont typeface="Wingdings 2" charset="2"/>
+        <a:buChar char=""/>
+        <a:defRPr sz="1400" kern="1200">
+          <a:ln>
+            <a:solidFill>
+              <a:schemeClr val="bg1">
+                <a:lumMod val="75000"/>
+                <a:lumOff val="25000"/>
+                <a:alpha val="10000"/>
+              </a:schemeClr>
+            </a:solidFill>
+          </a:ln>
           <a:solidFill>
-            <a:schemeClr val="tx1"/>
+            <a:schemeClr val="tx2"/>
           </a:solidFill>
+          <a:effectLst>
+            <a:outerShdw blurRad="9525" dist="25400" dir="14640000" algn="tl" rotWithShape="0">
+              <a:schemeClr val="bg1">
+                <a:alpha val="30000"/>
+              </a:schemeClr>
+            </a:outerShdw>
+          </a:effectLst>
           <a:latin typeface="+mn-lt"/>
           <a:ea typeface="+mn-ea"/>
           <a:cs typeface="+mn-cs"/>
         </a:defRPr>
       </a:lvl7pPr>
-      <a:lvl8pPr marL="3429000" indent="-228600" algn="l" defTabSz="914400" rtl="0" eaLnBrk="1" latinLnBrk="0" hangingPunct="1">
-        <a:lnSpc>
-          <a:spcPct val="90000"/>
-        </a:lnSpc>
+      <a:lvl8pPr marL="2789000" indent="-228600" algn="l" defTabSz="457200" rtl="0" eaLnBrk="1" latinLnBrk="0" hangingPunct="1">
         <a:spcBef>
-          <a:spcPts val="500"/>
+          <a:spcPct val="20000"/>
         </a:spcBef>
-        <a:buFont typeface="Arial" panose="020B0604020202020204" pitchFamily="34" charset="0"/>
-        <a:buChar char="•"/>
-        <a:defRPr sz="1800" kern="1200">
+        <a:spcAft>
+          <a:spcPts val="600"/>
+        </a:spcAft>
+        <a:buClr>
+          <a:schemeClr val="tx2"/>
+        </a:buClr>
+        <a:buSzPct val="70000"/>
+        <a:buFont typeface="Wingdings 2" charset="2"/>
+        <a:buChar char=""/>
+        <a:defRPr sz="1400" kern="1200">
+          <a:ln>
+            <a:solidFill>
+              <a:schemeClr val="bg1">
+                <a:lumMod val="75000"/>
+                <a:lumOff val="25000"/>
+                <a:alpha val="10000"/>
+              </a:schemeClr>
+            </a:solidFill>
+          </a:ln>
           <a:solidFill>
-            <a:schemeClr val="tx1"/>
+            <a:schemeClr val="tx2"/>
           </a:solidFill>
+          <a:effectLst>
+            <a:outerShdw blurRad="9525" dist="25400" dir="14640000" algn="tl" rotWithShape="0">
+              <a:schemeClr val="bg1">
+                <a:alpha val="30000"/>
+              </a:schemeClr>
+            </a:outerShdw>
+          </a:effectLst>
           <a:latin typeface="+mn-lt"/>
           <a:ea typeface="+mn-ea"/>
           <a:cs typeface="+mn-cs"/>
         </a:defRPr>
       </a:lvl8pPr>
-      <a:lvl9pPr marL="3886200" indent="-228600" algn="l" defTabSz="914400" rtl="0" eaLnBrk="1" latinLnBrk="0" hangingPunct="1">
-        <a:lnSpc>
-          <a:spcPct val="90000"/>
-        </a:lnSpc>
+      <a:lvl9pPr marL="3106200" indent="-228600" algn="l" defTabSz="457200" rtl="0" eaLnBrk="1" latinLnBrk="0" hangingPunct="1">
         <a:spcBef>
-          <a:spcPts val="500"/>
+          <a:spcPct val="20000"/>
         </a:spcBef>
-        <a:buFont typeface="Arial" panose="020B0604020202020204" pitchFamily="34" charset="0"/>
-        <a:buChar char="•"/>
-        <a:defRPr sz="1800" kern="1200">
+        <a:spcAft>
+          <a:spcPts val="600"/>
+        </a:spcAft>
+        <a:buClr>
+          <a:schemeClr val="tx2"/>
+        </a:buClr>
+        <a:buSzPct val="70000"/>
+        <a:buFont typeface="Wingdings 2" charset="2"/>
+        <a:buChar char=""/>
+        <a:defRPr sz="1400" kern="1200">
+          <a:ln>
+            <a:solidFill>
+              <a:schemeClr val="bg1">
+                <a:lumMod val="75000"/>
+                <a:lumOff val="25000"/>
+                <a:alpha val="10000"/>
+              </a:schemeClr>
+            </a:solidFill>
+          </a:ln>
           <a:solidFill>
-            <a:schemeClr val="tx1"/>
+            <a:schemeClr val="tx2"/>
           </a:solidFill>
+          <a:effectLst>
+            <a:outerShdw blurRad="9525" dist="25400" dir="14640000" algn="tl" rotWithShape="0">
+              <a:schemeClr val="bg1">
+                <a:alpha val="30000"/>
+              </a:schemeClr>
+            </a:outerShdw>
+          </a:effectLst>
           <a:latin typeface="+mn-lt"/>
           <a:ea typeface="+mn-ea"/>
           <a:cs typeface="+mn-cs"/>
@@ -3209,7 +6102,7 @@
       <a:defPPr>
         <a:defRPr lang="en-US"/>
       </a:defPPr>
-      <a:lvl1pPr marL="0" algn="l" defTabSz="914400" rtl="0" eaLnBrk="1" latinLnBrk="0" hangingPunct="1">
+      <a:lvl1pPr marL="0" algn="l" defTabSz="457200" rtl="0" eaLnBrk="1" latinLnBrk="0" hangingPunct="1">
         <a:defRPr sz="1800" kern="1200">
           <a:solidFill>
             <a:schemeClr val="tx1"/>
@@ -3219,7 +6112,7 @@
           <a:cs typeface="+mn-cs"/>
         </a:defRPr>
       </a:lvl1pPr>
-      <a:lvl2pPr marL="457200" algn="l" defTabSz="914400" rtl="0" eaLnBrk="1" latinLnBrk="0" hangingPunct="1">
+      <a:lvl2pPr marL="457200" algn="l" defTabSz="457200" rtl="0" eaLnBrk="1" latinLnBrk="0" hangingPunct="1">
         <a:defRPr sz="1800" kern="1200">
           <a:solidFill>
             <a:schemeClr val="tx1"/>
@@ -3229,7 +6122,7 @@
           <a:cs typeface="+mn-cs"/>
         </a:defRPr>
       </a:lvl2pPr>
-      <a:lvl3pPr marL="914400" algn="l" defTabSz="914400" rtl="0" eaLnBrk="1" latinLnBrk="0" hangingPunct="1">
+      <a:lvl3pPr marL="914400" algn="l" defTabSz="457200" rtl="0" eaLnBrk="1" latinLnBrk="0" hangingPunct="1">
         <a:defRPr sz="1800" kern="1200">
           <a:solidFill>
             <a:schemeClr val="tx1"/>
@@ -3239,7 +6132,7 @@
           <a:cs typeface="+mn-cs"/>
         </a:defRPr>
       </a:lvl3pPr>
-      <a:lvl4pPr marL="1371600" algn="l" defTabSz="914400" rtl="0" eaLnBrk="1" latinLnBrk="0" hangingPunct="1">
+      <a:lvl4pPr marL="1371600" algn="l" defTabSz="457200" rtl="0" eaLnBrk="1" latinLnBrk="0" hangingPunct="1">
         <a:defRPr sz="1800" kern="1200">
           <a:solidFill>
             <a:schemeClr val="tx1"/>
@@ -3249,7 +6142,7 @@
           <a:cs typeface="+mn-cs"/>
         </a:defRPr>
       </a:lvl4pPr>
-      <a:lvl5pPr marL="1828800" algn="l" defTabSz="914400" rtl="0" eaLnBrk="1" latinLnBrk="0" hangingPunct="1">
+      <a:lvl5pPr marL="1828800" algn="l" defTabSz="457200" rtl="0" eaLnBrk="1" latinLnBrk="0" hangingPunct="1">
         <a:defRPr sz="1800" kern="1200">
           <a:solidFill>
             <a:schemeClr val="tx1"/>
@@ -3259,7 +6152,7 @@
           <a:cs typeface="+mn-cs"/>
         </a:defRPr>
       </a:lvl5pPr>
-      <a:lvl6pPr marL="2286000" algn="l" defTabSz="914400" rtl="0" eaLnBrk="1" latinLnBrk="0" hangingPunct="1">
+      <a:lvl6pPr marL="2286000" algn="l" defTabSz="457200" rtl="0" eaLnBrk="1" latinLnBrk="0" hangingPunct="1">
         <a:defRPr sz="1800" kern="1200">
           <a:solidFill>
             <a:schemeClr val="tx1"/>
@@ -3269,7 +6162,7 @@
           <a:cs typeface="+mn-cs"/>
         </a:defRPr>
       </a:lvl6pPr>
-      <a:lvl7pPr marL="2743200" algn="l" defTabSz="914400" rtl="0" eaLnBrk="1" latinLnBrk="0" hangingPunct="1">
+      <a:lvl7pPr marL="2743200" algn="l" defTabSz="457200" rtl="0" eaLnBrk="1" latinLnBrk="0" hangingPunct="1">
         <a:defRPr sz="1800" kern="1200">
           <a:solidFill>
             <a:schemeClr val="tx1"/>
@@ -3279,7 +6172,7 @@
           <a:cs typeface="+mn-cs"/>
         </a:defRPr>
       </a:lvl7pPr>
-      <a:lvl8pPr marL="3200400" algn="l" defTabSz="914400" rtl="0" eaLnBrk="1" latinLnBrk="0" hangingPunct="1">
+      <a:lvl8pPr marL="3200400" algn="l" defTabSz="457200" rtl="0" eaLnBrk="1" latinLnBrk="0" hangingPunct="1">
         <a:defRPr sz="1800" kern="1200">
           <a:solidFill>
             <a:schemeClr val="tx1"/>
@@ -3289,7 +6182,7 @@
           <a:cs typeface="+mn-cs"/>
         </a:defRPr>
       </a:lvl8pPr>
-      <a:lvl9pPr marL="3657600" algn="l" defTabSz="914400" rtl="0" eaLnBrk="1" latinLnBrk="0" hangingPunct="1">
+      <a:lvl9pPr marL="3657600" algn="l" defTabSz="457200" rtl="0" eaLnBrk="1" latinLnBrk="0" hangingPunct="1">
         <a:defRPr sz="1800" kern="1200">
           <a:solidFill>
             <a:schemeClr val="tx1"/>
@@ -3301,6 +6194,11 @@
       </a:lvl9pPr>
     </p:otherStyle>
   </p:txStyles>
+  <p:extLst>
+    <p:ext uri="{27BBF7A9-308A-43DC-89C8-2F10F3537804}">
+      <p15:sldGuideLst xmlns:p15="http://schemas.microsoft.com/office/powerpoint/2012/main"/>
+    </p:ext>
+  </p:extLst>
 </p:sldMaster>
 </file>
 
@@ -3337,12 +6235,20 @@
             <p:ph type="ctrTitle"/>
           </p:nvPr>
         </p:nvSpPr>
-        <p:spPr/>
+        <p:spPr>
+          <a:xfrm>
+            <a:off x="533879" y="1300030"/>
+            <a:ext cx="9440034" cy="1828801"/>
+          </a:xfrm>
+        </p:spPr>
         <p:txBody>
           <a:bodyPr/>
           <a:lstStyle/>
           <a:p>
-            <a:endParaRPr lang="en-US"/>
+            <a:r>
+              <a:rPr lang="en-US" dirty="0"/>
+              <a:t>Lab 5</a:t>
+            </a:r>
           </a:p>
         </p:txBody>
       </p:sp>
@@ -3362,12 +6268,73 @@
             <p:ph type="subTitle" idx="1"/>
           </p:nvPr>
         </p:nvSpPr>
-        <p:spPr/>
-        <p:txBody>
-          <a:bodyPr/>
-          <a:lstStyle/>
-          <a:p>
-            <a:endParaRPr lang="en-US"/>
+        <p:spPr>
+          <a:xfrm>
+            <a:off x="1088913" y="4375653"/>
+            <a:ext cx="7034362" cy="2073209"/>
+          </a:xfrm>
+        </p:spPr>
+        <p:txBody>
+          <a:bodyPr>
+            <a:normAutofit/>
+          </a:bodyPr>
+          <a:lstStyle/>
+          <a:p>
+            <a:r>
+              <a:rPr lang="en-US" dirty="0"/>
+              <a:t>Schutt &amp; Fetterolf</a:t>
+            </a:r>
+          </a:p>
+          <a:p>
+            <a:r>
+              <a:rPr lang="en-US" dirty="0"/>
+              <a:t>13SEP2019</a:t>
+            </a:r>
+          </a:p>
+          <a:p>
+            <a:r>
+              <a:rPr lang="en-US" dirty="0"/>
+              <a:t>MV 4025</a:t>
+            </a:r>
+          </a:p>
+        </p:txBody>
+      </p:sp>
+      <p:sp>
+        <p:nvSpPr>
+          <p:cNvPr id="4" name="TextBox 3">
+            <a:extLst>
+              <a:ext uri="{FF2B5EF4-FFF2-40B4-BE49-F238E27FC236}">
+                <a16:creationId xmlns:a16="http://schemas.microsoft.com/office/drawing/2014/main" id="{EE1DA890-C69E-49C2-977A-BE712F16ED86}"/>
+              </a:ext>
+            </a:extLst>
+          </p:cNvPr>
+          <p:cNvSpPr txBox="1"/>
+          <p:nvPr/>
+        </p:nvSpPr>
+        <p:spPr>
+          <a:xfrm>
+            <a:off x="7328415" y="5040497"/>
+            <a:ext cx="3334043" cy="923330"/>
+          </a:xfrm>
+          <a:prstGeom prst="rect">
+            <a:avLst/>
+          </a:prstGeom>
+          <a:noFill/>
+        </p:spPr>
+        <p:txBody>
+          <a:bodyPr wrap="square" rtlCol="0">
+            <a:spAutoFit/>
+          </a:bodyPr>
+          <a:lstStyle/>
+          <a:p>
+            <a:r>
+              <a:rPr lang="en-US" dirty="0">
+                <a:highlight>
+                  <a:srgbClr val="000080"/>
+                </a:highlight>
+              </a:rPr>
+              <a:t>PUT A SCREEN SHOT OF THE SCENE JUST FOR BACKGROUND</a:t>
+            </a:r>
           </a:p>
         </p:txBody>
       </p:sp>
@@ -3384,10 +6351,504 @@
 </p:sld>
 </file>
 
+<file path=ppt/slides/slide2.xml><?xml version="1.0" encoding="utf-8"?>
+<p:sld xmlns:a="http://schemas.openxmlformats.org/drawingml/2006/main" xmlns:r="http://schemas.openxmlformats.org/officeDocument/2006/relationships" xmlns:p="http://schemas.openxmlformats.org/presentationml/2006/main">
+  <p:cSld>
+    <p:spTree>
+      <p:nvGrpSpPr>
+        <p:cNvPr id="1" name=""/>
+        <p:cNvGrpSpPr/>
+        <p:nvPr/>
+      </p:nvGrpSpPr>
+      <p:grpSpPr>
+        <a:xfrm>
+          <a:off x="0" y="0"/>
+          <a:ext cx="0" cy="0"/>
+          <a:chOff x="0" y="0"/>
+          <a:chExt cx="0" cy="0"/>
+        </a:xfrm>
+      </p:grpSpPr>
+      <p:sp>
+        <p:nvSpPr>
+          <p:cNvPr id="2" name="Title 1">
+            <a:extLst>
+              <a:ext uri="{FF2B5EF4-FFF2-40B4-BE49-F238E27FC236}">
+                <a16:creationId xmlns:a16="http://schemas.microsoft.com/office/drawing/2014/main" id="{39CDE9E2-836A-42AF-BE6F-D4113BE7467D}"/>
+              </a:ext>
+            </a:extLst>
+          </p:cNvPr>
+          <p:cNvSpPr>
+            <a:spLocks noGrp="1"/>
+          </p:cNvSpPr>
+          <p:nvPr>
+            <p:ph type="title"/>
+          </p:nvPr>
+        </p:nvSpPr>
+        <p:spPr/>
+        <p:txBody>
+          <a:bodyPr/>
+          <a:lstStyle/>
+          <a:p>
+            <a:r>
+              <a:rPr lang="en-US" dirty="0"/>
+              <a:t>Early Stages</a:t>
+            </a:r>
+          </a:p>
+        </p:txBody>
+      </p:sp>
+      <p:sp>
+        <p:nvSpPr>
+          <p:cNvPr id="3" name="Content Placeholder 2">
+            <a:extLst>
+              <a:ext uri="{FF2B5EF4-FFF2-40B4-BE49-F238E27FC236}">
+                <a16:creationId xmlns:a16="http://schemas.microsoft.com/office/drawing/2014/main" id="{6C8CFE96-7DCC-4070-A74F-DD9161D6EF7F}"/>
+              </a:ext>
+            </a:extLst>
+          </p:cNvPr>
+          <p:cNvSpPr>
+            <a:spLocks noGrp="1"/>
+          </p:cNvSpPr>
+          <p:nvPr>
+            <p:ph idx="1"/>
+          </p:nvPr>
+        </p:nvSpPr>
+        <p:spPr/>
+        <p:txBody>
+          <a:bodyPr>
+            <a:normAutofit fontScale="70000" lnSpcReduction="20000"/>
+          </a:bodyPr>
+          <a:lstStyle/>
+          <a:p>
+            <a:r>
+              <a:rPr lang="en-US" dirty="0"/>
+              <a:t>We started off by running several iterations of the starter code. </a:t>
+            </a:r>
+          </a:p>
+          <a:p>
+            <a:r>
+              <a:rPr lang="en-US" dirty="0"/>
+              <a:t>As expected, the results were poor, yielding a running avg reward of 0.0189. </a:t>
+            </a:r>
+          </a:p>
+          <a:p>
+            <a:r>
+              <a:rPr lang="en-US" dirty="0"/>
+              <a:t>Our baseline settings were as follows: </a:t>
+            </a:r>
+          </a:p>
+          <a:p>
+            <a:endParaRPr lang="en-US" dirty="0"/>
+          </a:p>
+          <a:p>
+            <a:pPr lvl="1"/>
+            <a:r>
+              <a:rPr lang="en-US" dirty="0"/>
+              <a:t>Run time/training duration = 48000</a:t>
+            </a:r>
+          </a:p>
+          <a:p>
+            <a:pPr lvl="1"/>
+            <a:r>
+              <a:rPr lang="en-US" dirty="0"/>
+              <a:t>Discount factor = .99</a:t>
+            </a:r>
+          </a:p>
+          <a:p>
+            <a:pPr lvl="1"/>
+            <a:r>
+              <a:rPr lang="en-US" dirty="0"/>
+              <a:t>Hidden layer type = tanh</a:t>
+            </a:r>
+          </a:p>
+          <a:p>
+            <a:pPr lvl="1"/>
+            <a:r>
+              <a:rPr lang="en-US" dirty="0"/>
+              <a:t>Test duration = 100</a:t>
+            </a:r>
+          </a:p>
+          <a:p>
+            <a:pPr lvl="1"/>
+            <a:r>
+              <a:rPr lang="en-US" dirty="0"/>
+              <a:t>Learning rate = .05</a:t>
+            </a:r>
+          </a:p>
+          <a:p>
+            <a:pPr lvl="1"/>
+            <a:r>
+              <a:rPr lang="en-US" dirty="0"/>
+              <a:t>Reward timeout = 20</a:t>
+            </a:r>
+          </a:p>
+          <a:p>
+            <a:pPr lvl="1"/>
+            <a:r>
+              <a:rPr lang="en-US" dirty="0"/>
+              <a:t>Seed = 557935545</a:t>
+            </a:r>
+          </a:p>
+          <a:p>
+            <a:pPr lvl="1"/>
+            <a:r>
+              <a:rPr lang="en-US" dirty="0"/>
+              <a:t>Num hidden layers  = 80</a:t>
+            </a:r>
+          </a:p>
+          <a:p>
+            <a:pPr lvl="1"/>
+            <a:r>
+              <a:rPr lang="en-US" dirty="0"/>
+              <a:t>Respawn with = 15</a:t>
+            </a:r>
+          </a:p>
+          <a:p>
+            <a:pPr lvl="1"/>
+            <a:r>
+              <a:rPr lang="en-US" dirty="0"/>
+              <a:t>Loss factor = .2</a:t>
+            </a:r>
+          </a:p>
+          <a:p>
+            <a:endParaRPr lang="en-US" dirty="0"/>
+          </a:p>
+        </p:txBody>
+      </p:sp>
+    </p:spTree>
+    <p:extLst>
+      <p:ext uri="{BB962C8B-B14F-4D97-AF65-F5344CB8AC3E}">
+        <p14:creationId xmlns:p14="http://schemas.microsoft.com/office/powerpoint/2010/main" val="1884443167"/>
+      </p:ext>
+    </p:extLst>
+  </p:cSld>
+  <p:clrMapOvr>
+    <a:masterClrMapping/>
+  </p:clrMapOvr>
+</p:sld>
+</file>
+
+<file path=ppt/slides/slide3.xml><?xml version="1.0" encoding="utf-8"?>
+<p:sld xmlns:a="http://schemas.openxmlformats.org/drawingml/2006/main" xmlns:r="http://schemas.openxmlformats.org/officeDocument/2006/relationships" xmlns:p="http://schemas.openxmlformats.org/presentationml/2006/main">
+  <p:cSld>
+    <p:spTree>
+      <p:nvGrpSpPr>
+        <p:cNvPr id="1" name=""/>
+        <p:cNvGrpSpPr/>
+        <p:nvPr/>
+      </p:nvGrpSpPr>
+      <p:grpSpPr>
+        <a:xfrm>
+          <a:off x="0" y="0"/>
+          <a:ext cx="0" cy="0"/>
+          <a:chOff x="0" y="0"/>
+          <a:chExt cx="0" cy="0"/>
+        </a:xfrm>
+      </p:grpSpPr>
+      <p:sp>
+        <p:nvSpPr>
+          <p:cNvPr id="2" name="Title 1">
+            <a:extLst>
+              <a:ext uri="{FF2B5EF4-FFF2-40B4-BE49-F238E27FC236}">
+                <a16:creationId xmlns:a16="http://schemas.microsoft.com/office/drawing/2014/main" id="{8DA4ABCB-D43E-431F-AEE5-C64AFE49895F}"/>
+              </a:ext>
+            </a:extLst>
+          </p:cNvPr>
+          <p:cNvSpPr>
+            <a:spLocks noGrp="1"/>
+          </p:cNvSpPr>
+          <p:nvPr>
+            <p:ph type="title"/>
+          </p:nvPr>
+        </p:nvSpPr>
+        <p:spPr/>
+        <p:txBody>
+          <a:bodyPr/>
+          <a:lstStyle/>
+          <a:p>
+            <a:r>
+              <a:rPr lang="en-US" dirty="0"/>
+              <a:t>Approach</a:t>
+            </a:r>
+          </a:p>
+        </p:txBody>
+      </p:sp>
+      <p:sp>
+        <p:nvSpPr>
+          <p:cNvPr id="3" name="Content Placeholder 2">
+            <a:extLst>
+              <a:ext uri="{FF2B5EF4-FFF2-40B4-BE49-F238E27FC236}">
+                <a16:creationId xmlns:a16="http://schemas.microsoft.com/office/drawing/2014/main" id="{C722EDAB-FA9A-42DC-9483-FC3CFD183FFB}"/>
+              </a:ext>
+            </a:extLst>
+          </p:cNvPr>
+          <p:cNvSpPr>
+            <a:spLocks noGrp="1"/>
+          </p:cNvSpPr>
+          <p:nvPr>
+            <p:ph idx="1"/>
+          </p:nvPr>
+        </p:nvSpPr>
+        <p:spPr/>
+        <p:txBody>
+          <a:bodyPr/>
+          <a:lstStyle/>
+          <a:p>
+            <a:r>
+              <a:rPr lang="en-US" dirty="0"/>
+              <a:t>Reward function analysis</a:t>
+            </a:r>
+          </a:p>
+          <a:p>
+            <a:pPr lvl="1"/>
+            <a:r>
+              <a:rPr lang="en-US" dirty="0"/>
+              <a:t>Canned reward function only passing rewards based on entity’s distance to target.</a:t>
+            </a:r>
+          </a:p>
+          <a:p>
+            <a:pPr lvl="1"/>
+            <a:r>
+              <a:rPr lang="en-US" dirty="0"/>
+              <a:t>Modified </a:t>
+            </a:r>
+            <a:r>
+              <a:rPr lang="en-US" dirty="0" err="1"/>
+              <a:t>RewardDistToTarget</a:t>
+            </a:r>
+            <a:r>
+              <a:rPr lang="en-US" dirty="0"/>
+              <a:t>. Added:</a:t>
+            </a:r>
+          </a:p>
+          <a:p>
+            <a:pPr lvl="2"/>
+            <a:r>
+              <a:rPr lang="en-US" dirty="0"/>
+              <a:t>Kills Minus Losses (more prominent)</a:t>
+            </a:r>
+          </a:p>
+          <a:p>
+            <a:pPr lvl="3"/>
+            <a:r>
+              <a:rPr lang="en-US" dirty="0"/>
+              <a:t>Higher # of kills = winning</a:t>
+            </a:r>
+          </a:p>
+          <a:p>
+            <a:pPr lvl="2"/>
+            <a:r>
+              <a:rPr lang="en-US" dirty="0"/>
+              <a:t>Distance from friendly</a:t>
+            </a:r>
+          </a:p>
+          <a:p>
+            <a:pPr lvl="3"/>
+            <a:r>
+              <a:rPr lang="en-US" dirty="0"/>
+              <a:t>Massing firepower projection on enemy</a:t>
+            </a:r>
+          </a:p>
+        </p:txBody>
+      </p:sp>
+    </p:spTree>
+    <p:extLst>
+      <p:ext uri="{BB962C8B-B14F-4D97-AF65-F5344CB8AC3E}">
+        <p14:creationId xmlns:p14="http://schemas.microsoft.com/office/powerpoint/2010/main" val="2887988079"/>
+      </p:ext>
+    </p:extLst>
+  </p:cSld>
+  <p:clrMapOvr>
+    <a:masterClrMapping/>
+  </p:clrMapOvr>
+</p:sld>
+</file>
+
+<file path=ppt/slides/slide4.xml><?xml version="1.0" encoding="utf-8"?>
+<p:sld xmlns:a="http://schemas.openxmlformats.org/drawingml/2006/main" xmlns:r="http://schemas.openxmlformats.org/officeDocument/2006/relationships" xmlns:p="http://schemas.openxmlformats.org/presentationml/2006/main">
+  <p:cSld>
+    <p:spTree>
+      <p:nvGrpSpPr>
+        <p:cNvPr id="1" name=""/>
+        <p:cNvGrpSpPr/>
+        <p:nvPr/>
+      </p:nvGrpSpPr>
+      <p:grpSpPr>
+        <a:xfrm>
+          <a:off x="0" y="0"/>
+          <a:ext cx="0" cy="0"/>
+          <a:chOff x="0" y="0"/>
+          <a:chExt cx="0" cy="0"/>
+        </a:xfrm>
+      </p:grpSpPr>
+      <p:sp>
+        <p:nvSpPr>
+          <p:cNvPr id="2" name="Title 1">
+            <a:extLst>
+              <a:ext uri="{FF2B5EF4-FFF2-40B4-BE49-F238E27FC236}">
+                <a16:creationId xmlns:a16="http://schemas.microsoft.com/office/drawing/2014/main" id="{4337BB94-195E-4C8C-8900-5300915E0215}"/>
+              </a:ext>
+            </a:extLst>
+          </p:cNvPr>
+          <p:cNvSpPr>
+            <a:spLocks noGrp="1"/>
+          </p:cNvSpPr>
+          <p:nvPr>
+            <p:ph type="title"/>
+          </p:nvPr>
+        </p:nvSpPr>
+        <p:spPr/>
+        <p:txBody>
+          <a:bodyPr/>
+          <a:lstStyle/>
+          <a:p>
+            <a:r>
+              <a:rPr lang="en-US" dirty="0"/>
+              <a:t>Current Run Thomas is working on</a:t>
+            </a:r>
+          </a:p>
+        </p:txBody>
+      </p:sp>
+      <p:sp>
+        <p:nvSpPr>
+          <p:cNvPr id="3" name="Content Placeholder 2">
+            <a:extLst>
+              <a:ext uri="{FF2B5EF4-FFF2-40B4-BE49-F238E27FC236}">
+                <a16:creationId xmlns:a16="http://schemas.microsoft.com/office/drawing/2014/main" id="{C8749BDB-E283-4312-9828-3EFA9E682D3B}"/>
+              </a:ext>
+            </a:extLst>
+          </p:cNvPr>
+          <p:cNvSpPr>
+            <a:spLocks noGrp="1"/>
+          </p:cNvSpPr>
+          <p:nvPr>
+            <p:ph idx="1"/>
+          </p:nvPr>
+        </p:nvSpPr>
+        <p:spPr/>
+        <p:txBody>
+          <a:bodyPr>
+            <a:normAutofit fontScale="92500" lnSpcReduction="20000"/>
+          </a:bodyPr>
+          <a:lstStyle/>
+          <a:p>
+            <a:r>
+              <a:rPr lang="en-US" dirty="0">
+                <a:effectLst/>
+              </a:rPr>
+              <a:t>Current Run Params:</a:t>
+            </a:r>
+          </a:p>
+          <a:p>
+            <a:r>
+              <a:rPr lang="en-US" dirty="0">
+                <a:effectLst/>
+              </a:rPr>
+              <a:t>Run time/training duration = 48000</a:t>
+            </a:r>
+          </a:p>
+          <a:p>
+            <a:r>
+              <a:rPr lang="en-US" dirty="0">
+                <a:effectLst/>
+              </a:rPr>
+              <a:t>Discount factor = .99</a:t>
+            </a:r>
+          </a:p>
+          <a:p>
+            <a:r>
+              <a:rPr lang="en-US" dirty="0">
+                <a:effectLst/>
+              </a:rPr>
+              <a:t>Hidden layer type = </a:t>
+            </a:r>
+            <a:r>
+              <a:rPr lang="en-US" dirty="0" err="1">
+                <a:effectLst/>
+              </a:rPr>
+              <a:t>relu</a:t>
+            </a:r>
+            <a:endParaRPr lang="en-US" dirty="0">
+              <a:effectLst/>
+            </a:endParaRPr>
+          </a:p>
+          <a:p>
+            <a:r>
+              <a:rPr lang="en-US" dirty="0">
+                <a:effectLst/>
+              </a:rPr>
+              <a:t>Test duration = 100</a:t>
+            </a:r>
+          </a:p>
+          <a:p>
+            <a:r>
+              <a:rPr lang="en-US" dirty="0">
+                <a:effectLst/>
+              </a:rPr>
+              <a:t>Learning rate = .05</a:t>
+            </a:r>
+          </a:p>
+          <a:p>
+            <a:r>
+              <a:rPr lang="en-US" dirty="0">
+                <a:effectLst/>
+              </a:rPr>
+              <a:t>Reward timeout = 20</a:t>
+            </a:r>
+          </a:p>
+          <a:p>
+            <a:r>
+              <a:rPr lang="en-US" dirty="0">
+                <a:effectLst/>
+              </a:rPr>
+              <a:t>Seed = 557935545</a:t>
+            </a:r>
+          </a:p>
+          <a:p>
+            <a:r>
+              <a:rPr lang="en-US" dirty="0">
+                <a:effectLst/>
+              </a:rPr>
+              <a:t>Num hidden layers  = 80</a:t>
+            </a:r>
+          </a:p>
+          <a:p>
+            <a:r>
+              <a:rPr lang="en-US" dirty="0">
+                <a:effectLst/>
+              </a:rPr>
+              <a:t>Respawn with = 15</a:t>
+            </a:r>
+          </a:p>
+          <a:p>
+            <a:r>
+              <a:rPr lang="en-US" dirty="0">
+                <a:effectLst/>
+              </a:rPr>
+              <a:t>Loss factor = 1.1</a:t>
+            </a:r>
+          </a:p>
+          <a:p>
+            <a:endParaRPr lang="en-US" dirty="0"/>
+          </a:p>
+        </p:txBody>
+      </p:sp>
+    </p:spTree>
+    <p:extLst>
+      <p:ext uri="{BB962C8B-B14F-4D97-AF65-F5344CB8AC3E}">
+        <p14:creationId xmlns:p14="http://schemas.microsoft.com/office/powerpoint/2010/main" val="3268148253"/>
+      </p:ext>
+    </p:extLst>
+  </p:cSld>
+  <p:clrMapOvr>
+    <a:masterClrMapping/>
+  </p:clrMapOvr>
+</p:sld>
+</file>
+
 <file path=ppt/theme/theme1.xml><?xml version="1.0" encoding="utf-8"?>
-<a:theme xmlns:a="http://schemas.openxmlformats.org/drawingml/2006/main" name="Office Theme">
+<a:theme xmlns:a="http://schemas.openxmlformats.org/drawingml/2006/main" name="Slate">
   <a:themeElements>
-    <a:clrScheme name="Office">
+    <a:clrScheme name="Slate">
       <a:dk1>
         <a:sysClr val="windowText" lastClr="000000"/>
       </a:dk1>
@@ -3395,97 +6856,45 @@
         <a:sysClr val="window" lastClr="FFFFFF"/>
       </a:lt1>
       <a:dk2>
-        <a:srgbClr val="44546A"/>
+        <a:srgbClr val="212123"/>
       </a:dk2>
       <a:lt2>
-        <a:srgbClr val="E7E6E6"/>
+        <a:srgbClr val="DADADA"/>
       </a:lt2>
       <a:accent1>
-        <a:srgbClr val="4472C4"/>
+        <a:srgbClr val="BC451B"/>
       </a:accent1>
       <a:accent2>
-        <a:srgbClr val="ED7D31"/>
+        <a:srgbClr val="D3BA68"/>
       </a:accent2>
       <a:accent3>
-        <a:srgbClr val="A5A5A5"/>
+        <a:srgbClr val="BB8640"/>
       </a:accent3>
       <a:accent4>
-        <a:srgbClr val="FFC000"/>
+        <a:srgbClr val="AD9277"/>
       </a:accent4>
       <a:accent5>
-        <a:srgbClr val="5B9BD5"/>
+        <a:srgbClr val="A55A43"/>
       </a:accent5>
       <a:accent6>
-        <a:srgbClr val="70AD47"/>
+        <a:srgbClr val="AD9D7B"/>
       </a:accent6>
       <a:hlink>
-        <a:srgbClr val="0563C1"/>
+        <a:srgbClr val="E98052"/>
       </a:hlink>
       <a:folHlink>
-        <a:srgbClr val="954F72"/>
+        <a:srgbClr val="F4B69B"/>
       </a:folHlink>
     </a:clrScheme>
-    <a:fontScheme name="Office">
+    <a:fontScheme name="Slate">
       <a:majorFont>
-        <a:latin typeface="Calibri Light" panose="020F0302020204030204"/>
+        <a:latin typeface="Calisto MT" panose="02040603050505030304"/>
         <a:ea typeface=""/>
         <a:cs typeface=""/>
-        <a:font script="Jpan" typeface="游ゴシック Light"/>
-        <a:font script="Hang" typeface="맑은 고딕"/>
-        <a:font script="Hans" typeface="等线 Light"/>
-        <a:font script="Hant" typeface="新細明體"/>
-        <a:font script="Arab" typeface="Times New Roman"/>
-        <a:font script="Hebr" typeface="Times New Roman"/>
-        <a:font script="Thai" typeface="Angsana New"/>
-        <a:font script="Ethi" typeface="Nyala"/>
-        <a:font script="Beng" typeface="Vrinda"/>
-        <a:font script="Gujr" typeface="Shruti"/>
-        <a:font script="Khmr" typeface="MoolBoran"/>
-        <a:font script="Knda" typeface="Tunga"/>
-        <a:font script="Guru" typeface="Raavi"/>
-        <a:font script="Cans" typeface="Euphemia"/>
-        <a:font script="Cher" typeface="Plantagenet Cherokee"/>
-        <a:font script="Yiii" typeface="Microsoft Yi Baiti"/>
-        <a:font script="Tibt" typeface="Microsoft Himalaya"/>
-        <a:font script="Thaa" typeface="MV Boli"/>
-        <a:font script="Deva" typeface="Mangal"/>
-        <a:font script="Telu" typeface="Gautami"/>
-        <a:font script="Taml" typeface="Latha"/>
-        <a:font script="Syrc" typeface="Estrangelo Edessa"/>
-        <a:font script="Orya" typeface="Kalinga"/>
-        <a:font script="Mlym" typeface="Kartika"/>
-        <a:font script="Laoo" typeface="DokChampa"/>
-        <a:font script="Sinh" typeface="Iskoola Pota"/>
-        <a:font script="Mong" typeface="Mongolian Baiti"/>
-        <a:font script="Viet" typeface="Times New Roman"/>
-        <a:font script="Uigh" typeface="Microsoft Uighur"/>
-        <a:font script="Geor" typeface="Sylfaen"/>
-        <a:font script="Armn" typeface="Arial"/>
-        <a:font script="Bugi" typeface="Leelawadee UI"/>
-        <a:font script="Bopo" typeface="Microsoft JhengHei"/>
-        <a:font script="Java" typeface="Javanese Text"/>
-        <a:font script="Lisu" typeface="Segoe UI"/>
-        <a:font script="Mymr" typeface="Myanmar Text"/>
-        <a:font script="Nkoo" typeface="Ebrima"/>
-        <a:font script="Olck" typeface="Nirmala UI"/>
-        <a:font script="Osma" typeface="Ebrima"/>
-        <a:font script="Phag" typeface="Phagspa"/>
-        <a:font script="Syrn" typeface="Estrangelo Edessa"/>
-        <a:font script="Syrj" typeface="Estrangelo Edessa"/>
-        <a:font script="Syre" typeface="Estrangelo Edessa"/>
-        <a:font script="Sora" typeface="Nirmala UI"/>
-        <a:font script="Tale" typeface="Microsoft Tai Le"/>
-        <a:font script="Talu" typeface="Microsoft New Tai Lue"/>
-        <a:font script="Tfng" typeface="Ebrima"/>
-      </a:majorFont>
-      <a:minorFont>
-        <a:latin typeface="Calibri" panose="020F0502020204030204"/>
-        <a:ea typeface=""/>
-        <a:cs typeface=""/>
-        <a:font script="Jpan" typeface="游ゴシック"/>
-        <a:font script="Hang" typeface="맑은 고딕"/>
-        <a:font script="Hans" typeface="等线"/>
-        <a:font script="Hant" typeface="新細明體"/>
+        <a:font script="Jpan" typeface="ＭＳ Ｐゴシック"/>
+        <a:font script="Hang" typeface="돋움"/>
+        <a:font script="Hans" typeface="方正舒体"/>
+        <a:font script="Hant" typeface="微軟正黑體"/>
         <a:font script="Arab" typeface="Arial"/>
         <a:font script="Hebr" typeface="Arial"/>
         <a:font script="Thai" typeface="Cordia New"/>
@@ -3512,26 +6921,44 @@
         <a:font script="Viet" typeface="Arial"/>
         <a:font script="Uigh" typeface="Microsoft Uighur"/>
         <a:font script="Geor" typeface="Sylfaen"/>
-        <a:font script="Armn" typeface="Arial"/>
-        <a:font script="Bugi" typeface="Leelawadee UI"/>
-        <a:font script="Bopo" typeface="Microsoft JhengHei"/>
-        <a:font script="Java" typeface="Javanese Text"/>
-        <a:font script="Lisu" typeface="Segoe UI"/>
-        <a:font script="Mymr" typeface="Myanmar Text"/>
-        <a:font script="Nkoo" typeface="Ebrima"/>
-        <a:font script="Olck" typeface="Nirmala UI"/>
-        <a:font script="Osma" typeface="Ebrima"/>
-        <a:font script="Phag" typeface="Phagspa"/>
-        <a:font script="Syrn" typeface="Estrangelo Edessa"/>
-        <a:font script="Syrj" typeface="Estrangelo Edessa"/>
-        <a:font script="Syre" typeface="Estrangelo Edessa"/>
-        <a:font script="Sora" typeface="Nirmala UI"/>
-        <a:font script="Tale" typeface="Microsoft Tai Le"/>
-        <a:font script="Talu" typeface="Microsoft New Tai Lue"/>
-        <a:font script="Tfng" typeface="Ebrima"/>
+      </a:majorFont>
+      <a:minorFont>
+        <a:latin typeface="Calisto MT" panose="02040603050505030304"/>
+        <a:ea typeface=""/>
+        <a:cs typeface=""/>
+        <a:font script="Jpan" typeface="ＭＳ Ｐゴシック"/>
+        <a:font script="Hang" typeface="돋움"/>
+        <a:font script="Hans" typeface="方正舒体"/>
+        <a:font script="Hant" typeface="微軟正黑體"/>
+        <a:font script="Arab" typeface="Arial"/>
+        <a:font script="Hebr" typeface="Arial"/>
+        <a:font script="Thai" typeface="Cordia New"/>
+        <a:font script="Ethi" typeface="Nyala"/>
+        <a:font script="Beng" typeface="Vrinda"/>
+        <a:font script="Gujr" typeface="Shruti"/>
+        <a:font script="Khmr" typeface="DaunPenh"/>
+        <a:font script="Knda" typeface="Tunga"/>
+        <a:font script="Guru" typeface="Raavi"/>
+        <a:font script="Cans" typeface="Euphemia"/>
+        <a:font script="Cher" typeface="Plantagenet Cherokee"/>
+        <a:font script="Yiii" typeface="Microsoft Yi Baiti"/>
+        <a:font script="Tibt" typeface="Microsoft Himalaya"/>
+        <a:font script="Thaa" typeface="MV Boli"/>
+        <a:font script="Deva" typeface="Mangal"/>
+        <a:font script="Telu" typeface="Gautami"/>
+        <a:font script="Taml" typeface="Latha"/>
+        <a:font script="Syrc" typeface="Estrangelo Edessa"/>
+        <a:font script="Orya" typeface="Kalinga"/>
+        <a:font script="Mlym" typeface="Kartika"/>
+        <a:font script="Laoo" typeface="DokChampa"/>
+        <a:font script="Sinh" typeface="Iskoola Pota"/>
+        <a:font script="Mong" typeface="Mongolian Baiti"/>
+        <a:font script="Viet" typeface="Arial"/>
+        <a:font script="Uigh" typeface="Microsoft Uighur"/>
+        <a:font script="Geor" typeface="Sylfaen"/>
       </a:minorFont>
     </a:fontScheme>
-    <a:fmtScheme name="Office">
+    <a:fmtScheme name="Slate">
       <a:fillStyleLst>
         <a:solidFill>
           <a:schemeClr val="phClr"/>
@@ -3540,23 +6967,13 @@
           <a:gsLst>
             <a:gs pos="0">
               <a:schemeClr val="phClr">
+                <a:tint val="60000"/>
                 <a:lumMod val="110000"/>
-                <a:satMod val="105000"/>
-                <a:tint val="67000"/>
-              </a:schemeClr>
-            </a:gs>
-            <a:gs pos="50000">
-              <a:schemeClr val="phClr">
-                <a:lumMod val="105000"/>
-                <a:satMod val="103000"/>
-                <a:tint val="73000"/>
               </a:schemeClr>
             </a:gs>
             <a:gs pos="100000">
               <a:schemeClr val="phClr">
-                <a:lumMod val="105000"/>
-                <a:satMod val="109000"/>
-                <a:tint val="81000"/>
+                <a:tint val="88000"/>
               </a:schemeClr>
             </a:gs>
           </a:gsLst>
@@ -3566,23 +6983,14 @@
           <a:gsLst>
             <a:gs pos="0">
               <a:schemeClr val="phClr">
-                <a:satMod val="103000"/>
-                <a:lumMod val="102000"/>
-                <a:tint val="94000"/>
-              </a:schemeClr>
-            </a:gs>
-            <a:gs pos="50000">
-              <a:schemeClr val="phClr">
-                <a:satMod val="110000"/>
-                <a:lumMod val="100000"/>
-                <a:shade val="100000"/>
+                <a:tint val="96000"/>
+                <a:lumMod val="104000"/>
               </a:schemeClr>
             </a:gs>
             <a:gs pos="100000">
               <a:schemeClr val="phClr">
-                <a:lumMod val="99000"/>
-                <a:satMod val="120000"/>
-                <a:shade val="78000"/>
+                <a:shade val="90000"/>
+                <a:lumMod val="90000"/>
               </a:schemeClr>
             </a:gs>
           </a:gsLst>
@@ -3590,26 +6998,25 @@
         </a:gradFill>
       </a:fillStyleLst>
       <a:lnStyleLst>
-        <a:ln w="6350" cap="flat" cmpd="sng" algn="ctr">
+        <a:ln w="9525" cap="rnd" cmpd="sng" algn="ctr">
+          <a:solidFill>
+            <a:schemeClr val="phClr">
+              <a:shade val="90000"/>
+            </a:schemeClr>
+          </a:solidFill>
+          <a:prstDash val="solid"/>
+        </a:ln>
+        <a:ln w="15875" cap="rnd" cmpd="sng" algn="ctr">
           <a:solidFill>
             <a:schemeClr val="phClr"/>
           </a:solidFill>
           <a:prstDash val="solid"/>
-          <a:miter lim="800000"/>
         </a:ln>
-        <a:ln w="12700" cap="flat" cmpd="sng" algn="ctr">
+        <a:ln w="25400" cap="rnd" cmpd="sng" algn="ctr">
           <a:solidFill>
             <a:schemeClr val="phClr"/>
           </a:solidFill>
           <a:prstDash val="solid"/>
-          <a:miter lim="800000"/>
-        </a:ln>
-        <a:ln w="19050" cap="flat" cmpd="sng" algn="ctr">
-          <a:solidFill>
-            <a:schemeClr val="phClr"/>
-          </a:solidFill>
-          <a:prstDash val="solid"/>
-          <a:miter lim="800000"/>
         </a:ln>
       </a:lnStyleLst>
       <a:effectStyleLst>
@@ -3617,16 +7024,33 @@
           <a:effectLst/>
         </a:effectStyle>
         <a:effectStyle>
-          <a:effectLst/>
+          <a:effectLst>
+            <a:outerShdw blurRad="63500" dist="25400" dir="5400000" rotWithShape="0">
+              <a:srgbClr val="000000">
+                <a:alpha val="60000"/>
+              </a:srgbClr>
+            </a:outerShdw>
+          </a:effectLst>
         </a:effectStyle>
         <a:effectStyle>
           <a:effectLst>
-            <a:outerShdw blurRad="57150" dist="19050" dir="5400000" algn="ctr" rotWithShape="0">
+            <a:outerShdw blurRad="76200" dist="38100" dir="5400000" rotWithShape="0">
               <a:srgbClr val="000000">
-                <a:alpha val="63000"/>
+                <a:alpha val="75000"/>
               </a:srgbClr>
             </a:outerShdw>
           </a:effectLst>
+          <a:scene3d>
+            <a:camera prst="orthographicFront">
+              <a:rot lat="0" lon="0" rev="0"/>
+            </a:camera>
+            <a:lightRig rig="threePt" dir="t">
+              <a:rot lat="0" lon="0" rev="1200000"/>
+            </a:lightRig>
+          </a:scene3d>
+          <a:sp3d>
+            <a:bevelT w="63500" h="25400" prst="hardEdge"/>
+          </a:sp3d>
         </a:effectStyle>
       </a:effectStyleLst>
       <a:bgFillStyleLst>
@@ -3634,38 +7058,22 @@
           <a:schemeClr val="phClr"/>
         </a:solidFill>
         <a:solidFill>
-          <a:schemeClr val="phClr">
-            <a:tint val="95000"/>
-            <a:satMod val="170000"/>
-          </a:schemeClr>
+          <a:schemeClr val="phClr"/>
         </a:solidFill>
-        <a:gradFill rotWithShape="1">
-          <a:gsLst>
-            <a:gs pos="0">
+        <a:blipFill rotWithShape="1">
+          <a:blip xmlns:r="http://schemas.openxmlformats.org/officeDocument/2006/relationships" r:embed="rId1">
+            <a:duotone>
               <a:schemeClr val="phClr">
-                <a:tint val="93000"/>
-                <a:satMod val="150000"/>
-                <a:shade val="98000"/>
-                <a:lumMod val="102000"/>
+                <a:shade val="80000"/>
+                <a:lumMod val="80000"/>
               </a:schemeClr>
-            </a:gs>
-            <a:gs pos="50000">
               <a:schemeClr val="phClr">
                 <a:tint val="98000"/>
-                <a:satMod val="130000"/>
-                <a:shade val="90000"/>
-                <a:lumMod val="103000"/>
               </a:schemeClr>
-            </a:gs>
-            <a:gs pos="100000">
-              <a:schemeClr val="phClr">
-                <a:shade val="63000"/>
-                <a:satMod val="120000"/>
-              </a:schemeClr>
-            </a:gs>
-          </a:gsLst>
-          <a:lin ang="5400000" scaled="0"/>
-        </a:gradFill>
+            </a:duotone>
+          </a:blip>
+          <a:stretch/>
+        </a:blipFill>
       </a:bgFillStyleLst>
     </a:fmtScheme>
   </a:themeElements>
@@ -3673,7 +7081,7 @@
   <a:extraClrSchemeLst/>
   <a:extLst>
     <a:ext uri="{05A4C25C-085E-4340-85A3-A5531E510DB2}">
-      <thm15:themeFamily xmlns:thm15="http://schemas.microsoft.com/office/thememl/2012/main" name="Office Theme" id="{62F939B6-93AF-4DB8-9C6B-D6C7DFDC589F}" vid="{4A3C46E8-61CC-4603-A589-7422A47A8E4A}"/>
+      <thm15:themeFamily xmlns:thm15="http://schemas.microsoft.com/office/thememl/2012/main" name="Slate" id="{C3F70B94-7CE9-428E-ADC1-3269CC2C3385}" vid="{3F2DE9A5-64E6-437C-A389-CC4477E817E8}"/>
     </a:ext>
   </a:extLst>
 </a:theme>

--- a/MV4025 Lab5-v3/FinalPresentationSchutt.Fetterolf.pptx
+++ b/MV4025 Lab5-v3/FinalPresentationSchutt.Fetterolf.pptx
@@ -9,6 +9,7 @@
     <p:sldId id="257" r:id="rId3"/>
     <p:sldId id="258" r:id="rId4"/>
     <p:sldId id="259" r:id="rId5"/>
+    <p:sldId id="260" r:id="rId6"/>
   </p:sldIdLst>
   <p:sldSz cx="12192000" cy="6858000"/>
   <p:notesSz cx="6858000" cy="9144000"/>
@@ -118,7 +119,7 @@
 <file path=ppt/revisionInfo.xml><?xml version="1.0" encoding="utf-8"?>
 <p1510:revInfo xmlns:a="http://schemas.openxmlformats.org/drawingml/2006/main" xmlns:r="http://schemas.openxmlformats.org/officeDocument/2006/relationships" xmlns:p1510="http://schemas.microsoft.com/office/powerpoint/2015/10/main">
   <p1510:revLst>
-    <p1510:client id="{DBA145AF-5D9B-4404-A7D4-257C7EB6BB05}" v="20" dt="2019-09-13T03:19:51.916"/>
+    <p1510:client id="{DBA145AF-5D9B-4404-A7D4-257C7EB6BB05}" v="22" dt="2019-09-13T16:18:54.242"/>
   </p1510:revLst>
 </p1510:revInfo>
 </file>
@@ -128,7 +129,7 @@
   <pc:docChgLst>
     <pc:chgData name="Colton Fetterolf" userId="abc5913bc5523338" providerId="LiveId" clId="{DBA145AF-5D9B-4404-A7D4-257C7EB6BB05}"/>
     <pc:docChg chg="custSel mod addSld delSld modSld sldOrd">
-      <pc:chgData name="Colton Fetterolf" userId="abc5913bc5523338" providerId="LiveId" clId="{DBA145AF-5D9B-4404-A7D4-257C7EB6BB05}" dt="2019-09-13T03:19:52.083" v="644" actId="27636"/>
+      <pc:chgData name="Colton Fetterolf" userId="abc5913bc5523338" providerId="LiveId" clId="{DBA145AF-5D9B-4404-A7D4-257C7EB6BB05}" dt="2019-09-13T16:19:35.608" v="886" actId="20577"/>
       <pc:docMkLst>
         <pc:docMk/>
       </pc:docMkLst>
@@ -242,7 +243,7 @@
         </pc:cxnChg>
       </pc:sldChg>
       <pc:sldChg chg="modSp add">
-        <pc:chgData name="Colton Fetterolf" userId="abc5913bc5523338" providerId="LiveId" clId="{DBA145AF-5D9B-4404-A7D4-257C7EB6BB05}" dt="2019-09-13T03:19:27.067" v="610" actId="20577"/>
+        <pc:chgData name="Colton Fetterolf" userId="abc5913bc5523338" providerId="LiveId" clId="{DBA145AF-5D9B-4404-A7D4-257C7EB6BB05}" dt="2019-09-13T16:16:19.682" v="719" actId="20577"/>
         <pc:sldMkLst>
           <pc:docMk/>
           <pc:sldMk cId="2887988079" sldId="258"/>
@@ -256,7 +257,7 @@
           </ac:spMkLst>
         </pc:spChg>
         <pc:spChg chg="mod">
-          <ac:chgData name="Colton Fetterolf" userId="abc5913bc5523338" providerId="LiveId" clId="{DBA145AF-5D9B-4404-A7D4-257C7EB6BB05}" dt="2019-09-13T03:19:27.067" v="610" actId="20577"/>
+          <ac:chgData name="Colton Fetterolf" userId="abc5913bc5523338" providerId="LiveId" clId="{DBA145AF-5D9B-4404-A7D4-257C7EB6BB05}" dt="2019-09-13T16:16:19.682" v="719" actId="20577"/>
           <ac:spMkLst>
             <pc:docMk/>
             <pc:sldMk cId="2887988079" sldId="258"/>
@@ -265,13 +266,13 @@
         </pc:spChg>
       </pc:sldChg>
       <pc:sldChg chg="modSp add">
-        <pc:chgData name="Colton Fetterolf" userId="abc5913bc5523338" providerId="LiveId" clId="{DBA145AF-5D9B-4404-A7D4-257C7EB6BB05}" dt="2019-09-13T03:19:52.083" v="644" actId="27636"/>
+        <pc:chgData name="Colton Fetterolf" userId="abc5913bc5523338" providerId="LiveId" clId="{DBA145AF-5D9B-4404-A7D4-257C7EB6BB05}" dt="2019-09-13T16:17:19.795" v="795" actId="27636"/>
         <pc:sldMkLst>
           <pc:docMk/>
           <pc:sldMk cId="3268148253" sldId="259"/>
         </pc:sldMkLst>
         <pc:spChg chg="mod">
-          <ac:chgData name="Colton Fetterolf" userId="abc5913bc5523338" providerId="LiveId" clId="{DBA145AF-5D9B-4404-A7D4-257C7EB6BB05}" dt="2019-09-13T03:19:45.050" v="642" actId="20577"/>
+          <ac:chgData name="Colton Fetterolf" userId="abc5913bc5523338" providerId="LiveId" clId="{DBA145AF-5D9B-4404-A7D4-257C7EB6BB05}" dt="2019-09-13T16:16:31.965" v="731" actId="20577"/>
           <ac:spMkLst>
             <pc:docMk/>
             <pc:sldMk cId="3268148253" sldId="259"/>
@@ -279,11 +280,34 @@
           </ac:spMkLst>
         </pc:spChg>
         <pc:spChg chg="mod">
-          <ac:chgData name="Colton Fetterolf" userId="abc5913bc5523338" providerId="LiveId" clId="{DBA145AF-5D9B-4404-A7D4-257C7EB6BB05}" dt="2019-09-13T03:19:52.083" v="644" actId="27636"/>
+          <ac:chgData name="Colton Fetterolf" userId="abc5913bc5523338" providerId="LiveId" clId="{DBA145AF-5D9B-4404-A7D4-257C7EB6BB05}" dt="2019-09-13T16:17:19.795" v="795" actId="27636"/>
           <ac:spMkLst>
             <pc:docMk/>
             <pc:sldMk cId="3268148253" sldId="259"/>
             <ac:spMk id="3" creationId="{C8749BDB-E283-4312-9828-3EFA9E682D3B}"/>
+          </ac:spMkLst>
+        </pc:spChg>
+      </pc:sldChg>
+      <pc:sldChg chg="modSp add">
+        <pc:chgData name="Colton Fetterolf" userId="abc5913bc5523338" providerId="LiveId" clId="{DBA145AF-5D9B-4404-A7D4-257C7EB6BB05}" dt="2019-09-13T16:19:35.608" v="886" actId="20577"/>
+        <pc:sldMkLst>
+          <pc:docMk/>
+          <pc:sldMk cId="22519026" sldId="260"/>
+        </pc:sldMkLst>
+        <pc:spChg chg="mod">
+          <ac:chgData name="Colton Fetterolf" userId="abc5913bc5523338" providerId="LiveId" clId="{DBA145AF-5D9B-4404-A7D4-257C7EB6BB05}" dt="2019-09-13T16:19:06.810" v="806" actId="20577"/>
+          <ac:spMkLst>
+            <pc:docMk/>
+            <pc:sldMk cId="22519026" sldId="260"/>
+            <ac:spMk id="2" creationId="{481CCF69-40F8-469A-8249-4621AEE13702}"/>
+          </ac:spMkLst>
+        </pc:spChg>
+        <pc:spChg chg="mod">
+          <ac:chgData name="Colton Fetterolf" userId="abc5913bc5523338" providerId="LiveId" clId="{DBA145AF-5D9B-4404-A7D4-257C7EB6BB05}" dt="2019-09-13T16:19:35.608" v="886" actId="20577"/>
+          <ac:spMkLst>
+            <pc:docMk/>
+            <pc:sldMk cId="22519026" sldId="260"/>
+            <ac:spMk id="3" creationId="{528C55F2-14F3-464A-9B0C-BF461E8E4326}"/>
           </ac:spMkLst>
         </pc:spChg>
       </pc:sldChg>
@@ -477,7 +501,7 @@
           <a:p>
             <a:fld id="{A99E6A8D-3EF2-489F-A7BF-6EA54CB4A9F3}" type="datetimeFigureOut">
               <a:rPr lang="en-US" smtClean="0"/>
-              <a:t>9/12/2019</a:t>
+              <a:t>9/13/2019</a:t>
             </a:fld>
             <a:endParaRPr lang="en-US"/>
           </a:p>
@@ -780,7 +804,7 @@
           <a:p>
             <a:fld id="{A99E6A8D-3EF2-489F-A7BF-6EA54CB4A9F3}" type="datetimeFigureOut">
               <a:rPr lang="en-US" smtClean="0"/>
-              <a:t>9/12/2019</a:t>
+              <a:t>9/13/2019</a:t>
             </a:fld>
             <a:endParaRPr lang="en-US"/>
           </a:p>
@@ -972,7 +996,7 @@
           <a:p>
             <a:fld id="{A99E6A8D-3EF2-489F-A7BF-6EA54CB4A9F3}" type="datetimeFigureOut">
               <a:rPr lang="en-US" smtClean="0"/>
-              <a:t>9/12/2019</a:t>
+              <a:t>9/13/2019</a:t>
             </a:fld>
             <a:endParaRPr lang="en-US"/>
           </a:p>
@@ -1233,7 +1257,7 @@
           <a:p>
             <a:fld id="{A99E6A8D-3EF2-489F-A7BF-6EA54CB4A9F3}" type="datetimeFigureOut">
               <a:rPr lang="en-US" smtClean="0"/>
-              <a:t>9/12/2019</a:t>
+              <a:t>9/13/2019</a:t>
             </a:fld>
             <a:endParaRPr lang="en-US"/>
           </a:p>
@@ -1657,7 +1681,7 @@
           <a:p>
             <a:fld id="{A99E6A8D-3EF2-489F-A7BF-6EA54CB4A9F3}" type="datetimeFigureOut">
               <a:rPr lang="en-US" smtClean="0"/>
-              <a:t>9/12/2019</a:t>
+              <a:t>9/13/2019</a:t>
             </a:fld>
             <a:endParaRPr lang="en-US"/>
           </a:p>
@@ -2194,7 +2218,7 @@
           <a:p>
             <a:fld id="{A99E6A8D-3EF2-489F-A7BF-6EA54CB4A9F3}" type="datetimeFigureOut">
               <a:rPr lang="en-US" smtClean="0"/>
-              <a:t>9/12/2019</a:t>
+              <a:t>9/13/2019</a:t>
             </a:fld>
             <a:endParaRPr lang="en-US"/>
           </a:p>
@@ -3058,7 +3082,7 @@
           <a:p>
             <a:fld id="{A99E6A8D-3EF2-489F-A7BF-6EA54CB4A9F3}" type="datetimeFigureOut">
               <a:rPr lang="en-US" smtClean="0"/>
-              <a:t>9/12/2019</a:t>
+              <a:t>9/13/2019</a:t>
             </a:fld>
             <a:endParaRPr lang="en-US"/>
           </a:p>
@@ -3228,7 +3252,7 @@
           <a:p>
             <a:fld id="{A99E6A8D-3EF2-489F-A7BF-6EA54CB4A9F3}" type="datetimeFigureOut">
               <a:rPr lang="en-US" smtClean="0"/>
-              <a:t>9/12/2019</a:t>
+              <a:t>9/13/2019</a:t>
             </a:fld>
             <a:endParaRPr lang="en-US"/>
           </a:p>
@@ -3412,7 +3436,7 @@
           <a:p>
             <a:fld id="{A99E6A8D-3EF2-489F-A7BF-6EA54CB4A9F3}" type="datetimeFigureOut">
               <a:rPr lang="en-US" smtClean="0"/>
-              <a:t>9/12/2019</a:t>
+              <a:t>9/13/2019</a:t>
             </a:fld>
             <a:endParaRPr lang="en-US"/>
           </a:p>
@@ -3587,7 +3611,7 @@
           <a:p>
             <a:fld id="{A99E6A8D-3EF2-489F-A7BF-6EA54CB4A9F3}" type="datetimeFigureOut">
               <a:rPr lang="en-US" smtClean="0"/>
-              <a:t>9/12/2019</a:t>
+              <a:t>9/13/2019</a:t>
             </a:fld>
             <a:endParaRPr lang="en-US"/>
           </a:p>
@@ -3831,7 +3855,7 @@
           <a:p>
             <a:fld id="{A99E6A8D-3EF2-489F-A7BF-6EA54CB4A9F3}" type="datetimeFigureOut">
               <a:rPr lang="en-US" smtClean="0"/>
-              <a:t>9/12/2019</a:t>
+              <a:t>9/13/2019</a:t>
             </a:fld>
             <a:endParaRPr lang="en-US"/>
           </a:p>
@@ -4072,7 +4096,7 @@
           <a:p>
             <a:fld id="{A99E6A8D-3EF2-489F-A7BF-6EA54CB4A9F3}" type="datetimeFigureOut">
               <a:rPr lang="en-US" smtClean="0"/>
-              <a:t>9/12/2019</a:t>
+              <a:t>9/13/2019</a:t>
             </a:fld>
             <a:endParaRPr lang="en-US"/>
           </a:p>
@@ -4538,7 +4562,7 @@
           <a:p>
             <a:fld id="{A99E6A8D-3EF2-489F-A7BF-6EA54CB4A9F3}" type="datetimeFigureOut">
               <a:rPr lang="en-US" smtClean="0"/>
-              <a:t>9/12/2019</a:t>
+              <a:t>9/13/2019</a:t>
             </a:fld>
             <a:endParaRPr lang="en-US"/>
           </a:p>
@@ -4656,7 +4680,7 @@
           <a:p>
             <a:fld id="{A99E6A8D-3EF2-489F-A7BF-6EA54CB4A9F3}" type="datetimeFigureOut">
               <a:rPr lang="en-US" smtClean="0"/>
-              <a:t>9/12/2019</a:t>
+              <a:t>9/13/2019</a:t>
             </a:fld>
             <a:endParaRPr lang="en-US"/>
           </a:p>
@@ -4751,7 +4775,7 @@
           <a:p>
             <a:fld id="{A99E6A8D-3EF2-489F-A7BF-6EA54CB4A9F3}" type="datetimeFigureOut">
               <a:rPr lang="en-US" smtClean="0"/>
-              <a:t>9/12/2019</a:t>
+              <a:t>9/13/2019</a:t>
             </a:fld>
             <a:endParaRPr lang="en-US"/>
           </a:p>
@@ -5006,7 +5030,7 @@
           <a:p>
             <a:fld id="{A99E6A8D-3EF2-489F-A7BF-6EA54CB4A9F3}" type="datetimeFigureOut">
               <a:rPr lang="en-US" smtClean="0"/>
-              <a:t>9/12/2019</a:t>
+              <a:t>9/13/2019</a:t>
             </a:fld>
             <a:endParaRPr lang="en-US"/>
           </a:p>
@@ -5306,7 +5330,7 @@
           <a:p>
             <a:fld id="{A99E6A8D-3EF2-489F-A7BF-6EA54CB4A9F3}" type="datetimeFigureOut">
               <a:rPr lang="en-US" smtClean="0"/>
-              <a:t>9/12/2019</a:t>
+              <a:t>9/13/2019</a:t>
             </a:fld>
             <a:endParaRPr lang="en-US"/>
           </a:p>
@@ -5540,7 +5564,7 @@
           <a:p>
             <a:fld id="{A99E6A8D-3EF2-489F-A7BF-6EA54CB4A9F3}" type="datetimeFigureOut">
               <a:rPr lang="en-US" smtClean="0"/>
-              <a:t>9/12/2019</a:t>
+              <a:t>9/13/2019</a:t>
             </a:fld>
             <a:endParaRPr lang="en-US"/>
           </a:p>
@@ -6648,6 +6672,25 @@
               <a:t>Massing firepower projection on enemy</a:t>
             </a:r>
           </a:p>
+          <a:p>
+            <a:pPr lvl="2"/>
+            <a:r>
+              <a:rPr lang="en-US" dirty="0"/>
+              <a:t>Close to Target</a:t>
+            </a:r>
+          </a:p>
+          <a:p>
+            <a:pPr lvl="3"/>
+            <a:r>
+              <a:rPr lang="en-US" dirty="0"/>
+              <a:t>Prevent entities from straying away from the </a:t>
+            </a:r>
+            <a:r>
+              <a:rPr lang="en-US" dirty="0" err="1"/>
+              <a:t>tagret</a:t>
+            </a:r>
+            <a:endParaRPr lang="en-US" dirty="0"/>
+          </a:p>
         </p:txBody>
       </p:sp>
     </p:spTree>
@@ -6703,7 +6746,7 @@
           <a:p>
             <a:r>
               <a:rPr lang="en-US" dirty="0"/>
-              <a:t>Current Run Thomas is working on</a:t>
+              <a:t>Best Results</a:t>
             </a:r>
           </a:p>
         </p:txBody>
@@ -6724,31 +6767,28 @@
             <p:ph idx="1"/>
           </p:nvPr>
         </p:nvSpPr>
-        <p:spPr/>
+        <p:spPr>
+          <a:xfrm>
+            <a:off x="913795" y="1732449"/>
+            <a:ext cx="10353762" cy="4790271"/>
+          </a:xfrm>
+        </p:spPr>
         <p:txBody>
           <a:bodyPr>
-            <a:normAutofit fontScale="92500" lnSpcReduction="20000"/>
+            <a:normAutofit fontScale="70000" lnSpcReduction="20000"/>
           </a:bodyPr>
           <a:lstStyle/>
           <a:p>
             <a:r>
-              <a:rPr lang="en-US" dirty="0">
+              <a:rPr lang="en-US" sz="2900" dirty="0">
                 <a:effectLst/>
               </a:rPr>
-              <a:t>Current Run Params:</a:t>
-            </a:r>
-          </a:p>
-          <a:p>
-            <a:r>
-              <a:rPr lang="en-US" dirty="0">
-                <a:effectLst/>
-              </a:rPr>
-              <a:t>Run time/training duration = 48000</a:t>
-            </a:r>
-          </a:p>
-          <a:p>
-            <a:r>
-              <a:rPr lang="en-US" dirty="0">
+              <a:t>Run time/training duration = 24000</a:t>
+            </a:r>
+          </a:p>
+          <a:p>
+            <a:r>
+              <a:rPr lang="en-US" sz="2900" dirty="0">
                 <a:effectLst/>
               </a:rPr>
               <a:t>Discount factor = .99</a:t>
@@ -6756,24 +6796,15 @@
           </a:p>
           <a:p>
             <a:r>
-              <a:rPr lang="en-US" dirty="0">
+              <a:rPr lang="en-US" sz="2900" dirty="0">
                 <a:effectLst/>
               </a:rPr>
-              <a:t>Hidden layer type = </a:t>
-            </a:r>
-            <a:r>
-              <a:rPr lang="en-US" dirty="0" err="1">
-                <a:effectLst/>
-              </a:rPr>
-              <a:t>relu</a:t>
-            </a:r>
-            <a:endParaRPr lang="en-US" dirty="0">
-              <a:effectLst/>
-            </a:endParaRPr>
-          </a:p>
-          <a:p>
-            <a:r>
-              <a:rPr lang="en-US" dirty="0">
+              <a:t>Hidden layer type = tanh</a:t>
+            </a:r>
+          </a:p>
+          <a:p>
+            <a:r>
+              <a:rPr lang="en-US" sz="2900" dirty="0">
                 <a:effectLst/>
               </a:rPr>
               <a:t>Test duration = 100</a:t>
@@ -6781,39 +6812,39 @@
           </a:p>
           <a:p>
             <a:r>
-              <a:rPr lang="en-US" dirty="0">
+              <a:rPr lang="en-US" sz="2900" dirty="0">
                 <a:effectLst/>
               </a:rPr>
-              <a:t>Learning rate = .05</a:t>
-            </a:r>
-          </a:p>
-          <a:p>
-            <a:r>
-              <a:rPr lang="en-US" dirty="0">
+              <a:t>Learning rate = .03</a:t>
+            </a:r>
+          </a:p>
+          <a:p>
+            <a:r>
+              <a:rPr lang="en-US" sz="2900" dirty="0">
                 <a:effectLst/>
               </a:rPr>
-              <a:t>Reward timeout = 20</a:t>
-            </a:r>
-          </a:p>
-          <a:p>
-            <a:r>
-              <a:rPr lang="en-US" dirty="0">
+              <a:t>Reward timeout = 40</a:t>
+            </a:r>
+          </a:p>
+          <a:p>
+            <a:r>
+              <a:rPr lang="en-US" sz="2900" dirty="0">
                 <a:effectLst/>
               </a:rPr>
-              <a:t>Seed = 557935545</a:t>
-            </a:r>
-          </a:p>
-          <a:p>
-            <a:r>
-              <a:rPr lang="en-US" dirty="0">
+              <a:t>Seed = 38072947</a:t>
+            </a:r>
+          </a:p>
+          <a:p>
+            <a:r>
+              <a:rPr lang="en-US" sz="2900" dirty="0">
                 <a:effectLst/>
               </a:rPr>
-              <a:t>Num hidden layers  = 80</a:t>
-            </a:r>
-          </a:p>
-          <a:p>
-            <a:r>
-              <a:rPr lang="en-US" dirty="0">
+              <a:t>Num hidden layers  = 60</a:t>
+            </a:r>
+          </a:p>
+          <a:p>
+            <a:r>
+              <a:rPr lang="en-US" sz="2900" dirty="0">
                 <a:effectLst/>
               </a:rPr>
               <a:t>Respawn with = 15</a:t>
@@ -6821,10 +6852,32 @@
           </a:p>
           <a:p>
             <a:r>
-              <a:rPr lang="en-US" dirty="0">
+              <a:rPr lang="en-US" sz="2900" dirty="0">
                 <a:effectLst/>
               </a:rPr>
-              <a:t>Loss factor = 1.1</a:t>
+              <a:t>Loss factor = .8</a:t>
+            </a:r>
+          </a:p>
+          <a:p>
+            <a:endParaRPr lang="en-US" sz="2900" dirty="0">
+              <a:effectLst/>
+            </a:endParaRPr>
+          </a:p>
+          <a:p>
+            <a:pPr marL="36900" indent="0">
+              <a:buNone/>
+            </a:pPr>
+            <a:r>
+              <a:rPr lang="en-US" sz="2900" dirty="0">
+                <a:effectLst/>
+              </a:rPr>
+              <a:t>Avg Reward: .</a:t>
+            </a:r>
+            <a:r>
+              <a:rPr lang="en-US" sz="2900" b="1" dirty="0">
+                <a:effectLst/>
+              </a:rPr>
+              <a:t>0036</a:t>
             </a:r>
           </a:p>
           <a:p>
@@ -6836,6 +6889,106 @@
     <p:extLst>
       <p:ext uri="{BB962C8B-B14F-4D97-AF65-F5344CB8AC3E}">
         <p14:creationId xmlns:p14="http://schemas.microsoft.com/office/powerpoint/2010/main" val="3268148253"/>
+      </p:ext>
+    </p:extLst>
+  </p:cSld>
+  <p:clrMapOvr>
+    <a:masterClrMapping/>
+  </p:clrMapOvr>
+</p:sld>
+</file>
+
+<file path=ppt/slides/slide5.xml><?xml version="1.0" encoding="utf-8"?>
+<p:sld xmlns:a="http://schemas.openxmlformats.org/drawingml/2006/main" xmlns:r="http://schemas.openxmlformats.org/officeDocument/2006/relationships" xmlns:p="http://schemas.openxmlformats.org/presentationml/2006/main">
+  <p:cSld>
+    <p:spTree>
+      <p:nvGrpSpPr>
+        <p:cNvPr id="1" name=""/>
+        <p:cNvGrpSpPr/>
+        <p:nvPr/>
+      </p:nvGrpSpPr>
+      <p:grpSpPr>
+        <a:xfrm>
+          <a:off x="0" y="0"/>
+          <a:ext cx="0" cy="0"/>
+          <a:chOff x="0" y="0"/>
+          <a:chExt cx="0" cy="0"/>
+        </a:xfrm>
+      </p:grpSpPr>
+      <p:sp>
+        <p:nvSpPr>
+          <p:cNvPr id="2" name="Title 1">
+            <a:extLst>
+              <a:ext uri="{FF2B5EF4-FFF2-40B4-BE49-F238E27FC236}">
+                <a16:creationId xmlns:a16="http://schemas.microsoft.com/office/drawing/2014/main" id="{481CCF69-40F8-469A-8249-4621AEE13702}"/>
+              </a:ext>
+            </a:extLst>
+          </p:cNvPr>
+          <p:cNvSpPr>
+            <a:spLocks noGrp="1"/>
+          </p:cNvSpPr>
+          <p:nvPr>
+            <p:ph type="title"/>
+          </p:nvPr>
+        </p:nvSpPr>
+        <p:spPr/>
+        <p:txBody>
+          <a:bodyPr/>
+          <a:lstStyle/>
+          <a:p>
+            <a:r>
+              <a:rPr lang="en-US" dirty="0"/>
+              <a:t>Conclusion</a:t>
+            </a:r>
+          </a:p>
+        </p:txBody>
+      </p:sp>
+      <p:sp>
+        <p:nvSpPr>
+          <p:cNvPr id="3" name="Content Placeholder 2">
+            <a:extLst>
+              <a:ext uri="{FF2B5EF4-FFF2-40B4-BE49-F238E27FC236}">
+                <a16:creationId xmlns:a16="http://schemas.microsoft.com/office/drawing/2014/main" id="{528C55F2-14F3-464A-9B0C-BF461E8E4326}"/>
+              </a:ext>
+            </a:extLst>
+          </p:cNvPr>
+          <p:cNvSpPr>
+            <a:spLocks noGrp="1"/>
+          </p:cNvSpPr>
+          <p:nvPr>
+            <p:ph idx="1"/>
+          </p:nvPr>
+        </p:nvSpPr>
+        <p:spPr/>
+        <p:txBody>
+          <a:bodyPr/>
+          <a:lstStyle/>
+          <a:p>
+            <a:r>
+              <a:rPr lang="en-US" dirty="0"/>
+              <a:t>Bash and Multiple Parameters</a:t>
+            </a:r>
+          </a:p>
+          <a:p>
+            <a:r>
+              <a:rPr lang="en-US" dirty="0"/>
+              <a:t>Computationally </a:t>
+            </a:r>
+            <a:r>
+              <a:rPr lang="en-US" dirty="0" err="1"/>
+              <a:t>expnsive</a:t>
+            </a:r>
+            <a:endParaRPr lang="en-US" dirty="0"/>
+          </a:p>
+          <a:p>
+            <a:endParaRPr lang="en-US" dirty="0"/>
+          </a:p>
+        </p:txBody>
+      </p:sp>
+    </p:spTree>
+    <p:extLst>
+      <p:ext uri="{BB962C8B-B14F-4D97-AF65-F5344CB8AC3E}">
+        <p14:creationId xmlns:p14="http://schemas.microsoft.com/office/powerpoint/2010/main" val="22519026"/>
       </p:ext>
     </p:extLst>
   </p:cSld>
